--- a/Protocolo mqtt.pptx
+++ b/Protocolo mqtt.pptx
@@ -4,27 +4,31 @@
   <p:sldMasterIdLst>
     <p:sldMasterId id="2147483804" r:id="rId1"/>
   </p:sldMasterIdLst>
+  <p:notesMasterIdLst>
+    <p:notesMasterId r:id="rId23"/>
+  </p:notesMasterIdLst>
   <p:sldIdLst>
     <p:sldId id="256" r:id="rId2"/>
-    <p:sldId id="257" r:id="rId3"/>
-    <p:sldId id="263" r:id="rId4"/>
-    <p:sldId id="274" r:id="rId5"/>
-    <p:sldId id="258" r:id="rId6"/>
-    <p:sldId id="268" r:id="rId7"/>
+    <p:sldId id="278" r:id="rId3"/>
+    <p:sldId id="257" r:id="rId4"/>
+    <p:sldId id="263" r:id="rId5"/>
+    <p:sldId id="274" r:id="rId6"/>
+    <p:sldId id="258" r:id="rId7"/>
     <p:sldId id="267" r:id="rId8"/>
-    <p:sldId id="259" r:id="rId9"/>
-    <p:sldId id="269" r:id="rId10"/>
-    <p:sldId id="271" r:id="rId11"/>
-    <p:sldId id="270" r:id="rId12"/>
-    <p:sldId id="273" r:id="rId13"/>
-    <p:sldId id="275" r:id="rId14"/>
-    <p:sldId id="260" r:id="rId15"/>
-    <p:sldId id="264" r:id="rId16"/>
-    <p:sldId id="262" r:id="rId17"/>
-    <p:sldId id="277" r:id="rId18"/>
-    <p:sldId id="276" r:id="rId19"/>
-    <p:sldId id="266" r:id="rId20"/>
-    <p:sldId id="265" r:id="rId21"/>
+    <p:sldId id="268" r:id="rId9"/>
+    <p:sldId id="259" r:id="rId10"/>
+    <p:sldId id="269" r:id="rId11"/>
+    <p:sldId id="271" r:id="rId12"/>
+    <p:sldId id="270" r:id="rId13"/>
+    <p:sldId id="273" r:id="rId14"/>
+    <p:sldId id="275" r:id="rId15"/>
+    <p:sldId id="260" r:id="rId16"/>
+    <p:sldId id="264" r:id="rId17"/>
+    <p:sldId id="262" r:id="rId18"/>
+    <p:sldId id="277" r:id="rId19"/>
+    <p:sldId id="276" r:id="rId20"/>
+    <p:sldId id="266" r:id="rId21"/>
+    <p:sldId id="265" r:id="rId22"/>
   </p:sldIdLst>
   <p:sldSz cx="9144000" cy="6858000" type="screen4x3"/>
   <p:notesSz cx="6858000" cy="9144000"/>
@@ -126,6 +130,356 @@
 </p:presentation>
 </file>
 
+<file path=ppt/notesMasters/notesMaster1.xml><?xml version="1.0" encoding="utf-8"?>
+<p:notesMaster xmlns:a="http://schemas.openxmlformats.org/drawingml/2006/main" xmlns:r="http://schemas.openxmlformats.org/officeDocument/2006/relationships" xmlns:p="http://schemas.openxmlformats.org/presentationml/2006/main">
+  <p:cSld>
+    <p:bg>
+      <p:bgRef idx="1001">
+        <a:schemeClr val="bg1"/>
+      </p:bgRef>
+    </p:bg>
+    <p:spTree>
+      <p:nvGrpSpPr>
+        <p:cNvPr id="1" name=""/>
+        <p:cNvGrpSpPr/>
+        <p:nvPr/>
+      </p:nvGrpSpPr>
+      <p:grpSpPr>
+        <a:xfrm>
+          <a:off x="0" y="0"/>
+          <a:ext cx="0" cy="0"/>
+          <a:chOff x="0" y="0"/>
+          <a:chExt cx="0" cy="0"/>
+        </a:xfrm>
+      </p:grpSpPr>
+      <p:sp>
+        <p:nvSpPr>
+          <p:cNvPr id="2" name="Header Placeholder 1"/>
+          <p:cNvSpPr>
+            <a:spLocks noGrp="1"/>
+          </p:cNvSpPr>
+          <p:nvPr>
+            <p:ph type="hdr" sz="quarter"/>
+          </p:nvPr>
+        </p:nvSpPr>
+        <p:spPr>
+          <a:xfrm>
+            <a:off x="0" y="0"/>
+            <a:ext cx="2971800" cy="457200"/>
+          </a:xfrm>
+          <a:prstGeom prst="rect">
+            <a:avLst/>
+          </a:prstGeom>
+        </p:spPr>
+        <p:txBody>
+          <a:bodyPr vert="horz" lIns="91440" tIns="45720" rIns="91440" bIns="45720" rtlCol="0"/>
+          <a:lstStyle>
+            <a:lvl1pPr algn="l">
+              <a:defRPr sz="1200"/>
+            </a:lvl1pPr>
+          </a:lstStyle>
+          <a:p>
+            <a:endParaRPr lang="pt-BR"/>
+          </a:p>
+        </p:txBody>
+      </p:sp>
+      <p:sp>
+        <p:nvSpPr>
+          <p:cNvPr id="3" name="Date Placeholder 2"/>
+          <p:cNvSpPr>
+            <a:spLocks noGrp="1"/>
+          </p:cNvSpPr>
+          <p:nvPr>
+            <p:ph type="dt" idx="1"/>
+          </p:nvPr>
+        </p:nvSpPr>
+        <p:spPr>
+          <a:xfrm>
+            <a:off x="3884613" y="0"/>
+            <a:ext cx="2971800" cy="457200"/>
+          </a:xfrm>
+          <a:prstGeom prst="rect">
+            <a:avLst/>
+          </a:prstGeom>
+        </p:spPr>
+        <p:txBody>
+          <a:bodyPr vert="horz" lIns="91440" tIns="45720" rIns="91440" bIns="45720" rtlCol="0"/>
+          <a:lstStyle>
+            <a:lvl1pPr algn="r">
+              <a:defRPr sz="1200"/>
+            </a:lvl1pPr>
+          </a:lstStyle>
+          <a:p>
+            <a:fld id="{ED084C75-225B-404B-92CF-3013A6ECD4FA}" type="datetimeFigureOut">
+              <a:rPr lang="pt-BR" smtClean="0"/>
+              <a:t>07/09/2016</a:t>
+            </a:fld>
+            <a:endParaRPr lang="pt-BR"/>
+          </a:p>
+        </p:txBody>
+      </p:sp>
+      <p:sp>
+        <p:nvSpPr>
+          <p:cNvPr id="4" name="Slide Image Placeholder 3"/>
+          <p:cNvSpPr>
+            <a:spLocks noGrp="1" noRot="1" noChangeAspect="1"/>
+          </p:cNvSpPr>
+          <p:nvPr>
+            <p:ph type="sldImg" idx="2"/>
+          </p:nvPr>
+        </p:nvSpPr>
+        <p:spPr>
+          <a:xfrm>
+            <a:off x="1143000" y="685800"/>
+            <a:ext cx="4572000" cy="3429000"/>
+          </a:xfrm>
+          <a:prstGeom prst="rect">
+            <a:avLst/>
+          </a:prstGeom>
+          <a:noFill/>
+          <a:ln w="12700">
+            <a:solidFill>
+              <a:prstClr val="black"/>
+            </a:solidFill>
+          </a:ln>
+        </p:spPr>
+        <p:txBody>
+          <a:bodyPr vert="horz" lIns="91440" tIns="45720" rIns="91440" bIns="45720" rtlCol="0" anchor="ctr"/>
+          <a:lstStyle/>
+          <a:p>
+            <a:endParaRPr lang="pt-BR"/>
+          </a:p>
+        </p:txBody>
+      </p:sp>
+      <p:sp>
+        <p:nvSpPr>
+          <p:cNvPr id="5" name="Notes Placeholder 4"/>
+          <p:cNvSpPr>
+            <a:spLocks noGrp="1"/>
+          </p:cNvSpPr>
+          <p:nvPr>
+            <p:ph type="body" sz="quarter" idx="3"/>
+          </p:nvPr>
+        </p:nvSpPr>
+        <p:spPr>
+          <a:xfrm>
+            <a:off x="685800" y="4343400"/>
+            <a:ext cx="5486400" cy="4114800"/>
+          </a:xfrm>
+          <a:prstGeom prst="rect">
+            <a:avLst/>
+          </a:prstGeom>
+        </p:spPr>
+        <p:txBody>
+          <a:bodyPr vert="horz" lIns="91440" tIns="45720" rIns="91440" bIns="45720" rtlCol="0"/>
+          <a:lstStyle/>
+          <a:p>
+            <a:pPr lvl="0"/>
+            <a:r>
+              <a:rPr lang="en-US" smtClean="0"/>
+              <a:t>Click to edit Master text styles</a:t>
+            </a:r>
+          </a:p>
+          <a:p>
+            <a:pPr lvl="1"/>
+            <a:r>
+              <a:rPr lang="en-US" smtClean="0"/>
+              <a:t>Second level</a:t>
+            </a:r>
+          </a:p>
+          <a:p>
+            <a:pPr lvl="2"/>
+            <a:r>
+              <a:rPr lang="en-US" smtClean="0"/>
+              <a:t>Third level</a:t>
+            </a:r>
+          </a:p>
+          <a:p>
+            <a:pPr lvl="3"/>
+            <a:r>
+              <a:rPr lang="en-US" smtClean="0"/>
+              <a:t>Fourth level</a:t>
+            </a:r>
+          </a:p>
+          <a:p>
+            <a:pPr lvl="4"/>
+            <a:r>
+              <a:rPr lang="en-US" smtClean="0"/>
+              <a:t>Fifth level</a:t>
+            </a:r>
+            <a:endParaRPr lang="pt-BR"/>
+          </a:p>
+        </p:txBody>
+      </p:sp>
+      <p:sp>
+        <p:nvSpPr>
+          <p:cNvPr id="6" name="Footer Placeholder 5"/>
+          <p:cNvSpPr>
+            <a:spLocks noGrp="1"/>
+          </p:cNvSpPr>
+          <p:nvPr>
+            <p:ph type="ftr" sz="quarter" idx="4"/>
+          </p:nvPr>
+        </p:nvSpPr>
+        <p:spPr>
+          <a:xfrm>
+            <a:off x="0" y="8685213"/>
+            <a:ext cx="2971800" cy="457200"/>
+          </a:xfrm>
+          <a:prstGeom prst="rect">
+            <a:avLst/>
+          </a:prstGeom>
+        </p:spPr>
+        <p:txBody>
+          <a:bodyPr vert="horz" lIns="91440" tIns="45720" rIns="91440" bIns="45720" rtlCol="0" anchor="b"/>
+          <a:lstStyle>
+            <a:lvl1pPr algn="l">
+              <a:defRPr sz="1200"/>
+            </a:lvl1pPr>
+          </a:lstStyle>
+          <a:p>
+            <a:endParaRPr lang="pt-BR"/>
+          </a:p>
+        </p:txBody>
+      </p:sp>
+      <p:sp>
+        <p:nvSpPr>
+          <p:cNvPr id="7" name="Slide Number Placeholder 6"/>
+          <p:cNvSpPr>
+            <a:spLocks noGrp="1"/>
+          </p:cNvSpPr>
+          <p:nvPr>
+            <p:ph type="sldNum" sz="quarter" idx="5"/>
+          </p:nvPr>
+        </p:nvSpPr>
+        <p:spPr>
+          <a:xfrm>
+            <a:off x="3884613" y="8685213"/>
+            <a:ext cx="2971800" cy="457200"/>
+          </a:xfrm>
+          <a:prstGeom prst="rect">
+            <a:avLst/>
+          </a:prstGeom>
+        </p:spPr>
+        <p:txBody>
+          <a:bodyPr vert="horz" lIns="91440" tIns="45720" rIns="91440" bIns="45720" rtlCol="0" anchor="b"/>
+          <a:lstStyle>
+            <a:lvl1pPr algn="r">
+              <a:defRPr sz="1200"/>
+            </a:lvl1pPr>
+          </a:lstStyle>
+          <a:p>
+            <a:fld id="{0DF1FE94-8C49-4952-A47D-88D2F7BD9E32}" type="slidenum">
+              <a:rPr lang="pt-BR" smtClean="0"/>
+              <a:t>‹#›</a:t>
+            </a:fld>
+            <a:endParaRPr lang="pt-BR"/>
+          </a:p>
+        </p:txBody>
+      </p:sp>
+    </p:spTree>
+    <p:extLst>
+      <p:ext uri="{BB962C8B-B14F-4D97-AF65-F5344CB8AC3E}">
+        <p14:creationId xmlns:p14="http://schemas.microsoft.com/office/powerpoint/2010/main" val="3256137113"/>
+      </p:ext>
+    </p:extLst>
+  </p:cSld>
+  <p:clrMap bg1="lt1" tx1="dk1" bg2="lt2" tx2="dk2" accent1="accent1" accent2="accent2" accent3="accent3" accent4="accent4" accent5="accent5" accent6="accent6" hlink="hlink" folHlink="folHlink"/>
+  <p:notesStyle>
+    <a:lvl1pPr marL="0" algn="l" defTabSz="914400" rtl="0" eaLnBrk="1" latinLnBrk="0" hangingPunct="1">
+      <a:defRPr sz="1200" kern="1200">
+        <a:solidFill>
+          <a:schemeClr val="tx1"/>
+        </a:solidFill>
+        <a:latin typeface="+mn-lt"/>
+        <a:ea typeface="+mn-ea"/>
+        <a:cs typeface="+mn-cs"/>
+      </a:defRPr>
+    </a:lvl1pPr>
+    <a:lvl2pPr marL="457200" algn="l" defTabSz="914400" rtl="0" eaLnBrk="1" latinLnBrk="0" hangingPunct="1">
+      <a:defRPr sz="1200" kern="1200">
+        <a:solidFill>
+          <a:schemeClr val="tx1"/>
+        </a:solidFill>
+        <a:latin typeface="+mn-lt"/>
+        <a:ea typeface="+mn-ea"/>
+        <a:cs typeface="+mn-cs"/>
+      </a:defRPr>
+    </a:lvl2pPr>
+    <a:lvl3pPr marL="914400" algn="l" defTabSz="914400" rtl="0" eaLnBrk="1" latinLnBrk="0" hangingPunct="1">
+      <a:defRPr sz="1200" kern="1200">
+        <a:solidFill>
+          <a:schemeClr val="tx1"/>
+        </a:solidFill>
+        <a:latin typeface="+mn-lt"/>
+        <a:ea typeface="+mn-ea"/>
+        <a:cs typeface="+mn-cs"/>
+      </a:defRPr>
+    </a:lvl3pPr>
+    <a:lvl4pPr marL="1371600" algn="l" defTabSz="914400" rtl="0" eaLnBrk="1" latinLnBrk="0" hangingPunct="1">
+      <a:defRPr sz="1200" kern="1200">
+        <a:solidFill>
+          <a:schemeClr val="tx1"/>
+        </a:solidFill>
+        <a:latin typeface="+mn-lt"/>
+        <a:ea typeface="+mn-ea"/>
+        <a:cs typeface="+mn-cs"/>
+      </a:defRPr>
+    </a:lvl4pPr>
+    <a:lvl5pPr marL="1828800" algn="l" defTabSz="914400" rtl="0" eaLnBrk="1" latinLnBrk="0" hangingPunct="1">
+      <a:defRPr sz="1200" kern="1200">
+        <a:solidFill>
+          <a:schemeClr val="tx1"/>
+        </a:solidFill>
+        <a:latin typeface="+mn-lt"/>
+        <a:ea typeface="+mn-ea"/>
+        <a:cs typeface="+mn-cs"/>
+      </a:defRPr>
+    </a:lvl5pPr>
+    <a:lvl6pPr marL="2286000" algn="l" defTabSz="914400" rtl="0" eaLnBrk="1" latinLnBrk="0" hangingPunct="1">
+      <a:defRPr sz="1200" kern="1200">
+        <a:solidFill>
+          <a:schemeClr val="tx1"/>
+        </a:solidFill>
+        <a:latin typeface="+mn-lt"/>
+        <a:ea typeface="+mn-ea"/>
+        <a:cs typeface="+mn-cs"/>
+      </a:defRPr>
+    </a:lvl6pPr>
+    <a:lvl7pPr marL="2743200" algn="l" defTabSz="914400" rtl="0" eaLnBrk="1" latinLnBrk="0" hangingPunct="1">
+      <a:defRPr sz="1200" kern="1200">
+        <a:solidFill>
+          <a:schemeClr val="tx1"/>
+        </a:solidFill>
+        <a:latin typeface="+mn-lt"/>
+        <a:ea typeface="+mn-ea"/>
+        <a:cs typeface="+mn-cs"/>
+      </a:defRPr>
+    </a:lvl7pPr>
+    <a:lvl8pPr marL="3200400" algn="l" defTabSz="914400" rtl="0" eaLnBrk="1" latinLnBrk="0" hangingPunct="1">
+      <a:defRPr sz="1200" kern="1200">
+        <a:solidFill>
+          <a:schemeClr val="tx1"/>
+        </a:solidFill>
+        <a:latin typeface="+mn-lt"/>
+        <a:ea typeface="+mn-ea"/>
+        <a:cs typeface="+mn-cs"/>
+      </a:defRPr>
+    </a:lvl8pPr>
+    <a:lvl9pPr marL="3657600" algn="l" defTabSz="914400" rtl="0" eaLnBrk="1" latinLnBrk="0" hangingPunct="1">
+      <a:defRPr sz="1200" kern="1200">
+        <a:solidFill>
+          <a:schemeClr val="tx1"/>
+        </a:solidFill>
+        <a:latin typeface="+mn-lt"/>
+        <a:ea typeface="+mn-ea"/>
+        <a:cs typeface="+mn-cs"/>
+      </a:defRPr>
+    </a:lvl9pPr>
+  </p:notesStyle>
+</p:notesMaster>
+</file>
+
 <file path=ppt/slideLayouts/slideLayout1.xml><?xml version="1.0" encoding="utf-8"?>
 <p:sldLayout xmlns:a="http://schemas.openxmlformats.org/drawingml/2006/main" xmlns:r="http://schemas.openxmlformats.org/officeDocument/2006/relationships" xmlns:p="http://schemas.openxmlformats.org/presentationml/2006/main" type="title" preserve="1">
   <p:cSld name="Title Slide">
@@ -312,9 +666,9 @@
           <a:bodyPr/>
           <a:lstStyle/>
           <a:p>
-            <a:fld id="{F0BD5CC2-2DD7-4720-96F6-AC9D1003AABD}" type="datetimeFigureOut">
+            <a:fld id="{7FCFDFA3-5BB3-424D-870F-BA6EC103555B}" type="datetime1">
               <a:rPr lang="pt-BR" smtClean="0"/>
-              <a:t>01/09/2016</a:t>
+              <a:t>07/09/2016</a:t>
             </a:fld>
             <a:endParaRPr lang="pt-BR"/>
           </a:p>
@@ -512,9 +866,9 @@
           <a:bodyPr/>
           <a:lstStyle/>
           <a:p>
-            <a:fld id="{F0BD5CC2-2DD7-4720-96F6-AC9D1003AABD}" type="datetimeFigureOut">
+            <a:fld id="{13B6E868-D998-4453-9067-3BC8CBD1D39E}" type="datetime1">
               <a:rPr lang="pt-BR" smtClean="0"/>
-              <a:t>01/09/2016</a:t>
+              <a:t>07/09/2016</a:t>
             </a:fld>
             <a:endParaRPr lang="pt-BR"/>
           </a:p>
@@ -687,9 +1041,9 @@
           <a:bodyPr/>
           <a:lstStyle/>
           <a:p>
-            <a:fld id="{F0BD5CC2-2DD7-4720-96F6-AC9D1003AABD}" type="datetimeFigureOut">
+            <a:fld id="{2EA49DB5-6D67-441E-89A9-763C8072E9C9}" type="datetime1">
               <a:rPr lang="pt-BR" smtClean="0"/>
-              <a:t>01/09/2016</a:t>
+              <a:t>07/09/2016</a:t>
             </a:fld>
             <a:endParaRPr lang="pt-BR"/>
           </a:p>
@@ -852,9 +1206,9 @@
           <a:bodyPr/>
           <a:lstStyle/>
           <a:p>
-            <a:fld id="{F0BD5CC2-2DD7-4720-96F6-AC9D1003AABD}" type="datetimeFigureOut">
+            <a:fld id="{ED295CAE-FBBA-4040-8439-083AB0EB3579}" type="datetime1">
               <a:rPr lang="pt-BR" smtClean="0"/>
-              <a:t>01/09/2016</a:t>
+              <a:t>07/09/2016</a:t>
             </a:fld>
             <a:endParaRPr lang="pt-BR"/>
           </a:p>
@@ -1100,9 +1454,9 @@
           <a:bodyPr/>
           <a:lstStyle/>
           <a:p>
-            <a:fld id="{F0BD5CC2-2DD7-4720-96F6-AC9D1003AABD}" type="datetimeFigureOut">
+            <a:fld id="{E3F2DCD0-459C-4667-9165-57071493EC94}" type="datetime1">
               <a:rPr lang="pt-BR" smtClean="0"/>
-              <a:t>01/09/2016</a:t>
+              <a:t>07/09/2016</a:t>
             </a:fld>
             <a:endParaRPr lang="pt-BR"/>
           </a:p>
@@ -1418,9 +1772,9 @@
           <a:bodyPr/>
           <a:lstStyle/>
           <a:p>
-            <a:fld id="{F0BD5CC2-2DD7-4720-96F6-AC9D1003AABD}" type="datetimeFigureOut">
+            <a:fld id="{230411A6-33AB-4998-B411-9E02996747BF}" type="datetime1">
               <a:rPr lang="pt-BR" smtClean="0"/>
-              <a:t>01/09/2016</a:t>
+              <a:t>07/09/2016</a:t>
             </a:fld>
             <a:endParaRPr lang="pt-BR"/>
           </a:p>
@@ -1884,9 +2238,9 @@
           <a:bodyPr/>
           <a:lstStyle/>
           <a:p>
-            <a:fld id="{F0BD5CC2-2DD7-4720-96F6-AC9D1003AABD}" type="datetimeFigureOut">
+            <a:fld id="{0517B2D6-0D0A-41C3-BF97-E05D473723D0}" type="datetime1">
               <a:rPr lang="pt-BR" smtClean="0"/>
-              <a:t>01/09/2016</a:t>
+              <a:t>07/09/2016</a:t>
             </a:fld>
             <a:endParaRPr lang="pt-BR"/>
           </a:p>
@@ -2032,9 +2386,9 @@
           <a:bodyPr/>
           <a:lstStyle/>
           <a:p>
-            <a:fld id="{F0BD5CC2-2DD7-4720-96F6-AC9D1003AABD}" type="datetimeFigureOut">
+            <a:fld id="{884AD3A9-9468-47E8-8466-90ED2C419E39}" type="datetime1">
               <a:rPr lang="pt-BR" smtClean="0"/>
-              <a:t>01/09/2016</a:t>
+              <a:t>07/09/2016</a:t>
             </a:fld>
             <a:endParaRPr lang="pt-BR"/>
           </a:p>
@@ -2122,9 +2476,9 @@
           <a:bodyPr/>
           <a:lstStyle/>
           <a:p>
-            <a:fld id="{F0BD5CC2-2DD7-4720-96F6-AC9D1003AABD}" type="datetimeFigureOut">
+            <a:fld id="{4A25361F-ACC0-4C93-9D90-5E23C4472976}" type="datetime1">
               <a:rPr lang="pt-BR" smtClean="0"/>
-              <a:t>01/09/2016</a:t>
+              <a:t>07/09/2016</a:t>
             </a:fld>
             <a:endParaRPr lang="pt-BR"/>
           </a:p>
@@ -2396,9 +2750,9 @@
           <a:bodyPr/>
           <a:lstStyle/>
           <a:p>
-            <a:fld id="{F0BD5CC2-2DD7-4720-96F6-AC9D1003AABD}" type="datetimeFigureOut">
+            <a:fld id="{F44A5BFB-571C-4CCC-83D5-6E76D34606BF}" type="datetime1">
               <a:rPr lang="pt-BR" smtClean="0"/>
-              <a:t>01/09/2016</a:t>
+              <a:t>07/09/2016</a:t>
             </a:fld>
             <a:endParaRPr lang="pt-BR"/>
           </a:p>
@@ -2701,9 +3055,9 @@
           <a:bodyPr/>
           <a:lstStyle/>
           <a:p>
-            <a:fld id="{F0BD5CC2-2DD7-4720-96F6-AC9D1003AABD}" type="datetimeFigureOut">
+            <a:fld id="{CF9E9CC7-1A4A-48E7-A1F6-938837FEDBE7}" type="datetime1">
               <a:rPr lang="pt-BR" smtClean="0"/>
-              <a:t>01/09/2016</a:t>
+              <a:t>07/09/2016</a:t>
             </a:fld>
             <a:endParaRPr lang="pt-BR"/>
           </a:p>
@@ -2999,9 +3353,9 @@
             </a:lvl1pPr>
           </a:lstStyle>
           <a:p>
-            <a:fld id="{F0BD5CC2-2DD7-4720-96F6-AC9D1003AABD}" type="datetimeFigureOut">
+            <a:fld id="{C6A7F743-03B3-44CD-B8CE-F288869FC4B5}" type="datetime1">
               <a:rPr lang="pt-BR" smtClean="0"/>
-              <a:t>01/09/2016</a:t>
+              <a:t>07/09/2016</a:t>
             </a:fld>
             <a:endParaRPr lang="pt-BR"/>
           </a:p>
@@ -3097,6 +3451,7 @@
     <p:sldLayoutId id="2147483814" r:id="rId10"/>
     <p:sldLayoutId id="2147483815" r:id="rId11"/>
   </p:sldLayoutIdLst>
+  <p:hf hdr="0" dt="0"/>
   <p:txStyles>
     <p:titleStyle>
       <a:lvl1pPr algn="l" defTabSz="914400" rtl="0" eaLnBrk="1" latinLnBrk="0" hangingPunct="1">
@@ -3444,6 +3799,52 @@
           </a:p>
         </p:txBody>
       </p:sp>
+      <p:sp>
+        <p:nvSpPr>
+          <p:cNvPr id="4" name="Slide Number Placeholder 3"/>
+          <p:cNvSpPr>
+            <a:spLocks noGrp="1"/>
+          </p:cNvSpPr>
+          <p:nvPr>
+            <p:ph type="sldNum" sz="quarter" idx="12"/>
+          </p:nvPr>
+        </p:nvSpPr>
+        <p:spPr/>
+        <p:txBody>
+          <a:bodyPr/>
+          <a:lstStyle/>
+          <a:p>
+            <a:fld id="{F7934532-1102-47A1-AD69-2C30B33FF293}" type="slidenum">
+              <a:rPr lang="pt-BR" smtClean="0"/>
+              <a:t>1</a:t>
+            </a:fld>
+            <a:endParaRPr lang="pt-BR"/>
+          </a:p>
+        </p:txBody>
+      </p:sp>
+      <p:sp>
+        <p:nvSpPr>
+          <p:cNvPr id="5" name="Footer Placeholder 4"/>
+          <p:cNvSpPr>
+            <a:spLocks noGrp="1"/>
+          </p:cNvSpPr>
+          <p:nvPr>
+            <p:ph type="ftr" sz="quarter" idx="11"/>
+          </p:nvPr>
+        </p:nvSpPr>
+        <p:spPr/>
+        <p:txBody>
+          <a:bodyPr/>
+          <a:lstStyle/>
+          <a:p>
+            <a:r>
+              <a:rPr lang="pt-BR" dirty="0" smtClean="0"/>
+              <a:t>Pedro Affonso – MO809 – set/2016</a:t>
+            </a:r>
+            <a:endParaRPr lang="pt-BR" dirty="0"/>
+          </a:p>
+        </p:txBody>
+      </p:sp>
     </p:spTree>
     <p:extLst>
       <p:ext uri="{BB962C8B-B14F-4D97-AF65-F5344CB8AC3E}">
@@ -3458,6 +3859,155 @@
 </file>
 
 <file path=ppt/slides/slide10.xml><?xml version="1.0" encoding="utf-8"?>
+<p:sld xmlns:a="http://schemas.openxmlformats.org/drawingml/2006/main" xmlns:r="http://schemas.openxmlformats.org/officeDocument/2006/relationships" xmlns:p="http://schemas.openxmlformats.org/presentationml/2006/main">
+  <p:cSld>
+    <p:spTree>
+      <p:nvGrpSpPr>
+        <p:cNvPr id="1" name=""/>
+        <p:cNvGrpSpPr/>
+        <p:nvPr/>
+      </p:nvGrpSpPr>
+      <p:grpSpPr>
+        <a:xfrm>
+          <a:off x="0" y="0"/>
+          <a:ext cx="0" cy="0"/>
+          <a:chOff x="0" y="0"/>
+          <a:chExt cx="0" cy="0"/>
+        </a:xfrm>
+      </p:grpSpPr>
+      <p:sp>
+        <p:nvSpPr>
+          <p:cNvPr id="2" name="Title 1"/>
+          <p:cNvSpPr>
+            <a:spLocks noGrp="1"/>
+          </p:cNvSpPr>
+          <p:nvPr>
+            <p:ph type="title"/>
+          </p:nvPr>
+        </p:nvSpPr>
+        <p:spPr/>
+        <p:txBody>
+          <a:bodyPr/>
+          <a:lstStyle/>
+          <a:p>
+            <a:r>
+              <a:rPr lang="pt-BR" dirty="0" smtClean="0"/>
+              <a:t>Visão resumida em baixo nível</a:t>
+            </a:r>
+            <a:endParaRPr lang="pt-BR" dirty="0"/>
+          </a:p>
+        </p:txBody>
+      </p:sp>
+      <p:pic>
+        <p:nvPicPr>
+          <p:cNvPr id="4098" name="Picture 2" descr="MQTT Publish attributes"/>
+          <p:cNvPicPr>
+            <a:picLocks noChangeAspect="1" noChangeArrowheads="1"/>
+          </p:cNvPicPr>
+          <p:nvPr/>
+        </p:nvPicPr>
+        <p:blipFill>
+          <a:blip r:embed="rId2">
+            <a:extLst>
+              <a:ext uri="{28A0092B-C50C-407E-A947-70E740481C1C}">
+                <a14:useLocalDpi xmlns:a14="http://schemas.microsoft.com/office/drawing/2010/main" val="0"/>
+              </a:ext>
+            </a:extLst>
+          </a:blip>
+          <a:srcRect/>
+          <a:stretch>
+            <a:fillRect/>
+          </a:stretch>
+        </p:blipFill>
+        <p:spPr bwMode="auto">
+          <a:xfrm>
+            <a:off x="963529" y="2132856"/>
+            <a:ext cx="6547529" cy="3888432"/>
+          </a:xfrm>
+          <a:prstGeom prst="rect">
+            <a:avLst/>
+          </a:prstGeom>
+          <a:noFill/>
+          <a:extLst>
+            <a:ext uri="{909E8E84-426E-40DD-AFC4-6F175D3DCCD1}">
+              <a14:hiddenFill xmlns:a14="http://schemas.microsoft.com/office/drawing/2010/main">
+                <a:solidFill>
+                  <a:srgbClr val="FFFFFF"/>
+                </a:solidFill>
+              </a14:hiddenFill>
+            </a:ext>
+          </a:extLst>
+        </p:spPr>
+      </p:pic>
+      <p:sp>
+        <p:nvSpPr>
+          <p:cNvPr id="3" name="Slide Number Placeholder 2"/>
+          <p:cNvSpPr>
+            <a:spLocks noGrp="1"/>
+          </p:cNvSpPr>
+          <p:nvPr>
+            <p:ph type="sldNum" sz="quarter" idx="12"/>
+          </p:nvPr>
+        </p:nvSpPr>
+        <p:spPr/>
+        <p:txBody>
+          <a:bodyPr/>
+          <a:lstStyle/>
+          <a:p>
+            <a:fld id="{F7934532-1102-47A1-AD69-2C30B33FF293}" type="slidenum">
+              <a:rPr lang="pt-BR" smtClean="0"/>
+              <a:t>10</a:t>
+            </a:fld>
+            <a:endParaRPr lang="pt-BR"/>
+          </a:p>
+        </p:txBody>
+      </p:sp>
+      <p:sp>
+        <p:nvSpPr>
+          <p:cNvPr id="6" name="Footer Placeholder 4"/>
+          <p:cNvSpPr>
+            <a:spLocks noGrp="1"/>
+          </p:cNvSpPr>
+          <p:nvPr>
+            <p:ph type="ftr" sz="quarter" idx="11"/>
+          </p:nvPr>
+        </p:nvSpPr>
+        <p:spPr>
+          <a:xfrm>
+            <a:off x="3429000" y="18288"/>
+            <a:ext cx="4114800" cy="329184"/>
+          </a:xfrm>
+        </p:spPr>
+        <p:txBody>
+          <a:bodyPr/>
+          <a:lstStyle/>
+          <a:p>
+            <a:r>
+              <a:rPr lang="pt-BR" dirty="0"/>
+              <a:t>Pedro Affonso – MO809 – </a:t>
+            </a:r>
+            <a:r>
+              <a:rPr lang="pt-BR" dirty="0" smtClean="0"/>
+              <a:t>set/2016</a:t>
+            </a:r>
+            <a:endParaRPr lang="pt-BR" dirty="0"/>
+          </a:p>
+        </p:txBody>
+      </p:sp>
+    </p:spTree>
+    <p:extLst>
+      <p:ext uri="{BB962C8B-B14F-4D97-AF65-F5344CB8AC3E}">
+        <p14:creationId xmlns:p14="http://schemas.microsoft.com/office/powerpoint/2010/main" val="1850384722"/>
+      </p:ext>
+    </p:extLst>
+  </p:cSld>
+  <p:clrMapOvr>
+    <a:masterClrMapping/>
+  </p:clrMapOvr>
+</p:sld>
+</file>
+
+<file path=ppt/slides/slide11.xml><?xml version="1.0" encoding="utf-8"?>
 <p:sld xmlns:a="http://schemas.openxmlformats.org/drawingml/2006/main" xmlns:r="http://schemas.openxmlformats.org/officeDocument/2006/relationships" xmlns:p="http://schemas.openxmlformats.org/presentationml/2006/main">
   <p:cSld>
     <p:spTree>
@@ -3538,6 +4088,61 @@
           </a:extLst>
         </p:spPr>
       </p:pic>
+      <p:sp>
+        <p:nvSpPr>
+          <p:cNvPr id="3" name="Slide Number Placeholder 2"/>
+          <p:cNvSpPr>
+            <a:spLocks noGrp="1"/>
+          </p:cNvSpPr>
+          <p:nvPr>
+            <p:ph type="sldNum" sz="quarter" idx="12"/>
+          </p:nvPr>
+        </p:nvSpPr>
+        <p:spPr/>
+        <p:txBody>
+          <a:bodyPr/>
+          <a:lstStyle/>
+          <a:p>
+            <a:fld id="{F7934532-1102-47A1-AD69-2C30B33FF293}" type="slidenum">
+              <a:rPr lang="pt-BR" smtClean="0"/>
+              <a:t>11</a:t>
+            </a:fld>
+            <a:endParaRPr lang="pt-BR"/>
+          </a:p>
+        </p:txBody>
+      </p:sp>
+      <p:sp>
+        <p:nvSpPr>
+          <p:cNvPr id="6" name="Footer Placeholder 4"/>
+          <p:cNvSpPr>
+            <a:spLocks noGrp="1"/>
+          </p:cNvSpPr>
+          <p:nvPr>
+            <p:ph type="ftr" sz="quarter" idx="11"/>
+          </p:nvPr>
+        </p:nvSpPr>
+        <p:spPr>
+          <a:xfrm>
+            <a:off x="3429000" y="18288"/>
+            <a:ext cx="4114800" cy="329184"/>
+          </a:xfrm>
+        </p:spPr>
+        <p:txBody>
+          <a:bodyPr/>
+          <a:lstStyle/>
+          <a:p>
+            <a:r>
+              <a:rPr lang="pt-BR" dirty="0"/>
+              <a:t>Pedro Affonso – MO809 – </a:t>
+            </a:r>
+            <a:r>
+              <a:rPr lang="pt-BR" dirty="0" smtClean="0"/>
+              <a:t>set/2016</a:t>
+            </a:r>
+            <a:endParaRPr lang="pt-BR" dirty="0"/>
+          </a:p>
+        </p:txBody>
+      </p:sp>
     </p:spTree>
     <p:extLst>
       <p:ext uri="{BB962C8B-B14F-4D97-AF65-F5344CB8AC3E}">
@@ -3551,7 +4156,7 @@
 </p:sld>
 </file>
 
-<file path=ppt/slides/slide11.xml><?xml version="1.0" encoding="utf-8"?>
+<file path=ppt/slides/slide12.xml><?xml version="1.0" encoding="utf-8"?>
 <p:sld xmlns:a="http://schemas.openxmlformats.org/drawingml/2006/main" xmlns:r="http://schemas.openxmlformats.org/officeDocument/2006/relationships" xmlns:p="http://schemas.openxmlformats.org/presentationml/2006/main">
   <p:cSld>
     <p:spTree>
@@ -3755,6 +4360,61 @@
           </a:extLst>
         </p:spPr>
       </p:pic>
+      <p:sp>
+        <p:nvSpPr>
+          <p:cNvPr id="4" name="Slide Number Placeholder 3"/>
+          <p:cNvSpPr>
+            <a:spLocks noGrp="1"/>
+          </p:cNvSpPr>
+          <p:nvPr>
+            <p:ph type="sldNum" sz="quarter" idx="12"/>
+          </p:nvPr>
+        </p:nvSpPr>
+        <p:spPr/>
+        <p:txBody>
+          <a:bodyPr/>
+          <a:lstStyle/>
+          <a:p>
+            <a:fld id="{F7934532-1102-47A1-AD69-2C30B33FF293}" type="slidenum">
+              <a:rPr lang="pt-BR" smtClean="0"/>
+              <a:t>12</a:t>
+            </a:fld>
+            <a:endParaRPr lang="pt-BR"/>
+          </a:p>
+        </p:txBody>
+      </p:sp>
+      <p:sp>
+        <p:nvSpPr>
+          <p:cNvPr id="9" name="Footer Placeholder 4"/>
+          <p:cNvSpPr>
+            <a:spLocks noGrp="1"/>
+          </p:cNvSpPr>
+          <p:nvPr>
+            <p:ph type="ftr" sz="quarter" idx="11"/>
+          </p:nvPr>
+        </p:nvSpPr>
+        <p:spPr>
+          <a:xfrm>
+            <a:off x="3429000" y="18288"/>
+            <a:ext cx="4114800" cy="329184"/>
+          </a:xfrm>
+        </p:spPr>
+        <p:txBody>
+          <a:bodyPr/>
+          <a:lstStyle/>
+          <a:p>
+            <a:r>
+              <a:rPr lang="pt-BR" dirty="0"/>
+              <a:t>Pedro Affonso – MO809 – </a:t>
+            </a:r>
+            <a:r>
+              <a:rPr lang="pt-BR" dirty="0" smtClean="0"/>
+              <a:t>set/2016</a:t>
+            </a:r>
+            <a:endParaRPr lang="pt-BR" dirty="0"/>
+          </a:p>
+        </p:txBody>
+      </p:sp>
     </p:spTree>
     <p:extLst>
       <p:ext uri="{BB962C8B-B14F-4D97-AF65-F5344CB8AC3E}">
@@ -3768,7 +4428,7 @@
 </p:sld>
 </file>
 
-<file path=ppt/slides/slide12.xml><?xml version="1.0" encoding="utf-8"?>
+<file path=ppt/slides/slide13.xml><?xml version="1.0" encoding="utf-8"?>
 <p:sld xmlns:a="http://schemas.openxmlformats.org/drawingml/2006/main" xmlns:r="http://schemas.openxmlformats.org/officeDocument/2006/relationships" xmlns:p="http://schemas.openxmlformats.org/presentationml/2006/main">
   <p:cSld>
     <p:spTree>
@@ -3877,133 +4537,65 @@
           </a:extLst>
         </p:spPr>
       </p:pic>
+      <p:sp>
+        <p:nvSpPr>
+          <p:cNvPr id="4" name="Slide Number Placeholder 3"/>
+          <p:cNvSpPr>
+            <a:spLocks noGrp="1"/>
+          </p:cNvSpPr>
+          <p:nvPr>
+            <p:ph type="sldNum" sz="quarter" idx="12"/>
+          </p:nvPr>
+        </p:nvSpPr>
+        <p:spPr/>
+        <p:txBody>
+          <a:bodyPr/>
+          <a:lstStyle/>
+          <a:p>
+            <a:fld id="{F7934532-1102-47A1-AD69-2C30B33FF293}" type="slidenum">
+              <a:rPr lang="pt-BR" smtClean="0"/>
+              <a:t>13</a:t>
+            </a:fld>
+            <a:endParaRPr lang="pt-BR"/>
+          </a:p>
+        </p:txBody>
+      </p:sp>
+      <p:sp>
+        <p:nvSpPr>
+          <p:cNvPr id="7" name="Footer Placeholder 4"/>
+          <p:cNvSpPr>
+            <a:spLocks noGrp="1"/>
+          </p:cNvSpPr>
+          <p:nvPr>
+            <p:ph type="ftr" sz="quarter" idx="11"/>
+          </p:nvPr>
+        </p:nvSpPr>
+        <p:spPr>
+          <a:xfrm>
+            <a:off x="3429000" y="18288"/>
+            <a:ext cx="4114800" cy="329184"/>
+          </a:xfrm>
+        </p:spPr>
+        <p:txBody>
+          <a:bodyPr/>
+          <a:lstStyle/>
+          <a:p>
+            <a:r>
+              <a:rPr lang="pt-BR" dirty="0"/>
+              <a:t>Pedro Affonso – MO809 – </a:t>
+            </a:r>
+            <a:r>
+              <a:rPr lang="pt-BR" dirty="0" smtClean="0"/>
+              <a:t>set/2016</a:t>
+            </a:r>
+            <a:endParaRPr lang="pt-BR" dirty="0"/>
+          </a:p>
+        </p:txBody>
+      </p:sp>
     </p:spTree>
     <p:extLst>
       <p:ext uri="{BB962C8B-B14F-4D97-AF65-F5344CB8AC3E}">
         <p14:creationId xmlns:p14="http://schemas.microsoft.com/office/powerpoint/2010/main" val="1881647433"/>
-      </p:ext>
-    </p:extLst>
-  </p:cSld>
-  <p:clrMapOvr>
-    <a:masterClrMapping/>
-  </p:clrMapOvr>
-</p:sld>
-</file>
-
-<file path=ppt/slides/slide13.xml><?xml version="1.0" encoding="utf-8"?>
-<p:sld xmlns:a="http://schemas.openxmlformats.org/drawingml/2006/main" xmlns:r="http://schemas.openxmlformats.org/officeDocument/2006/relationships" xmlns:p="http://schemas.openxmlformats.org/presentationml/2006/main">
-  <p:cSld>
-    <p:spTree>
-      <p:nvGrpSpPr>
-        <p:cNvPr id="1" name=""/>
-        <p:cNvGrpSpPr/>
-        <p:nvPr/>
-      </p:nvGrpSpPr>
-      <p:grpSpPr>
-        <a:xfrm>
-          <a:off x="0" y="0"/>
-          <a:ext cx="0" cy="0"/>
-          <a:chOff x="0" y="0"/>
-          <a:chExt cx="0" cy="0"/>
-        </a:xfrm>
-      </p:grpSpPr>
-      <p:sp>
-        <p:nvSpPr>
-          <p:cNvPr id="2" name="Title 1"/>
-          <p:cNvSpPr>
-            <a:spLocks noGrp="1"/>
-          </p:cNvSpPr>
-          <p:nvPr>
-            <p:ph type="title"/>
-          </p:nvPr>
-        </p:nvSpPr>
-        <p:spPr/>
-        <p:txBody>
-          <a:bodyPr/>
-          <a:lstStyle/>
-          <a:p>
-            <a:r>
-              <a:rPr lang="pt-BR" dirty="0" smtClean="0"/>
-              <a:t>Visão resumida em baixo nível</a:t>
-            </a:r>
-            <a:endParaRPr lang="pt-BR" dirty="0"/>
-          </a:p>
-        </p:txBody>
-      </p:sp>
-      <p:sp>
-        <p:nvSpPr>
-          <p:cNvPr id="3" name="Content Placeholder 2"/>
-          <p:cNvSpPr>
-            <a:spLocks noGrp="1"/>
-          </p:cNvSpPr>
-          <p:nvPr>
-            <p:ph idx="1"/>
-          </p:nvPr>
-        </p:nvSpPr>
-        <p:spPr/>
-        <p:txBody>
-          <a:bodyPr/>
-          <a:lstStyle/>
-          <a:p>
-            <a:r>
-              <a:rPr lang="pt-BR" dirty="0" smtClean="0"/>
-              <a:t>Opções de sessão</a:t>
-            </a:r>
-          </a:p>
-          <a:p>
-            <a:pPr lvl="1"/>
-            <a:r>
-              <a:rPr lang="pt-BR" dirty="0" smtClean="0"/>
-              <a:t>Clean Session</a:t>
-            </a:r>
-          </a:p>
-          <a:p>
-            <a:pPr lvl="1"/>
-            <a:r>
-              <a:rPr lang="pt-BR" dirty="0" smtClean="0"/>
-              <a:t>Persistent Session</a:t>
-            </a:r>
-          </a:p>
-          <a:p>
-            <a:r>
-              <a:rPr lang="pt-BR" dirty="0" smtClean="0"/>
-              <a:t>Retained messages</a:t>
-            </a:r>
-          </a:p>
-          <a:p>
-            <a:pPr lvl="1"/>
-            <a:r>
-              <a:rPr lang="pt-BR" dirty="0"/>
-              <a:t>Persistir a última mensagem publicada no </a:t>
-            </a:r>
-            <a:r>
-              <a:rPr lang="pt-BR" dirty="0" smtClean="0"/>
-              <a:t>tópico</a:t>
-            </a:r>
-          </a:p>
-          <a:p>
-            <a:r>
-              <a:rPr lang="pt-BR" dirty="0" smtClean="0"/>
-              <a:t>Last Will and Testament</a:t>
-            </a:r>
-          </a:p>
-          <a:p>
-            <a:pPr lvl="1"/>
-            <a:r>
-              <a:rPr lang="pt-BR" dirty="0" smtClean="0"/>
-              <a:t>Mensagem a ser enviada caso o cliente seja desconectado</a:t>
-            </a:r>
-          </a:p>
-          <a:p>
-            <a:pPr lvl="1"/>
-            <a:endParaRPr lang="pt-BR" dirty="0" smtClean="0"/>
-          </a:p>
-        </p:txBody>
-      </p:sp>
-    </p:spTree>
-    <p:extLst>
-      <p:ext uri="{BB962C8B-B14F-4D97-AF65-F5344CB8AC3E}">
-        <p14:creationId xmlns:p14="http://schemas.microsoft.com/office/powerpoint/2010/main" val="721717530"/>
       </p:ext>
     </p:extLst>
   </p:cSld>
@@ -4047,7 +4639,7 @@
           <a:p>
             <a:r>
               <a:rPr lang="pt-BR" dirty="0" smtClean="0"/>
-              <a:t>Implementações</a:t>
+              <a:t>Visão resumida em baixo nível</a:t>
             </a:r>
             <a:endParaRPr lang="pt-BR" dirty="0"/>
           </a:p>
@@ -4069,46 +4661,111 @@
           <a:lstStyle/>
           <a:p>
             <a:r>
-              <a:rPr lang="fi-FI" dirty="0" smtClean="0"/>
-              <a:t>Clientes: </a:t>
+              <a:rPr lang="pt-BR" dirty="0" smtClean="0"/>
+              <a:t>Opções de sessão</a:t>
             </a:r>
           </a:p>
           <a:p>
             <a:pPr lvl="1"/>
             <a:r>
-              <a:rPr lang="fi-FI" dirty="0" smtClean="0"/>
-              <a:t>Projeto Eclipse Paho: Java</a:t>
-            </a:r>
-            <a:r>
-              <a:rPr lang="fi-FI" dirty="0"/>
-              <a:t>, C, C++, JavaScript, Lua, </a:t>
-            </a:r>
-            <a:r>
-              <a:rPr lang="fi-FI" dirty="0" smtClean="0"/>
-              <a:t>Python, Go, Android</a:t>
+              <a:rPr lang="pt-BR" dirty="0" smtClean="0"/>
+              <a:t>Clean Session</a:t>
             </a:r>
           </a:p>
           <a:p>
             <a:pPr lvl="1"/>
             <a:r>
-              <a:rPr lang="fi-FI" dirty="0" smtClean="0"/>
-              <a:t>Outras implementações independentes na mesmas linguagens</a:t>
+              <a:rPr lang="pt-BR" dirty="0" smtClean="0"/>
+              <a:t>Persistent Session</a:t>
+            </a:r>
+          </a:p>
+          <a:p>
+            <a:r>
+              <a:rPr lang="pt-BR" dirty="0" smtClean="0"/>
+              <a:t>Retained messages</a:t>
             </a:r>
           </a:p>
           <a:p>
             <a:pPr lvl="1"/>
             <a:r>
-              <a:rPr lang="fi-FI" dirty="0" smtClean="0"/>
-              <a:t>Implementações independentes em Arduino, Dart, Clojure, Delphi, Erlang, Haskell, Objective-C, OCaml, Perl, PHP,  Prolog, Ruby</a:t>
-            </a:r>
-          </a:p>
-          <a:p>
-            <a:r>
-              <a:rPr lang="fi-FI" dirty="0" smtClean="0"/>
-              <a:t>Dezenas de Brokers: HiveMQ, RabbitMQ, Mosquito, Mosca (módulo Node), IBM Websphere</a:t>
-            </a:r>
-          </a:p>
-          <a:p>
+              <a:rPr lang="pt-BR" dirty="0"/>
+              <a:t>Persistir a última mensagem publicada no </a:t>
+            </a:r>
+            <a:r>
+              <a:rPr lang="pt-BR" dirty="0" smtClean="0"/>
+              <a:t>tópico</a:t>
+            </a:r>
+          </a:p>
+          <a:p>
+            <a:r>
+              <a:rPr lang="pt-BR" dirty="0" smtClean="0"/>
+              <a:t>Last Will and Testament</a:t>
+            </a:r>
+          </a:p>
+          <a:p>
+            <a:pPr lvl="1"/>
+            <a:r>
+              <a:rPr lang="pt-BR" dirty="0" smtClean="0"/>
+              <a:t>Mensagem a ser enviada caso o cliente seja desconectado</a:t>
+            </a:r>
+          </a:p>
+          <a:p>
+            <a:pPr lvl="1"/>
+            <a:endParaRPr lang="pt-BR" dirty="0" smtClean="0"/>
+          </a:p>
+        </p:txBody>
+      </p:sp>
+      <p:sp>
+        <p:nvSpPr>
+          <p:cNvPr id="4" name="Slide Number Placeholder 3"/>
+          <p:cNvSpPr>
+            <a:spLocks noGrp="1"/>
+          </p:cNvSpPr>
+          <p:nvPr>
+            <p:ph type="sldNum" sz="quarter" idx="12"/>
+          </p:nvPr>
+        </p:nvSpPr>
+        <p:spPr/>
+        <p:txBody>
+          <a:bodyPr/>
+          <a:lstStyle/>
+          <a:p>
+            <a:fld id="{F7934532-1102-47A1-AD69-2C30B33FF293}" type="slidenum">
+              <a:rPr lang="pt-BR" smtClean="0"/>
+              <a:t>14</a:t>
+            </a:fld>
+            <a:endParaRPr lang="pt-BR"/>
+          </a:p>
+        </p:txBody>
+      </p:sp>
+      <p:sp>
+        <p:nvSpPr>
+          <p:cNvPr id="6" name="Footer Placeholder 4"/>
+          <p:cNvSpPr>
+            <a:spLocks noGrp="1"/>
+          </p:cNvSpPr>
+          <p:nvPr>
+            <p:ph type="ftr" sz="quarter" idx="11"/>
+          </p:nvPr>
+        </p:nvSpPr>
+        <p:spPr>
+          <a:xfrm>
+            <a:off x="3429000" y="18288"/>
+            <a:ext cx="4114800" cy="329184"/>
+          </a:xfrm>
+        </p:spPr>
+        <p:txBody>
+          <a:bodyPr/>
+          <a:lstStyle/>
+          <a:p>
+            <a:r>
+              <a:rPr lang="pt-BR" dirty="0"/>
+              <a:t>Pedro Affonso – MO809 – </a:t>
+            </a:r>
+            <a:r>
+              <a:rPr lang="pt-BR" dirty="0" smtClean="0"/>
+              <a:t>set/2016</a:t>
+            </a:r>
             <a:endParaRPr lang="pt-BR" dirty="0"/>
           </a:p>
         </p:txBody>
@@ -4116,7 +4773,7 @@
     </p:spTree>
     <p:extLst>
       <p:ext uri="{BB962C8B-B14F-4D97-AF65-F5344CB8AC3E}">
-        <p14:creationId xmlns:p14="http://schemas.microsoft.com/office/powerpoint/2010/main" val="600473790"/>
+        <p14:creationId xmlns:p14="http://schemas.microsoft.com/office/powerpoint/2010/main" val="721717530"/>
       </p:ext>
     </p:extLst>
   </p:cSld>
@@ -4160,7 +4817,7 @@
           <a:p>
             <a:r>
               <a:rPr lang="pt-BR" dirty="0" smtClean="0"/>
-              <a:t>Aplicações</a:t>
+              <a:t>Implementações</a:t>
             </a:r>
             <a:endParaRPr lang="pt-BR" dirty="0"/>
           </a:p>
@@ -4182,26 +4839,100 @@
           <a:lstStyle/>
           <a:p>
             <a:r>
+              <a:rPr lang="fi-FI" dirty="0" smtClean="0"/>
+              <a:t>Clientes: </a:t>
+            </a:r>
+          </a:p>
+          <a:p>
+            <a:pPr lvl="1"/>
+            <a:r>
+              <a:rPr lang="fi-FI" dirty="0" smtClean="0"/>
+              <a:t>Projeto Eclipse Paho: Java</a:t>
+            </a:r>
+            <a:r>
+              <a:rPr lang="fi-FI" dirty="0"/>
+              <a:t>, C, C++, JavaScript, Lua, </a:t>
+            </a:r>
+            <a:r>
+              <a:rPr lang="fi-FI" dirty="0" smtClean="0"/>
+              <a:t>Python, Go, Android</a:t>
+            </a:r>
+          </a:p>
+          <a:p>
+            <a:pPr lvl="1"/>
+            <a:r>
+              <a:rPr lang="fi-FI" dirty="0" smtClean="0"/>
+              <a:t>Outras implementações independentes na mesmas linguagens</a:t>
+            </a:r>
+          </a:p>
+          <a:p>
+            <a:pPr lvl="1"/>
+            <a:r>
+              <a:rPr lang="fi-FI" dirty="0" smtClean="0"/>
+              <a:t>Implementações independentes em Arduino, Dart, Clojure, Delphi, Erlang, Haskell, Objective-C, OCaml, Perl, PHP,  Prolog, Ruby</a:t>
+            </a:r>
+          </a:p>
+          <a:p>
+            <a:r>
+              <a:rPr lang="fi-FI" dirty="0" smtClean="0"/>
+              <a:t>Dezenas de Brokers: HiveMQ, RabbitMQ, Mosquito, Mosca (módulo Node), IBM Websphere</a:t>
+            </a:r>
+          </a:p>
+          <a:p>
+            <a:endParaRPr lang="pt-BR" dirty="0"/>
+          </a:p>
+        </p:txBody>
+      </p:sp>
+      <p:sp>
+        <p:nvSpPr>
+          <p:cNvPr id="4" name="Slide Number Placeholder 3"/>
+          <p:cNvSpPr>
+            <a:spLocks noGrp="1"/>
+          </p:cNvSpPr>
+          <p:nvPr>
+            <p:ph type="sldNum" sz="quarter" idx="12"/>
+          </p:nvPr>
+        </p:nvSpPr>
+        <p:spPr/>
+        <p:txBody>
+          <a:bodyPr/>
+          <a:lstStyle/>
+          <a:p>
+            <a:fld id="{F7934532-1102-47A1-AD69-2C30B33FF293}" type="slidenum">
+              <a:rPr lang="pt-BR" smtClean="0"/>
+              <a:t>15</a:t>
+            </a:fld>
+            <a:endParaRPr lang="pt-BR"/>
+          </a:p>
+        </p:txBody>
+      </p:sp>
+      <p:sp>
+        <p:nvSpPr>
+          <p:cNvPr id="6" name="Footer Placeholder 4"/>
+          <p:cNvSpPr>
+            <a:spLocks noGrp="1"/>
+          </p:cNvSpPr>
+          <p:nvPr>
+            <p:ph type="ftr" sz="quarter" idx="11"/>
+          </p:nvPr>
+        </p:nvSpPr>
+        <p:spPr>
+          <a:xfrm>
+            <a:off x="3429000" y="18288"/>
+            <a:ext cx="4114800" cy="329184"/>
+          </a:xfrm>
+        </p:spPr>
+        <p:txBody>
+          <a:bodyPr/>
+          <a:lstStyle/>
+          <a:p>
+            <a:r>
+              <a:rPr lang="pt-BR" dirty="0"/>
+              <a:t>Pedro Affonso – MO809 – </a:t>
+            </a:r>
+            <a:r>
               <a:rPr lang="pt-BR" dirty="0" smtClean="0"/>
-              <a:t>Facebook Messenger (variação)</a:t>
-            </a:r>
-          </a:p>
-          <a:p>
-            <a:r>
-              <a:rPr lang="pt-BR" dirty="0" smtClean="0"/>
-              <a:t>Amazon AWS IoT</a:t>
-            </a:r>
-          </a:p>
-          <a:p>
-            <a:r>
-              <a:rPr lang="pt-BR" dirty="0" smtClean="0"/>
-              <a:t>IoT em geral</a:t>
-            </a:r>
-          </a:p>
-          <a:p>
-            <a:r>
-              <a:rPr lang="pt-BR" dirty="0" smtClean="0"/>
-              <a:t>M2M em geral</a:t>
+              <a:t>set/2016</a:t>
             </a:r>
             <a:endParaRPr lang="pt-BR" dirty="0"/>
           </a:p>
@@ -4210,7 +4941,7 @@
     </p:spTree>
     <p:extLst>
       <p:ext uri="{BB962C8B-B14F-4D97-AF65-F5344CB8AC3E}">
-        <p14:creationId xmlns:p14="http://schemas.microsoft.com/office/powerpoint/2010/main" val="3671859082"/>
+        <p14:creationId xmlns:p14="http://schemas.microsoft.com/office/powerpoint/2010/main" val="600473790"/>
       </p:ext>
     </p:extLst>
   </p:cSld>
@@ -4254,7 +4985,7 @@
           <a:p>
             <a:r>
               <a:rPr lang="pt-BR" dirty="0" smtClean="0"/>
-              <a:t>Exemplo de cliente (código)</a:t>
+              <a:t>Aplicações</a:t>
             </a:r>
             <a:endParaRPr lang="pt-BR" dirty="0"/>
           </a:p>
@@ -4272,1054 +5003,86 @@
         </p:nvSpPr>
         <p:spPr/>
         <p:txBody>
-          <a:bodyPr>
-            <a:normAutofit fontScale="62500" lnSpcReduction="20000"/>
-          </a:bodyPr>
-          <a:lstStyle/>
-          <a:p>
-            <a:pPr marL="0" indent="0">
-              <a:buNone/>
-            </a:pPr>
-            <a:r>
-              <a:rPr lang="pt-BR" dirty="0">
-                <a:solidFill>
-                  <a:srgbClr val="800080"/>
-                </a:solidFill>
-                <a:latin typeface="inherit"/>
-              </a:rPr>
-              <a:t>public</a:t>
-            </a:r>
-            <a:r>
-              <a:rPr lang="pt-BR" dirty="0">
-                <a:solidFill>
-                  <a:srgbClr val="006FE0"/>
-                </a:solidFill>
-                <a:latin typeface="inherit"/>
-              </a:rPr>
-              <a:t> </a:t>
-            </a:r>
-            <a:r>
-              <a:rPr lang="pt-BR" dirty="0">
-                <a:solidFill>
-                  <a:srgbClr val="800080"/>
-                </a:solidFill>
-                <a:latin typeface="inherit"/>
-              </a:rPr>
-              <a:t>class</a:t>
-            </a:r>
-            <a:r>
-              <a:rPr lang="pt-BR" dirty="0">
-                <a:solidFill>
-                  <a:srgbClr val="006FE0"/>
-                </a:solidFill>
-                <a:latin typeface="inherit"/>
-              </a:rPr>
-              <a:t> </a:t>
-            </a:r>
-            <a:r>
-              <a:rPr lang="pt-BR" dirty="0">
-                <a:solidFill>
-                  <a:srgbClr val="004ED0"/>
-                </a:solidFill>
-                <a:latin typeface="inherit"/>
-              </a:rPr>
-              <a:t>Publisher</a:t>
-            </a:r>
-            <a:endParaRPr lang="pt-BR" dirty="0">
-              <a:solidFill>
-                <a:srgbClr val="000000"/>
-              </a:solidFill>
-              <a:latin typeface="Droid Sans Mono"/>
-            </a:endParaRPr>
-          </a:p>
-          <a:p>
-            <a:pPr marL="0" indent="0">
-              <a:buNone/>
-            </a:pPr>
-            <a:r>
-              <a:rPr lang="pt-BR" dirty="0">
-                <a:solidFill>
-                  <a:srgbClr val="333333"/>
-                </a:solidFill>
-                <a:latin typeface="inherit"/>
-              </a:rPr>
-              <a:t>{</a:t>
-            </a:r>
-            <a:endParaRPr lang="pt-BR" dirty="0">
-              <a:solidFill>
-                <a:srgbClr val="000000"/>
-              </a:solidFill>
-              <a:latin typeface="Droid Sans Mono"/>
-            </a:endParaRPr>
-          </a:p>
-          <a:p>
-            <a:pPr marL="0" indent="0">
-              <a:buNone/>
-            </a:pPr>
-            <a:r>
-              <a:rPr lang="pt-BR" dirty="0">
-                <a:solidFill>
-                  <a:srgbClr val="006FE0"/>
-                </a:solidFill>
-                <a:latin typeface="inherit"/>
-              </a:rPr>
-              <a:t>     </a:t>
-            </a:r>
-            <a:r>
-              <a:rPr lang="pt-BR" dirty="0">
-                <a:solidFill>
-                  <a:srgbClr val="800080"/>
-                </a:solidFill>
-                <a:latin typeface="inherit"/>
-              </a:rPr>
-              <a:t>public</a:t>
-            </a:r>
-            <a:r>
-              <a:rPr lang="pt-BR" dirty="0">
-                <a:solidFill>
-                  <a:srgbClr val="006FE0"/>
-                </a:solidFill>
-                <a:latin typeface="inherit"/>
-              </a:rPr>
-              <a:t> </a:t>
-            </a:r>
-            <a:r>
-              <a:rPr lang="pt-BR" dirty="0">
-                <a:solidFill>
-                  <a:srgbClr val="800080"/>
-                </a:solidFill>
-                <a:latin typeface="inherit"/>
-              </a:rPr>
-              <a:t>static</a:t>
-            </a:r>
-            <a:r>
-              <a:rPr lang="pt-BR" dirty="0">
-                <a:solidFill>
-                  <a:srgbClr val="006FE0"/>
-                </a:solidFill>
-                <a:latin typeface="inherit"/>
-              </a:rPr>
-              <a:t> </a:t>
-            </a:r>
-            <a:r>
-              <a:rPr lang="pt-BR" dirty="0">
-                <a:solidFill>
-                  <a:srgbClr val="800080"/>
-                </a:solidFill>
-                <a:latin typeface="inherit"/>
-              </a:rPr>
-              <a:t>final</a:t>
-            </a:r>
-            <a:r>
-              <a:rPr lang="pt-BR" dirty="0">
-                <a:solidFill>
-                  <a:srgbClr val="006FE0"/>
-                </a:solidFill>
-                <a:latin typeface="inherit"/>
-              </a:rPr>
-              <a:t> </a:t>
-            </a:r>
-            <a:r>
-              <a:rPr lang="pt-BR" dirty="0">
-                <a:solidFill>
-                  <a:srgbClr val="800080"/>
-                </a:solidFill>
-                <a:latin typeface="inherit"/>
-              </a:rPr>
-              <a:t>String</a:t>
-            </a:r>
-            <a:r>
-              <a:rPr lang="pt-BR" dirty="0">
-                <a:solidFill>
-                  <a:srgbClr val="006FE0"/>
-                </a:solidFill>
-                <a:latin typeface="inherit"/>
-              </a:rPr>
-              <a:t> </a:t>
-            </a:r>
-            <a:r>
-              <a:rPr lang="pt-BR" dirty="0">
-                <a:solidFill>
-                  <a:srgbClr val="002D7A"/>
-                </a:solidFill>
-                <a:latin typeface="inherit"/>
-              </a:rPr>
-              <a:t>BROKER_URL</a:t>
-            </a:r>
-            <a:r>
-              <a:rPr lang="pt-BR" dirty="0">
-                <a:solidFill>
-                  <a:srgbClr val="006FE0"/>
-                </a:solidFill>
-                <a:latin typeface="inherit"/>
-              </a:rPr>
-              <a:t> = </a:t>
-            </a:r>
-            <a:r>
-              <a:rPr lang="pt-BR" dirty="0">
-                <a:solidFill>
-                  <a:srgbClr val="008000"/>
-                </a:solidFill>
-                <a:latin typeface="inherit"/>
-              </a:rPr>
-              <a:t>"tcp://broker.mqttdashboard.com:1883"</a:t>
-            </a:r>
-            <a:r>
-              <a:rPr lang="pt-BR" dirty="0">
-                <a:solidFill>
-                  <a:srgbClr val="333333"/>
-                </a:solidFill>
-                <a:latin typeface="inherit"/>
-              </a:rPr>
-              <a:t>;</a:t>
-            </a:r>
-            <a:endParaRPr lang="pt-BR" dirty="0">
-              <a:solidFill>
-                <a:srgbClr val="000000"/>
-              </a:solidFill>
-              <a:latin typeface="Droid Sans Mono"/>
-            </a:endParaRPr>
-          </a:p>
-          <a:p>
-            <a:pPr marL="0" indent="0">
-              <a:buNone/>
-            </a:pPr>
-            <a:r>
-              <a:rPr lang="pt-BR" dirty="0">
-                <a:solidFill>
-                  <a:srgbClr val="006FE0"/>
-                </a:solidFill>
-                <a:latin typeface="inherit"/>
-              </a:rPr>
-              <a:t>     </a:t>
-            </a:r>
-            <a:r>
-              <a:rPr lang="pt-BR" dirty="0">
-                <a:solidFill>
-                  <a:srgbClr val="800080"/>
-                </a:solidFill>
-                <a:latin typeface="inherit"/>
-              </a:rPr>
-              <a:t>private</a:t>
-            </a:r>
-            <a:r>
-              <a:rPr lang="pt-BR" dirty="0">
-                <a:solidFill>
-                  <a:srgbClr val="006FE0"/>
-                </a:solidFill>
-                <a:latin typeface="inherit"/>
-              </a:rPr>
-              <a:t> </a:t>
-            </a:r>
-            <a:r>
-              <a:rPr lang="pt-BR" dirty="0">
-                <a:solidFill>
-                  <a:srgbClr val="004ED0"/>
-                </a:solidFill>
-                <a:latin typeface="inherit"/>
-              </a:rPr>
-              <a:t>MqttClient </a:t>
-            </a:r>
-            <a:r>
-              <a:rPr lang="pt-BR" dirty="0">
-                <a:solidFill>
-                  <a:srgbClr val="002D7A"/>
-                </a:solidFill>
-                <a:latin typeface="inherit"/>
-              </a:rPr>
-              <a:t>client</a:t>
-            </a:r>
-            <a:r>
-              <a:rPr lang="pt-BR" dirty="0">
-                <a:solidFill>
-                  <a:srgbClr val="333333"/>
-                </a:solidFill>
-                <a:latin typeface="inherit"/>
-              </a:rPr>
-              <a:t>;</a:t>
-            </a:r>
-            <a:endParaRPr lang="pt-BR" dirty="0">
-              <a:solidFill>
-                <a:srgbClr val="000000"/>
-              </a:solidFill>
-              <a:latin typeface="Droid Sans Mono"/>
-            </a:endParaRPr>
-          </a:p>
-          <a:p>
-            <a:pPr marL="0" indent="0">
-              <a:buNone/>
-            </a:pPr>
-            <a:r>
-              <a:rPr lang="pt-BR" dirty="0">
-                <a:solidFill>
-                  <a:srgbClr val="000000"/>
-                </a:solidFill>
-                <a:latin typeface="Droid Sans Mono"/>
-              </a:rPr>
-              <a:t> </a:t>
-            </a:r>
-          </a:p>
-          <a:p>
-            <a:pPr marL="0" indent="0">
-              <a:buNone/>
-            </a:pPr>
-            <a:r>
-              <a:rPr lang="pt-BR" dirty="0">
-                <a:solidFill>
-                  <a:srgbClr val="006FE0"/>
-                </a:solidFill>
-                <a:latin typeface="inherit"/>
-              </a:rPr>
-              <a:t>     </a:t>
-            </a:r>
-            <a:r>
-              <a:rPr lang="pt-BR" dirty="0">
-                <a:solidFill>
-                  <a:srgbClr val="800080"/>
-                </a:solidFill>
-                <a:latin typeface="inherit"/>
-              </a:rPr>
-              <a:t>public</a:t>
-            </a:r>
-            <a:r>
-              <a:rPr lang="pt-BR" dirty="0">
-                <a:solidFill>
-                  <a:srgbClr val="006FE0"/>
-                </a:solidFill>
-                <a:latin typeface="inherit"/>
-              </a:rPr>
-              <a:t> </a:t>
-            </a:r>
-            <a:r>
-              <a:rPr lang="pt-BR" dirty="0">
-                <a:solidFill>
-                  <a:srgbClr val="004ED0"/>
-                </a:solidFill>
-                <a:latin typeface="inherit"/>
-              </a:rPr>
-              <a:t>Publisher</a:t>
-            </a:r>
-            <a:r>
-              <a:rPr lang="pt-BR" dirty="0">
-                <a:solidFill>
-                  <a:srgbClr val="333333"/>
-                </a:solidFill>
-                <a:latin typeface="inherit"/>
-              </a:rPr>
-              <a:t>()</a:t>
-            </a:r>
-            <a:endParaRPr lang="pt-BR" dirty="0">
-              <a:solidFill>
-                <a:srgbClr val="000000"/>
-              </a:solidFill>
-              <a:latin typeface="Droid Sans Mono"/>
-            </a:endParaRPr>
-          </a:p>
-          <a:p>
-            <a:pPr marL="0" indent="0">
-              <a:buNone/>
-            </a:pPr>
-            <a:r>
-              <a:rPr lang="pt-BR" dirty="0">
-                <a:solidFill>
-                  <a:srgbClr val="006FE0"/>
-                </a:solidFill>
-                <a:latin typeface="inherit"/>
-              </a:rPr>
-              <a:t>     </a:t>
-            </a:r>
-            <a:r>
-              <a:rPr lang="pt-BR" dirty="0">
-                <a:solidFill>
-                  <a:srgbClr val="333333"/>
-                </a:solidFill>
-                <a:latin typeface="inherit"/>
-              </a:rPr>
-              <a:t>{</a:t>
-            </a:r>
-            <a:endParaRPr lang="pt-BR" dirty="0">
-              <a:solidFill>
-                <a:srgbClr val="000000"/>
-              </a:solidFill>
-              <a:latin typeface="Droid Sans Mono"/>
-            </a:endParaRPr>
-          </a:p>
-          <a:p>
-            <a:pPr marL="0" indent="0">
-              <a:buNone/>
-            </a:pPr>
-            <a:r>
-              <a:rPr lang="pt-BR" dirty="0">
-                <a:solidFill>
-                  <a:srgbClr val="000000"/>
-                </a:solidFill>
-                <a:latin typeface="Droid Sans Mono"/>
-              </a:rPr>
-              <a:t> </a:t>
-            </a:r>
-          </a:p>
-          <a:p>
-            <a:pPr marL="0" indent="0">
-              <a:buNone/>
-            </a:pPr>
-            <a:r>
-              <a:rPr lang="pt-BR" dirty="0">
-                <a:solidFill>
-                  <a:srgbClr val="006FE0"/>
-                </a:solidFill>
-                <a:latin typeface="inherit"/>
-              </a:rPr>
-              <a:t>          </a:t>
-            </a:r>
-            <a:r>
-              <a:rPr lang="pt-BR" dirty="0">
-                <a:solidFill>
-                  <a:srgbClr val="800080"/>
-                </a:solidFill>
-                <a:latin typeface="inherit"/>
-              </a:rPr>
-              <a:t>String</a:t>
-            </a:r>
-            <a:r>
-              <a:rPr lang="pt-BR" dirty="0">
-                <a:solidFill>
-                  <a:srgbClr val="006FE0"/>
-                </a:solidFill>
-                <a:latin typeface="inherit"/>
-              </a:rPr>
-              <a:t> </a:t>
-            </a:r>
-            <a:r>
-              <a:rPr lang="pt-BR" dirty="0">
-                <a:solidFill>
-                  <a:srgbClr val="002D7A"/>
-                </a:solidFill>
-                <a:latin typeface="inherit"/>
-              </a:rPr>
-              <a:t>clientId</a:t>
-            </a:r>
-            <a:r>
-              <a:rPr lang="pt-BR" dirty="0">
-                <a:solidFill>
-                  <a:srgbClr val="006FE0"/>
-                </a:solidFill>
-                <a:latin typeface="inherit"/>
-              </a:rPr>
-              <a:t> = </a:t>
-            </a:r>
-            <a:r>
-              <a:rPr lang="pt-BR" dirty="0">
-                <a:solidFill>
-                  <a:srgbClr val="002D7A"/>
-                </a:solidFill>
-                <a:latin typeface="inherit"/>
-              </a:rPr>
-              <a:t>Utils</a:t>
-            </a:r>
-            <a:r>
-              <a:rPr lang="pt-BR" dirty="0">
-                <a:solidFill>
-                  <a:srgbClr val="333333"/>
-                </a:solidFill>
-                <a:latin typeface="inherit"/>
-              </a:rPr>
-              <a:t>.</a:t>
-            </a:r>
-            <a:r>
-              <a:rPr lang="pt-BR" dirty="0">
-                <a:solidFill>
-                  <a:srgbClr val="004ED0"/>
-                </a:solidFill>
-                <a:latin typeface="inherit"/>
-              </a:rPr>
-              <a:t>getMacAddress</a:t>
-            </a:r>
-            <a:r>
-              <a:rPr lang="pt-BR" dirty="0">
-                <a:solidFill>
-                  <a:srgbClr val="333333"/>
-                </a:solidFill>
-                <a:latin typeface="inherit"/>
-              </a:rPr>
-              <a:t>()</a:t>
-            </a:r>
-            <a:r>
-              <a:rPr lang="pt-BR" dirty="0">
-                <a:solidFill>
-                  <a:srgbClr val="006FE0"/>
-                </a:solidFill>
-                <a:latin typeface="inherit"/>
-              </a:rPr>
-              <a:t> + </a:t>
-            </a:r>
-            <a:r>
-              <a:rPr lang="pt-BR" dirty="0">
-                <a:solidFill>
-                  <a:srgbClr val="008000"/>
-                </a:solidFill>
-                <a:latin typeface="inherit"/>
-              </a:rPr>
-              <a:t>"-pub"</a:t>
-            </a:r>
-            <a:r>
-              <a:rPr lang="pt-BR" dirty="0">
-                <a:solidFill>
-                  <a:srgbClr val="333333"/>
-                </a:solidFill>
-                <a:latin typeface="inherit"/>
-              </a:rPr>
-              <a:t>;</a:t>
-            </a:r>
-            <a:endParaRPr lang="pt-BR" dirty="0">
-              <a:solidFill>
-                <a:srgbClr val="000000"/>
-              </a:solidFill>
-              <a:latin typeface="Droid Sans Mono"/>
-            </a:endParaRPr>
-          </a:p>
-          <a:p>
-            <a:pPr marL="0" indent="0">
-              <a:buNone/>
-            </a:pPr>
-            <a:r>
-              <a:rPr lang="pt-BR" dirty="0">
-                <a:solidFill>
-                  <a:srgbClr val="006FE0"/>
-                </a:solidFill>
-                <a:latin typeface="inherit"/>
-              </a:rPr>
-              <a:t>          </a:t>
-            </a:r>
-            <a:r>
-              <a:rPr lang="pt-BR" dirty="0">
-                <a:solidFill>
-                  <a:srgbClr val="800080"/>
-                </a:solidFill>
-                <a:latin typeface="inherit"/>
-              </a:rPr>
-              <a:t>try</a:t>
-            </a:r>
-            <a:endParaRPr lang="pt-BR" dirty="0">
-              <a:solidFill>
-                <a:srgbClr val="000000"/>
-              </a:solidFill>
-              <a:latin typeface="Droid Sans Mono"/>
-            </a:endParaRPr>
-          </a:p>
-          <a:p>
-            <a:pPr marL="0" indent="0">
-              <a:buNone/>
-            </a:pPr>
-            <a:r>
-              <a:rPr lang="pt-BR" dirty="0">
-                <a:solidFill>
-                  <a:srgbClr val="006FE0"/>
-                </a:solidFill>
-                <a:latin typeface="inherit"/>
-              </a:rPr>
-              <a:t>          </a:t>
-            </a:r>
-            <a:r>
-              <a:rPr lang="pt-BR" dirty="0">
-                <a:solidFill>
-                  <a:srgbClr val="333333"/>
-                </a:solidFill>
-                <a:latin typeface="inherit"/>
-              </a:rPr>
-              <a:t>{</a:t>
-            </a:r>
-            <a:endParaRPr lang="pt-BR" dirty="0">
-              <a:solidFill>
-                <a:srgbClr val="000000"/>
-              </a:solidFill>
-              <a:latin typeface="Droid Sans Mono"/>
-            </a:endParaRPr>
-          </a:p>
-          <a:p>
-            <a:pPr marL="0" indent="0">
-              <a:buNone/>
-            </a:pPr>
-            <a:r>
-              <a:rPr lang="pt-BR" dirty="0">
-                <a:solidFill>
-                  <a:srgbClr val="006FE0"/>
-                </a:solidFill>
-                <a:latin typeface="inherit"/>
-              </a:rPr>
-              <a:t>               </a:t>
-            </a:r>
-            <a:r>
-              <a:rPr lang="pt-BR" dirty="0">
-                <a:solidFill>
-                  <a:srgbClr val="002D7A"/>
-                </a:solidFill>
-                <a:latin typeface="inherit"/>
-              </a:rPr>
-              <a:t>client</a:t>
-            </a:r>
-            <a:r>
-              <a:rPr lang="pt-BR" dirty="0">
-                <a:solidFill>
-                  <a:srgbClr val="006FE0"/>
-                </a:solidFill>
-                <a:latin typeface="inherit"/>
-              </a:rPr>
-              <a:t> = </a:t>
-            </a:r>
-            <a:r>
-              <a:rPr lang="pt-BR" dirty="0">
-                <a:solidFill>
-                  <a:srgbClr val="800080"/>
-                </a:solidFill>
-                <a:latin typeface="inherit"/>
-              </a:rPr>
-              <a:t>new</a:t>
-            </a:r>
-            <a:r>
-              <a:rPr lang="pt-BR" dirty="0">
-                <a:solidFill>
-                  <a:srgbClr val="006FE0"/>
-                </a:solidFill>
-                <a:latin typeface="inherit"/>
-              </a:rPr>
-              <a:t> </a:t>
-            </a:r>
-            <a:r>
-              <a:rPr lang="pt-BR" dirty="0">
-                <a:solidFill>
-                  <a:srgbClr val="004ED0"/>
-                </a:solidFill>
-                <a:latin typeface="inherit"/>
-              </a:rPr>
-              <a:t>MqttClient</a:t>
-            </a:r>
-            <a:r>
-              <a:rPr lang="pt-BR" dirty="0">
-                <a:solidFill>
-                  <a:srgbClr val="333333"/>
-                </a:solidFill>
-                <a:latin typeface="inherit"/>
-              </a:rPr>
-              <a:t>(</a:t>
-            </a:r>
-            <a:r>
-              <a:rPr lang="pt-BR" dirty="0">
-                <a:solidFill>
-                  <a:srgbClr val="002D7A"/>
-                </a:solidFill>
-                <a:latin typeface="inherit"/>
-              </a:rPr>
-              <a:t>BROKER_URL</a:t>
-            </a:r>
-            <a:r>
-              <a:rPr lang="pt-BR" dirty="0">
-                <a:solidFill>
-                  <a:srgbClr val="333333"/>
-                </a:solidFill>
-                <a:latin typeface="inherit"/>
-              </a:rPr>
-              <a:t>,</a:t>
-            </a:r>
-            <a:r>
-              <a:rPr lang="pt-BR" dirty="0">
-                <a:solidFill>
-                  <a:srgbClr val="006FE0"/>
-                </a:solidFill>
-                <a:latin typeface="inherit"/>
-              </a:rPr>
-              <a:t> </a:t>
-            </a:r>
-            <a:r>
-              <a:rPr lang="pt-BR" dirty="0">
-                <a:solidFill>
-                  <a:srgbClr val="002D7A"/>
-                </a:solidFill>
-                <a:latin typeface="inherit"/>
-              </a:rPr>
-              <a:t>clientId</a:t>
-            </a:r>
-            <a:r>
-              <a:rPr lang="pt-BR" dirty="0">
-                <a:solidFill>
-                  <a:srgbClr val="333333"/>
-                </a:solidFill>
-                <a:latin typeface="inherit"/>
-              </a:rPr>
-              <a:t>);</a:t>
-            </a:r>
-            <a:endParaRPr lang="pt-BR" dirty="0">
-              <a:solidFill>
-                <a:srgbClr val="000000"/>
-              </a:solidFill>
-              <a:latin typeface="Droid Sans Mono"/>
-            </a:endParaRPr>
-          </a:p>
-          <a:p>
-            <a:pPr marL="0" indent="0">
-              <a:buNone/>
-            </a:pPr>
-            <a:r>
-              <a:rPr lang="pt-BR" dirty="0">
-                <a:solidFill>
-                  <a:srgbClr val="006FE0"/>
-                </a:solidFill>
-                <a:latin typeface="inherit"/>
-              </a:rPr>
-              <a:t>          </a:t>
-            </a:r>
-            <a:r>
-              <a:rPr lang="pt-BR" dirty="0">
-                <a:solidFill>
-                  <a:srgbClr val="333333"/>
-                </a:solidFill>
-                <a:latin typeface="inherit"/>
-              </a:rPr>
-              <a:t>}</a:t>
-            </a:r>
-            <a:endParaRPr lang="pt-BR" dirty="0">
-              <a:solidFill>
-                <a:srgbClr val="000000"/>
-              </a:solidFill>
-              <a:latin typeface="Droid Sans Mono"/>
-            </a:endParaRPr>
-          </a:p>
-          <a:p>
-            <a:pPr marL="0" indent="0">
-              <a:buNone/>
-            </a:pPr>
-            <a:r>
-              <a:rPr lang="pt-BR" dirty="0">
-                <a:solidFill>
-                  <a:srgbClr val="006FE0"/>
-                </a:solidFill>
-                <a:latin typeface="inherit"/>
-              </a:rPr>
-              <a:t>          </a:t>
-            </a:r>
-            <a:r>
-              <a:rPr lang="pt-BR" dirty="0">
-                <a:solidFill>
-                  <a:srgbClr val="800080"/>
-                </a:solidFill>
-                <a:latin typeface="inherit"/>
-              </a:rPr>
-              <a:t>catch</a:t>
-            </a:r>
-            <a:r>
-              <a:rPr lang="pt-BR" dirty="0">
-                <a:solidFill>
-                  <a:srgbClr val="006FE0"/>
-                </a:solidFill>
-                <a:latin typeface="inherit"/>
-              </a:rPr>
-              <a:t> </a:t>
-            </a:r>
-            <a:r>
-              <a:rPr lang="pt-BR" dirty="0">
-                <a:solidFill>
-                  <a:srgbClr val="333333"/>
-                </a:solidFill>
-                <a:latin typeface="inherit"/>
-              </a:rPr>
-              <a:t>(</a:t>
-            </a:r>
-            <a:r>
-              <a:rPr lang="pt-BR" dirty="0">
-                <a:solidFill>
-                  <a:srgbClr val="000000"/>
-                </a:solidFill>
-                <a:latin typeface="inherit"/>
-              </a:rPr>
-              <a:t>MqttException</a:t>
-            </a:r>
-            <a:r>
-              <a:rPr lang="pt-BR" dirty="0">
-                <a:solidFill>
-                  <a:srgbClr val="006FE0"/>
-                </a:solidFill>
-                <a:latin typeface="inherit"/>
-              </a:rPr>
-              <a:t> </a:t>
-            </a:r>
-            <a:r>
-              <a:rPr lang="pt-BR" dirty="0">
-                <a:solidFill>
-                  <a:srgbClr val="002D7A"/>
-                </a:solidFill>
-                <a:latin typeface="inherit"/>
-              </a:rPr>
-              <a:t>e</a:t>
-            </a:r>
-            <a:r>
-              <a:rPr lang="pt-BR" dirty="0">
-                <a:solidFill>
-                  <a:srgbClr val="333333"/>
-                </a:solidFill>
-                <a:latin typeface="inherit"/>
-              </a:rPr>
-              <a:t>)</a:t>
-            </a:r>
-            <a:endParaRPr lang="pt-BR" dirty="0">
-              <a:solidFill>
-                <a:srgbClr val="000000"/>
-              </a:solidFill>
-              <a:latin typeface="Droid Sans Mono"/>
-            </a:endParaRPr>
-          </a:p>
-          <a:p>
-            <a:pPr marL="0" indent="0">
-              <a:buNone/>
-            </a:pPr>
-            <a:r>
-              <a:rPr lang="pt-BR" dirty="0">
-                <a:solidFill>
-                  <a:srgbClr val="006FE0"/>
-                </a:solidFill>
-                <a:latin typeface="inherit"/>
-              </a:rPr>
-              <a:t>         </a:t>
-            </a:r>
-            <a:r>
-              <a:rPr lang="pt-BR" dirty="0">
-                <a:solidFill>
-                  <a:srgbClr val="333333"/>
-                </a:solidFill>
-                <a:latin typeface="inherit"/>
-              </a:rPr>
-              <a:t>{</a:t>
-            </a:r>
-            <a:endParaRPr lang="pt-BR" dirty="0">
-              <a:solidFill>
-                <a:srgbClr val="000000"/>
-              </a:solidFill>
-              <a:latin typeface="Droid Sans Mono"/>
-            </a:endParaRPr>
-          </a:p>
-          <a:p>
-            <a:pPr marL="0" indent="0">
-              <a:buNone/>
-            </a:pPr>
-            <a:r>
-              <a:rPr lang="pt-BR" dirty="0">
-                <a:solidFill>
-                  <a:srgbClr val="006FE0"/>
-                </a:solidFill>
-                <a:latin typeface="inherit"/>
-              </a:rPr>
-              <a:t>              </a:t>
-            </a:r>
-            <a:r>
-              <a:rPr lang="pt-BR" dirty="0">
-                <a:solidFill>
-                  <a:srgbClr val="002D7A"/>
-                </a:solidFill>
-                <a:latin typeface="inherit"/>
-              </a:rPr>
-              <a:t>e</a:t>
-            </a:r>
-            <a:r>
-              <a:rPr lang="pt-BR" dirty="0">
-                <a:solidFill>
-                  <a:srgbClr val="333333"/>
-                </a:solidFill>
-                <a:latin typeface="inherit"/>
-              </a:rPr>
-              <a:t>.</a:t>
-            </a:r>
-            <a:r>
-              <a:rPr lang="pt-BR" dirty="0">
-                <a:solidFill>
-                  <a:srgbClr val="004ED0"/>
-                </a:solidFill>
-                <a:latin typeface="inherit"/>
-              </a:rPr>
-              <a:t>printStackTrace</a:t>
-            </a:r>
-            <a:r>
-              <a:rPr lang="pt-BR" dirty="0">
-                <a:solidFill>
-                  <a:srgbClr val="333333"/>
-                </a:solidFill>
-                <a:latin typeface="inherit"/>
-              </a:rPr>
-              <a:t>();</a:t>
-            </a:r>
-            <a:endParaRPr lang="pt-BR" dirty="0">
-              <a:solidFill>
-                <a:srgbClr val="000000"/>
-              </a:solidFill>
-              <a:latin typeface="Droid Sans Mono"/>
-            </a:endParaRPr>
-          </a:p>
-          <a:p>
-            <a:pPr marL="0" indent="0">
-              <a:buNone/>
-            </a:pPr>
-            <a:r>
-              <a:rPr lang="pt-BR" dirty="0">
-                <a:solidFill>
-                  <a:srgbClr val="006FE0"/>
-                </a:solidFill>
-                <a:latin typeface="inherit"/>
-              </a:rPr>
-              <a:t>              </a:t>
-            </a:r>
-            <a:r>
-              <a:rPr lang="pt-BR" dirty="0">
-                <a:solidFill>
-                  <a:srgbClr val="002D7A"/>
-                </a:solidFill>
-                <a:latin typeface="inherit"/>
-              </a:rPr>
-              <a:t>System</a:t>
-            </a:r>
-            <a:r>
-              <a:rPr lang="pt-BR" dirty="0">
-                <a:solidFill>
-                  <a:srgbClr val="333333"/>
-                </a:solidFill>
-                <a:latin typeface="inherit"/>
-              </a:rPr>
-              <a:t>.</a:t>
-            </a:r>
-            <a:r>
-              <a:rPr lang="pt-BR" dirty="0">
-                <a:solidFill>
-                  <a:srgbClr val="004ED0"/>
-                </a:solidFill>
-                <a:latin typeface="inherit"/>
-              </a:rPr>
-              <a:t>exit</a:t>
-            </a:r>
-            <a:r>
-              <a:rPr lang="pt-BR" dirty="0">
-                <a:solidFill>
-                  <a:srgbClr val="333333"/>
-                </a:solidFill>
-                <a:latin typeface="inherit"/>
-              </a:rPr>
-              <a:t>(</a:t>
-            </a:r>
-            <a:r>
-              <a:rPr lang="pt-BR" dirty="0">
-                <a:solidFill>
-                  <a:srgbClr val="CE0000"/>
-                </a:solidFill>
-                <a:latin typeface="inherit"/>
-              </a:rPr>
-              <a:t>1</a:t>
-            </a:r>
-            <a:r>
-              <a:rPr lang="pt-BR" dirty="0">
-                <a:solidFill>
-                  <a:srgbClr val="333333"/>
-                </a:solidFill>
-                <a:latin typeface="inherit"/>
-              </a:rPr>
-              <a:t>);</a:t>
-            </a:r>
-            <a:endParaRPr lang="pt-BR" dirty="0">
-              <a:solidFill>
-                <a:srgbClr val="000000"/>
-              </a:solidFill>
-              <a:latin typeface="Droid Sans Mono"/>
-            </a:endParaRPr>
-          </a:p>
-          <a:p>
-            <a:pPr marL="0" indent="0">
-              <a:buNone/>
-            </a:pPr>
-            <a:r>
-              <a:rPr lang="pt-BR" dirty="0">
-                <a:solidFill>
-                  <a:srgbClr val="006FE0"/>
-                </a:solidFill>
-                <a:latin typeface="inherit"/>
-              </a:rPr>
-              <a:t>          </a:t>
-            </a:r>
-            <a:r>
-              <a:rPr lang="pt-BR" dirty="0">
-                <a:solidFill>
-                  <a:srgbClr val="333333"/>
-                </a:solidFill>
-                <a:latin typeface="inherit"/>
-              </a:rPr>
-              <a:t>}</a:t>
-            </a:r>
-            <a:endParaRPr lang="pt-BR" dirty="0">
-              <a:solidFill>
-                <a:srgbClr val="000000"/>
-              </a:solidFill>
-              <a:latin typeface="Droid Sans Mono"/>
-            </a:endParaRPr>
-          </a:p>
-          <a:p>
-            <a:pPr marL="0" indent="0">
-              <a:buNone/>
-            </a:pPr>
-            <a:r>
-              <a:rPr lang="pt-BR" dirty="0">
-                <a:solidFill>
-                  <a:srgbClr val="006FE0"/>
-                </a:solidFill>
-                <a:latin typeface="inherit"/>
-              </a:rPr>
-              <a:t>     </a:t>
-            </a:r>
-            <a:r>
-              <a:rPr lang="pt-BR" dirty="0">
-                <a:solidFill>
-                  <a:srgbClr val="333333"/>
-                </a:solidFill>
-                <a:latin typeface="inherit"/>
-              </a:rPr>
-              <a:t>}</a:t>
-            </a:r>
-            <a:endParaRPr lang="pt-BR" dirty="0">
-              <a:solidFill>
-                <a:srgbClr val="000000"/>
-              </a:solidFill>
-              <a:latin typeface="Droid Sans Mono"/>
-            </a:endParaRPr>
-          </a:p>
-          <a:p>
-            <a:pPr marL="0" indent="0">
-              <a:buNone/>
-            </a:pPr>
-            <a:r>
-              <a:rPr lang="pt-BR" dirty="0" smtClean="0">
-                <a:solidFill>
-                  <a:srgbClr val="333333"/>
-                </a:solidFill>
-                <a:latin typeface="inherit"/>
-              </a:rPr>
-              <a:t>}</a:t>
-            </a:r>
-          </a:p>
-          <a:p>
-            <a:pPr marL="0" indent="0">
-              <a:buNone/>
-            </a:pPr>
-            <a:endParaRPr lang="pt-BR" dirty="0">
-              <a:solidFill>
-                <a:srgbClr val="333333"/>
-              </a:solidFill>
-              <a:latin typeface="inherit"/>
-            </a:endParaRPr>
-          </a:p>
-          <a:p>
-            <a:pPr marL="0" indent="0">
-              <a:buNone/>
-            </a:pPr>
-            <a:endParaRPr lang="pt-BR" dirty="0" smtClean="0">
-              <a:solidFill>
-                <a:srgbClr val="000000"/>
-              </a:solidFill>
-              <a:latin typeface="Droid Sans Mono"/>
-            </a:endParaRPr>
-          </a:p>
-          <a:p>
+          <a:bodyPr/>
+          <a:lstStyle/>
+          <a:p>
+            <a:r>
+              <a:rPr lang="pt-BR" dirty="0" smtClean="0"/>
+              <a:t>Facebook Messenger (variação)</a:t>
+            </a:r>
+          </a:p>
+          <a:p>
+            <a:r>
+              <a:rPr lang="pt-BR" dirty="0" smtClean="0"/>
+              <a:t>Amazon AWS IoT</a:t>
+            </a:r>
+          </a:p>
+          <a:p>
+            <a:r>
+              <a:rPr lang="pt-BR" dirty="0" smtClean="0"/>
+              <a:t>IoT em geral</a:t>
+            </a:r>
+          </a:p>
+          <a:p>
+            <a:r>
+              <a:rPr lang="pt-BR" dirty="0" smtClean="0"/>
+              <a:t>M2M em geral</a:t>
+            </a:r>
+            <a:endParaRPr lang="pt-BR" dirty="0"/>
+          </a:p>
+        </p:txBody>
+      </p:sp>
+      <p:sp>
+        <p:nvSpPr>
+          <p:cNvPr id="4" name="Slide Number Placeholder 3"/>
+          <p:cNvSpPr>
+            <a:spLocks noGrp="1"/>
+          </p:cNvSpPr>
+          <p:nvPr>
+            <p:ph type="sldNum" sz="quarter" idx="12"/>
+          </p:nvPr>
+        </p:nvSpPr>
+        <p:spPr/>
+        <p:txBody>
+          <a:bodyPr/>
+          <a:lstStyle/>
+          <a:p>
+            <a:fld id="{F7934532-1102-47A1-AD69-2C30B33FF293}" type="slidenum">
+              <a:rPr lang="pt-BR" smtClean="0"/>
+              <a:t>16</a:t>
+            </a:fld>
+            <a:endParaRPr lang="pt-BR"/>
+          </a:p>
+        </p:txBody>
+      </p:sp>
+      <p:sp>
+        <p:nvSpPr>
+          <p:cNvPr id="6" name="Footer Placeholder 4"/>
+          <p:cNvSpPr>
+            <a:spLocks noGrp="1"/>
+          </p:cNvSpPr>
+          <p:nvPr>
+            <p:ph type="ftr" sz="quarter" idx="11"/>
+          </p:nvPr>
+        </p:nvSpPr>
+        <p:spPr>
+          <a:xfrm>
+            <a:off x="3429000" y="18288"/>
+            <a:ext cx="4114800" cy="329184"/>
+          </a:xfrm>
+        </p:spPr>
+        <p:txBody>
+          <a:bodyPr/>
+          <a:lstStyle/>
+          <a:p>
+            <a:r>
+              <a:rPr lang="pt-BR" dirty="0"/>
+              <a:t>Pedro Affonso – MO809 – </a:t>
+            </a:r>
+            <a:r>
+              <a:rPr lang="pt-BR" dirty="0" smtClean="0"/>
+              <a:t>set/2016</a:t>
+            </a:r>
             <a:endParaRPr lang="pt-BR" dirty="0"/>
           </a:p>
         </p:txBody>
@@ -5327,7 +5090,7 @@
     </p:spTree>
     <p:extLst>
       <p:ext uri="{BB962C8B-B14F-4D97-AF65-F5344CB8AC3E}">
-        <p14:creationId xmlns:p14="http://schemas.microsoft.com/office/powerpoint/2010/main" val="114710879"/>
+        <p14:creationId xmlns:p14="http://schemas.microsoft.com/office/powerpoint/2010/main" val="3671859082"/>
       </p:ext>
     </p:extLst>
   </p:cSld>
@@ -5366,101 +5129,83 @@
         </p:nvSpPr>
         <p:spPr/>
         <p:txBody>
+          <a:bodyPr/>
+          <a:lstStyle/>
+          <a:p>
+            <a:r>
+              <a:rPr lang="pt-BR" dirty="0" smtClean="0"/>
+              <a:t>Exemplo de cliente (código)</a:t>
+            </a:r>
+            <a:endParaRPr lang="pt-BR" dirty="0"/>
+          </a:p>
+        </p:txBody>
+      </p:sp>
+      <p:sp>
+        <p:nvSpPr>
+          <p:cNvPr id="3" name="Content Placeholder 2"/>
+          <p:cNvSpPr>
+            <a:spLocks noGrp="1"/>
+          </p:cNvSpPr>
+          <p:nvPr>
+            <p:ph idx="1"/>
+          </p:nvPr>
+        </p:nvSpPr>
+        <p:spPr/>
+        <p:txBody>
           <a:bodyPr>
-            <a:normAutofit/>
+            <a:normAutofit fontScale="62500" lnSpcReduction="20000"/>
           </a:bodyPr>
           <a:lstStyle/>
           <a:p>
-            <a:r>
-              <a:rPr lang="pt-BR" dirty="0" smtClean="0"/>
-              <a:t>Código</a:t>
-            </a:r>
-            <a:endParaRPr lang="pt-BR" dirty="0"/>
-          </a:p>
-        </p:txBody>
-      </p:sp>
-      <p:sp>
-        <p:nvSpPr>
-          <p:cNvPr id="3" name="Content Placeholder 2"/>
-          <p:cNvSpPr>
-            <a:spLocks noGrp="1"/>
-          </p:cNvSpPr>
-          <p:nvPr>
-            <p:ph idx="1"/>
-          </p:nvPr>
-        </p:nvSpPr>
-        <p:spPr/>
-        <p:txBody>
-          <a:bodyPr/>
-          <a:lstStyle/>
-          <a:p>
             <a:pPr marL="0" indent="0">
               <a:buNone/>
             </a:pPr>
             <a:r>
-              <a:rPr lang="pt-BR" sz="2000" dirty="0">
+              <a:rPr lang="pt-BR" dirty="0">
+                <a:solidFill>
+                  <a:srgbClr val="800080"/>
+                </a:solidFill>
+                <a:latin typeface="inherit"/>
+              </a:rPr>
+              <a:t>public</a:t>
+            </a:r>
+            <a:r>
+              <a:rPr lang="pt-BR" dirty="0">
+                <a:solidFill>
+                  <a:srgbClr val="006FE0"/>
+                </a:solidFill>
+                <a:latin typeface="inherit"/>
+              </a:rPr>
+              <a:t> </a:t>
+            </a:r>
+            <a:r>
+              <a:rPr lang="pt-BR" dirty="0">
+                <a:solidFill>
+                  <a:srgbClr val="800080"/>
+                </a:solidFill>
+                <a:latin typeface="inherit"/>
+              </a:rPr>
+              <a:t>class</a:t>
+            </a:r>
+            <a:r>
+              <a:rPr lang="pt-BR" dirty="0">
+                <a:solidFill>
+                  <a:srgbClr val="006FE0"/>
+                </a:solidFill>
+                <a:latin typeface="inherit"/>
+              </a:rPr>
+              <a:t> </a:t>
+            </a:r>
+            <a:r>
+              <a:rPr lang="pt-BR" dirty="0">
                 <a:solidFill>
                   <a:srgbClr val="004ED0"/>
                 </a:solidFill>
                 <a:latin typeface="inherit"/>
               </a:rPr>
-              <a:t>MqttConnectOptions </a:t>
-            </a:r>
-            <a:r>
-              <a:rPr lang="pt-BR" sz="2000" dirty="0">
-                <a:solidFill>
-                  <a:srgbClr val="002D7A"/>
-                </a:solidFill>
-                <a:latin typeface="inherit"/>
-              </a:rPr>
-              <a:t>options</a:t>
-            </a:r>
-            <a:r>
-              <a:rPr lang="pt-BR" sz="2000" dirty="0">
-                <a:solidFill>
-                  <a:srgbClr val="006FE0"/>
-                </a:solidFill>
-                <a:latin typeface="inherit"/>
-              </a:rPr>
-              <a:t> = </a:t>
-            </a:r>
-            <a:r>
-              <a:rPr lang="pt-BR" sz="2000" dirty="0">
-                <a:solidFill>
-                  <a:srgbClr val="800080"/>
-                </a:solidFill>
-                <a:latin typeface="inherit"/>
-              </a:rPr>
-              <a:t>new</a:t>
-            </a:r>
-            <a:r>
-              <a:rPr lang="pt-BR" sz="2000" dirty="0">
-                <a:solidFill>
-                  <a:srgbClr val="006FE0"/>
-                </a:solidFill>
-                <a:latin typeface="inherit"/>
-              </a:rPr>
-              <a:t> </a:t>
-            </a:r>
-            <a:r>
-              <a:rPr lang="pt-BR" sz="2000" dirty="0">
-                <a:solidFill>
-                  <a:srgbClr val="004ED0"/>
-                </a:solidFill>
-                <a:latin typeface="inherit"/>
-              </a:rPr>
-              <a:t>MqttConnectOptions</a:t>
-            </a:r>
-            <a:r>
-              <a:rPr lang="pt-BR" sz="2000" dirty="0">
-                <a:solidFill>
-                  <a:srgbClr val="333333"/>
-                </a:solidFill>
-                <a:latin typeface="inherit"/>
-              </a:rPr>
-              <a:t>();</a:t>
-            </a:r>
-            <a:endParaRPr lang="pt-BR" sz="2000" dirty="0">
+              <a:t>Publisher</a:t>
+            </a:r>
+            <a:endParaRPr lang="pt-BR" dirty="0">
               <a:solidFill>
                 <a:srgbClr val="000000"/>
               </a:solidFill>
@@ -5472,60 +5217,15 @@
               <a:buNone/>
             </a:pPr>
             <a:r>
-              <a:rPr lang="pt-BR" sz="2000" dirty="0">
-                <a:solidFill>
-                  <a:srgbClr val="002D7A"/>
-                </a:solidFill>
-                <a:latin typeface="inherit"/>
-              </a:rPr>
-              <a:t>options</a:t>
-            </a:r>
-            <a:r>
-              <a:rPr lang="pt-BR" sz="2000" dirty="0">
+              <a:rPr lang="pt-BR" dirty="0">
                 <a:solidFill>
                   <a:srgbClr val="333333"/>
                 </a:solidFill>
                 <a:latin typeface="inherit"/>
               </a:rPr>
-              <a:t>.</a:t>
-            </a:r>
-            <a:r>
-              <a:rPr lang="pt-BR" sz="2000" dirty="0">
-                <a:solidFill>
-                  <a:srgbClr val="004ED0"/>
-                </a:solidFill>
-                <a:latin typeface="inherit"/>
-              </a:rPr>
-              <a:t>setCleanSession</a:t>
-            </a:r>
-            <a:r>
-              <a:rPr lang="pt-BR" sz="2000" dirty="0">
-                <a:solidFill>
-                  <a:srgbClr val="333333"/>
-                </a:solidFill>
-                <a:latin typeface="inherit"/>
-              </a:rPr>
-              <a:t>(</a:t>
-            </a:r>
-            <a:r>
-              <a:rPr lang="pt-BR" sz="2000" dirty="0">
-                <a:solidFill>
-                  <a:srgbClr val="800080"/>
-                </a:solidFill>
-                <a:latin typeface="inherit"/>
-              </a:rPr>
-              <a:t>false</a:t>
-            </a:r>
-            <a:r>
-              <a:rPr lang="pt-BR" sz="2000" dirty="0">
-                <a:solidFill>
-                  <a:srgbClr val="333333"/>
-                </a:solidFill>
-                <a:latin typeface="inherit"/>
-              </a:rPr>
-              <a:t>);</a:t>
-            </a:r>
-            <a:endParaRPr lang="pt-BR" sz="2000" dirty="0">
+              <a:t>{</a:t>
+            </a:r>
+            <a:endParaRPr lang="pt-BR" dirty="0">
               <a:solidFill>
                 <a:srgbClr val="000000"/>
               </a:solidFill>
@@ -5537,96 +5237,123 @@
               <a:buNone/>
             </a:pPr>
             <a:r>
-              <a:rPr lang="pt-BR" sz="2000" dirty="0">
+              <a:rPr lang="pt-BR" dirty="0">
+                <a:solidFill>
+                  <a:srgbClr val="006FE0"/>
+                </a:solidFill>
+                <a:latin typeface="inherit"/>
+              </a:rPr>
+              <a:t>     </a:t>
+            </a:r>
+            <a:r>
+              <a:rPr lang="pt-BR" dirty="0">
+                <a:solidFill>
+                  <a:srgbClr val="800080"/>
+                </a:solidFill>
+                <a:latin typeface="inherit"/>
+              </a:rPr>
+              <a:t>public</a:t>
+            </a:r>
+            <a:r>
+              <a:rPr lang="pt-BR" dirty="0">
+                <a:solidFill>
+                  <a:srgbClr val="006FE0"/>
+                </a:solidFill>
+                <a:latin typeface="inherit"/>
+              </a:rPr>
+              <a:t> </a:t>
+            </a:r>
+            <a:r>
+              <a:rPr lang="pt-BR" dirty="0">
+                <a:solidFill>
+                  <a:srgbClr val="800080"/>
+                </a:solidFill>
+                <a:latin typeface="inherit"/>
+              </a:rPr>
+              <a:t>static</a:t>
+            </a:r>
+            <a:r>
+              <a:rPr lang="pt-BR" dirty="0">
+                <a:solidFill>
+                  <a:srgbClr val="006FE0"/>
+                </a:solidFill>
+                <a:latin typeface="inherit"/>
+              </a:rPr>
+              <a:t> </a:t>
+            </a:r>
+            <a:r>
+              <a:rPr lang="pt-BR" dirty="0">
+                <a:solidFill>
+                  <a:srgbClr val="800080"/>
+                </a:solidFill>
+                <a:latin typeface="inherit"/>
+              </a:rPr>
+              <a:t>final</a:t>
+            </a:r>
+            <a:r>
+              <a:rPr lang="pt-BR" dirty="0">
+                <a:solidFill>
+                  <a:srgbClr val="006FE0"/>
+                </a:solidFill>
+                <a:latin typeface="inherit"/>
+              </a:rPr>
+              <a:t> </a:t>
+            </a:r>
+            <a:r>
+              <a:rPr lang="pt-BR" dirty="0">
+                <a:solidFill>
+                  <a:srgbClr val="800080"/>
+                </a:solidFill>
+                <a:latin typeface="inherit"/>
+              </a:rPr>
+              <a:t>String</a:t>
+            </a:r>
+            <a:r>
+              <a:rPr lang="pt-BR" dirty="0">
+                <a:solidFill>
+                  <a:srgbClr val="006FE0"/>
+                </a:solidFill>
+                <a:latin typeface="inherit"/>
+              </a:rPr>
+              <a:t> </a:t>
+            </a:r>
+            <a:r>
+              <a:rPr lang="pt-BR" dirty="0">
                 <a:solidFill>
                   <a:srgbClr val="002D7A"/>
                 </a:solidFill>
                 <a:latin typeface="inherit"/>
               </a:rPr>
-              <a:t>options</a:t>
-            </a:r>
-            <a:r>
-              <a:rPr lang="pt-BR" sz="2000" dirty="0">
+              <a:t>BROKER_URL</a:t>
+            </a:r>
+            <a:r>
+              <a:rPr lang="pt-BR" dirty="0">
+                <a:solidFill>
+                  <a:srgbClr val="006FE0"/>
+                </a:solidFill>
+                <a:latin typeface="inherit"/>
+              </a:rPr>
+              <a:t> = </a:t>
+            </a:r>
+            <a:r>
+              <a:rPr lang="pt-BR" dirty="0">
+                <a:solidFill>
+                  <a:srgbClr val="008000"/>
+                </a:solidFill>
+                <a:latin typeface="inherit"/>
+              </a:rPr>
+              <a:t>"tcp://broker.mqttdashboard.com:1883"</a:t>
+            </a:r>
+            <a:r>
+              <a:rPr lang="pt-BR" dirty="0">
                 <a:solidFill>
                   <a:srgbClr val="333333"/>
                 </a:solidFill>
                 <a:latin typeface="inherit"/>
               </a:rPr>
-              <a:t>.</a:t>
-            </a:r>
-            <a:r>
-              <a:rPr lang="pt-BR" sz="2000" dirty="0">
-                <a:solidFill>
-                  <a:srgbClr val="004ED0"/>
-                </a:solidFill>
-                <a:latin typeface="inherit"/>
-              </a:rPr>
-              <a:t>setWill</a:t>
-            </a:r>
-            <a:r>
-              <a:rPr lang="pt-BR" sz="2000" dirty="0">
-                <a:solidFill>
-                  <a:srgbClr val="333333"/>
-                </a:solidFill>
-                <a:latin typeface="inherit"/>
-              </a:rPr>
-              <a:t>(</a:t>
-            </a:r>
-            <a:r>
-              <a:rPr lang="pt-BR" sz="2000" dirty="0">
-                <a:solidFill>
-                  <a:srgbClr val="002D7A"/>
-                </a:solidFill>
-                <a:latin typeface="inherit"/>
-              </a:rPr>
-              <a:t>client</a:t>
-            </a:r>
-            <a:r>
-              <a:rPr lang="pt-BR" sz="2000" dirty="0">
-                <a:solidFill>
-                  <a:srgbClr val="333333"/>
-                </a:solidFill>
-                <a:latin typeface="inherit"/>
-              </a:rPr>
-              <a:t>.</a:t>
-            </a:r>
-            <a:r>
-              <a:rPr lang="pt-BR" sz="2000" dirty="0">
-                <a:solidFill>
-                  <a:srgbClr val="004ED0"/>
-                </a:solidFill>
-                <a:latin typeface="inherit"/>
-              </a:rPr>
-              <a:t>getTopic</a:t>
-            </a:r>
-            <a:r>
-              <a:rPr lang="pt-BR" sz="2000" dirty="0">
-                <a:solidFill>
-                  <a:srgbClr val="333333"/>
-                </a:solidFill>
-                <a:latin typeface="inherit"/>
-              </a:rPr>
-              <a:t>(</a:t>
-            </a:r>
-            <a:r>
-              <a:rPr lang="pt-BR" sz="2000" dirty="0">
-                <a:solidFill>
-                  <a:srgbClr val="008000"/>
-                </a:solidFill>
-                <a:latin typeface="inherit"/>
-              </a:rPr>
-              <a:t>"home/LWT"</a:t>
-            </a:r>
-            <a:r>
-              <a:rPr lang="pt-BR" sz="2000" dirty="0">
-                <a:solidFill>
-                  <a:srgbClr val="333333"/>
-                </a:solidFill>
-                <a:latin typeface="inherit"/>
-              </a:rPr>
-              <a:t>),</a:t>
-            </a:r>
-            <a:endParaRPr lang="pt-BR" sz="2000" dirty="0">
+              <a:t>;</a:t>
+            </a:r>
+            <a:endParaRPr lang="pt-BR" dirty="0">
               <a:solidFill>
                 <a:srgbClr val="000000"/>
               </a:solidFill>
@@ -5638,96 +5365,60 @@
               <a:buNone/>
             </a:pPr>
             <a:r>
-              <a:rPr lang="pt-BR" sz="2000" dirty="0">
-                <a:solidFill>
-                  <a:srgbClr val="008000"/>
-                </a:solidFill>
-                <a:latin typeface="inherit"/>
-              </a:rPr>
-              <a:t>"I'm gone"</a:t>
-            </a:r>
-            <a:r>
-              <a:rPr lang="pt-BR" sz="2000" dirty="0">
+              <a:rPr lang="pt-BR" dirty="0">
+                <a:solidFill>
+                  <a:srgbClr val="006FE0"/>
+                </a:solidFill>
+                <a:latin typeface="inherit"/>
+              </a:rPr>
+              <a:t>     </a:t>
+            </a:r>
+            <a:r>
+              <a:rPr lang="pt-BR" dirty="0">
+                <a:solidFill>
+                  <a:srgbClr val="800080"/>
+                </a:solidFill>
+                <a:latin typeface="inherit"/>
+              </a:rPr>
+              <a:t>private</a:t>
+            </a:r>
+            <a:r>
+              <a:rPr lang="pt-BR" dirty="0">
+                <a:solidFill>
+                  <a:srgbClr val="006FE0"/>
+                </a:solidFill>
+                <a:latin typeface="inherit"/>
+              </a:rPr>
+              <a:t> </a:t>
+            </a:r>
+            <a:r>
+              <a:rPr lang="pt-BR" dirty="0">
+                <a:solidFill>
+                  <a:srgbClr val="004ED0"/>
+                </a:solidFill>
+                <a:latin typeface="inherit"/>
+              </a:rPr>
+              <a:t>MqttClient </a:t>
+            </a:r>
+            <a:r>
+              <a:rPr lang="pt-BR" dirty="0">
+                <a:solidFill>
+                  <a:srgbClr val="002D7A"/>
+                </a:solidFill>
+                <a:latin typeface="inherit"/>
+              </a:rPr>
+              <a:t>client</a:t>
+            </a:r>
+            <a:r>
+              <a:rPr lang="pt-BR" dirty="0">
                 <a:solidFill>
                   <a:srgbClr val="333333"/>
                 </a:solidFill>
                 <a:latin typeface="inherit"/>
               </a:rPr>
-              <a:t>.</a:t>
-            </a:r>
-            <a:r>
-              <a:rPr lang="pt-BR" sz="2000" dirty="0">
-                <a:solidFill>
-                  <a:srgbClr val="004ED0"/>
-                </a:solidFill>
-                <a:latin typeface="inherit"/>
-              </a:rPr>
-              <a:t>getBytes</a:t>
-            </a:r>
-            <a:r>
-              <a:rPr lang="pt-BR" sz="2000" dirty="0">
-                <a:solidFill>
-                  <a:srgbClr val="333333"/>
-                </a:solidFill>
-                <a:latin typeface="inherit"/>
-              </a:rPr>
-              <a:t>(),</a:t>
-            </a:r>
-            <a:r>
-              <a:rPr lang="pt-BR" sz="2000" dirty="0">
-                <a:solidFill>
-                  <a:srgbClr val="006FE0"/>
-                </a:solidFill>
-                <a:latin typeface="inherit"/>
-              </a:rPr>
-              <a:t> </a:t>
-            </a:r>
-            <a:r>
-              <a:rPr lang="pt-BR" sz="2000" dirty="0">
-                <a:solidFill>
-                  <a:srgbClr val="CE0000"/>
-                </a:solidFill>
-                <a:latin typeface="inherit"/>
-              </a:rPr>
-              <a:t>2</a:t>
-            </a:r>
-            <a:r>
-              <a:rPr lang="pt-BR" sz="2000" dirty="0">
-                <a:solidFill>
-                  <a:srgbClr val="333333"/>
-                </a:solidFill>
-                <a:latin typeface="inherit"/>
-              </a:rPr>
-              <a:t>,</a:t>
-            </a:r>
-            <a:r>
-              <a:rPr lang="pt-BR" sz="2000" dirty="0">
-                <a:solidFill>
-                  <a:srgbClr val="006FE0"/>
-                </a:solidFill>
-                <a:latin typeface="inherit"/>
-              </a:rPr>
-              <a:t> </a:t>
-            </a:r>
-            <a:r>
-              <a:rPr lang="pt-BR" sz="2000" dirty="0">
-                <a:solidFill>
-                  <a:srgbClr val="800080"/>
-                </a:solidFill>
-                <a:latin typeface="inherit"/>
-              </a:rPr>
-              <a:t>true</a:t>
-            </a:r>
-            <a:r>
-              <a:rPr lang="pt-BR" sz="2000" dirty="0">
-                <a:solidFill>
-                  <a:srgbClr val="333333"/>
-                </a:solidFill>
-                <a:latin typeface="inherit"/>
-              </a:rPr>
-              <a:t>);</a:t>
-            </a:r>
-            <a:endParaRPr lang="pt-BR" sz="2000" dirty="0">
+              <a:t>;</a:t>
+            </a:r>
+            <a:endParaRPr lang="pt-BR" dirty="0">
               <a:solidFill>
                 <a:srgbClr val="000000"/>
               </a:solidFill>
@@ -5739,7 +5430,7 @@
               <a:buNone/>
             </a:pPr>
             <a:r>
-              <a:rPr lang="pt-BR" sz="2000" dirty="0">
+              <a:rPr lang="pt-BR" dirty="0">
                 <a:solidFill>
                   <a:srgbClr val="000000"/>
                 </a:solidFill>
@@ -5753,52 +5444,653 @@
               <a:buNone/>
             </a:pPr>
             <a:r>
-              <a:rPr lang="pt-BR" sz="2000" dirty="0">
+              <a:rPr lang="pt-BR" dirty="0">
+                <a:solidFill>
+                  <a:srgbClr val="006FE0"/>
+                </a:solidFill>
+                <a:latin typeface="inherit"/>
+              </a:rPr>
+              <a:t>     </a:t>
+            </a:r>
+            <a:r>
+              <a:rPr lang="pt-BR" dirty="0">
+                <a:solidFill>
+                  <a:srgbClr val="800080"/>
+                </a:solidFill>
+                <a:latin typeface="inherit"/>
+              </a:rPr>
+              <a:t>public</a:t>
+            </a:r>
+            <a:r>
+              <a:rPr lang="pt-BR" dirty="0">
+                <a:solidFill>
+                  <a:srgbClr val="006FE0"/>
+                </a:solidFill>
+                <a:latin typeface="inherit"/>
+              </a:rPr>
+              <a:t> </a:t>
+            </a:r>
+            <a:r>
+              <a:rPr lang="pt-BR" dirty="0">
+                <a:solidFill>
+                  <a:srgbClr val="004ED0"/>
+                </a:solidFill>
+                <a:latin typeface="inherit"/>
+              </a:rPr>
+              <a:t>Publisher</a:t>
+            </a:r>
+            <a:r>
+              <a:rPr lang="pt-BR" dirty="0">
+                <a:solidFill>
+                  <a:srgbClr val="333333"/>
+                </a:solidFill>
+                <a:latin typeface="inherit"/>
+              </a:rPr>
+              <a:t>()</a:t>
+            </a:r>
+            <a:endParaRPr lang="pt-BR" dirty="0">
+              <a:solidFill>
+                <a:srgbClr val="000000"/>
+              </a:solidFill>
+              <a:latin typeface="Droid Sans Mono"/>
+            </a:endParaRPr>
+          </a:p>
+          <a:p>
+            <a:pPr marL="0" indent="0">
+              <a:buNone/>
+            </a:pPr>
+            <a:r>
+              <a:rPr lang="pt-BR" dirty="0">
+                <a:solidFill>
+                  <a:srgbClr val="006FE0"/>
+                </a:solidFill>
+                <a:latin typeface="inherit"/>
+              </a:rPr>
+              <a:t>     </a:t>
+            </a:r>
+            <a:r>
+              <a:rPr lang="pt-BR" dirty="0">
+                <a:solidFill>
+                  <a:srgbClr val="333333"/>
+                </a:solidFill>
+                <a:latin typeface="inherit"/>
+              </a:rPr>
+              <a:t>{</a:t>
+            </a:r>
+            <a:endParaRPr lang="pt-BR" dirty="0">
+              <a:solidFill>
+                <a:srgbClr val="000000"/>
+              </a:solidFill>
+              <a:latin typeface="Droid Sans Mono"/>
+            </a:endParaRPr>
+          </a:p>
+          <a:p>
+            <a:pPr marL="0" indent="0">
+              <a:buNone/>
+            </a:pPr>
+            <a:r>
+              <a:rPr lang="pt-BR" dirty="0">
+                <a:solidFill>
+                  <a:srgbClr val="000000"/>
+                </a:solidFill>
+                <a:latin typeface="Droid Sans Mono"/>
+              </a:rPr>
+              <a:t> </a:t>
+            </a:r>
+          </a:p>
+          <a:p>
+            <a:pPr marL="0" indent="0">
+              <a:buNone/>
+            </a:pPr>
+            <a:r>
+              <a:rPr lang="pt-BR" dirty="0">
+                <a:solidFill>
+                  <a:srgbClr val="006FE0"/>
+                </a:solidFill>
+                <a:latin typeface="inherit"/>
+              </a:rPr>
+              <a:t>          </a:t>
+            </a:r>
+            <a:r>
+              <a:rPr lang="pt-BR" dirty="0">
+                <a:solidFill>
+                  <a:srgbClr val="800080"/>
+                </a:solidFill>
+                <a:latin typeface="inherit"/>
+              </a:rPr>
+              <a:t>String</a:t>
+            </a:r>
+            <a:r>
+              <a:rPr lang="pt-BR" dirty="0">
+                <a:solidFill>
+                  <a:srgbClr val="006FE0"/>
+                </a:solidFill>
+                <a:latin typeface="inherit"/>
+              </a:rPr>
+              <a:t> </a:t>
+            </a:r>
+            <a:r>
+              <a:rPr lang="pt-BR" dirty="0">
                 <a:solidFill>
                   <a:srgbClr val="002D7A"/>
                 </a:solidFill>
                 <a:latin typeface="inherit"/>
               </a:rPr>
+              <a:t>clientId</a:t>
+            </a:r>
+            <a:r>
+              <a:rPr lang="pt-BR" dirty="0">
+                <a:solidFill>
+                  <a:srgbClr val="006FE0"/>
+                </a:solidFill>
+                <a:latin typeface="inherit"/>
+              </a:rPr>
+              <a:t> = </a:t>
+            </a:r>
+            <a:r>
+              <a:rPr lang="pt-BR" dirty="0">
+                <a:solidFill>
+                  <a:srgbClr val="002D7A"/>
+                </a:solidFill>
+                <a:latin typeface="inherit"/>
+              </a:rPr>
+              <a:t>Utils</a:t>
+            </a:r>
+            <a:r>
+              <a:rPr lang="pt-BR" dirty="0">
+                <a:solidFill>
+                  <a:srgbClr val="333333"/>
+                </a:solidFill>
+                <a:latin typeface="inherit"/>
+              </a:rPr>
+              <a:t>.</a:t>
+            </a:r>
+            <a:r>
+              <a:rPr lang="pt-BR" dirty="0">
+                <a:solidFill>
+                  <a:srgbClr val="004ED0"/>
+                </a:solidFill>
+                <a:latin typeface="inherit"/>
+              </a:rPr>
+              <a:t>getMacAddress</a:t>
+            </a:r>
+            <a:r>
+              <a:rPr lang="pt-BR" dirty="0">
+                <a:solidFill>
+                  <a:srgbClr val="333333"/>
+                </a:solidFill>
+                <a:latin typeface="inherit"/>
+              </a:rPr>
+              <a:t>()</a:t>
+            </a:r>
+            <a:r>
+              <a:rPr lang="pt-BR" dirty="0">
+                <a:solidFill>
+                  <a:srgbClr val="006FE0"/>
+                </a:solidFill>
+                <a:latin typeface="inherit"/>
+              </a:rPr>
+              <a:t> + </a:t>
+            </a:r>
+            <a:r>
+              <a:rPr lang="pt-BR" dirty="0">
+                <a:solidFill>
+                  <a:srgbClr val="008000"/>
+                </a:solidFill>
+                <a:latin typeface="inherit"/>
+              </a:rPr>
+              <a:t>"-pub"</a:t>
+            </a:r>
+            <a:r>
+              <a:rPr lang="pt-BR" dirty="0">
+                <a:solidFill>
+                  <a:srgbClr val="333333"/>
+                </a:solidFill>
+                <a:latin typeface="inherit"/>
+              </a:rPr>
+              <a:t>;</a:t>
+            </a:r>
+            <a:endParaRPr lang="pt-BR" dirty="0">
+              <a:solidFill>
+                <a:srgbClr val="000000"/>
+              </a:solidFill>
+              <a:latin typeface="Droid Sans Mono"/>
+            </a:endParaRPr>
+          </a:p>
+          <a:p>
+            <a:pPr marL="0" indent="0">
+              <a:buNone/>
+            </a:pPr>
+            <a:r>
+              <a:rPr lang="pt-BR" dirty="0">
+                <a:solidFill>
+                  <a:srgbClr val="006FE0"/>
+                </a:solidFill>
+                <a:latin typeface="inherit"/>
+              </a:rPr>
+              <a:t>          </a:t>
+            </a:r>
+            <a:r>
+              <a:rPr lang="pt-BR" dirty="0">
+                <a:solidFill>
+                  <a:srgbClr val="800080"/>
+                </a:solidFill>
+                <a:latin typeface="inherit"/>
+              </a:rPr>
+              <a:t>try</a:t>
+            </a:r>
+            <a:endParaRPr lang="pt-BR" dirty="0">
+              <a:solidFill>
+                <a:srgbClr val="000000"/>
+              </a:solidFill>
+              <a:latin typeface="Droid Sans Mono"/>
+            </a:endParaRPr>
+          </a:p>
+          <a:p>
+            <a:pPr marL="0" indent="0">
+              <a:buNone/>
+            </a:pPr>
+            <a:r>
+              <a:rPr lang="pt-BR" dirty="0">
+                <a:solidFill>
+                  <a:srgbClr val="006FE0"/>
+                </a:solidFill>
+                <a:latin typeface="inherit"/>
+              </a:rPr>
+              <a:t>          </a:t>
+            </a:r>
+            <a:r>
+              <a:rPr lang="pt-BR" dirty="0">
+                <a:solidFill>
+                  <a:srgbClr val="333333"/>
+                </a:solidFill>
+                <a:latin typeface="inherit"/>
+              </a:rPr>
+              <a:t>{</a:t>
+            </a:r>
+            <a:endParaRPr lang="pt-BR" dirty="0">
+              <a:solidFill>
+                <a:srgbClr val="000000"/>
+              </a:solidFill>
+              <a:latin typeface="Droid Sans Mono"/>
+            </a:endParaRPr>
+          </a:p>
+          <a:p>
+            <a:pPr marL="0" indent="0">
+              <a:buNone/>
+            </a:pPr>
+            <a:r>
+              <a:rPr lang="pt-BR" dirty="0">
+                <a:solidFill>
+                  <a:srgbClr val="006FE0"/>
+                </a:solidFill>
+                <a:latin typeface="inherit"/>
+              </a:rPr>
+              <a:t>               </a:t>
+            </a:r>
+            <a:r>
+              <a:rPr lang="pt-BR" dirty="0">
+                <a:solidFill>
+                  <a:srgbClr val="002D7A"/>
+                </a:solidFill>
+                <a:latin typeface="inherit"/>
+              </a:rPr>
               <a:t>client</a:t>
             </a:r>
             <a:r>
-              <a:rPr lang="pt-BR" sz="2000" dirty="0">
+              <a:rPr lang="pt-BR" dirty="0">
+                <a:solidFill>
+                  <a:srgbClr val="006FE0"/>
+                </a:solidFill>
+                <a:latin typeface="inherit"/>
+              </a:rPr>
+              <a:t> = </a:t>
+            </a:r>
+            <a:r>
+              <a:rPr lang="pt-BR" dirty="0">
+                <a:solidFill>
+                  <a:srgbClr val="800080"/>
+                </a:solidFill>
+                <a:latin typeface="inherit"/>
+              </a:rPr>
+              <a:t>new</a:t>
+            </a:r>
+            <a:r>
+              <a:rPr lang="pt-BR" dirty="0">
+                <a:solidFill>
+                  <a:srgbClr val="006FE0"/>
+                </a:solidFill>
+                <a:latin typeface="inherit"/>
+              </a:rPr>
+              <a:t> </a:t>
+            </a:r>
+            <a:r>
+              <a:rPr lang="pt-BR" dirty="0">
+                <a:solidFill>
+                  <a:srgbClr val="004ED0"/>
+                </a:solidFill>
+                <a:latin typeface="inherit"/>
+              </a:rPr>
+              <a:t>MqttClient</a:t>
+            </a:r>
+            <a:r>
+              <a:rPr lang="pt-BR" dirty="0">
                 <a:solidFill>
                   <a:srgbClr val="333333"/>
                 </a:solidFill>
                 <a:latin typeface="inherit"/>
               </a:rPr>
+              <a:t>(</a:t>
+            </a:r>
+            <a:r>
+              <a:rPr lang="pt-BR" dirty="0">
+                <a:solidFill>
+                  <a:srgbClr val="002D7A"/>
+                </a:solidFill>
+                <a:latin typeface="inherit"/>
+              </a:rPr>
+              <a:t>BROKER_URL</a:t>
+            </a:r>
+            <a:r>
+              <a:rPr lang="pt-BR" dirty="0">
+                <a:solidFill>
+                  <a:srgbClr val="333333"/>
+                </a:solidFill>
+                <a:latin typeface="inherit"/>
+              </a:rPr>
+              <a:t>,</a:t>
+            </a:r>
+            <a:r>
+              <a:rPr lang="pt-BR" dirty="0">
+                <a:solidFill>
+                  <a:srgbClr val="006FE0"/>
+                </a:solidFill>
+                <a:latin typeface="inherit"/>
+              </a:rPr>
+              <a:t> </a:t>
+            </a:r>
+            <a:r>
+              <a:rPr lang="pt-BR" dirty="0">
+                <a:solidFill>
+                  <a:srgbClr val="002D7A"/>
+                </a:solidFill>
+                <a:latin typeface="inherit"/>
+              </a:rPr>
+              <a:t>clientId</a:t>
+            </a:r>
+            <a:r>
+              <a:rPr lang="pt-BR" dirty="0">
+                <a:solidFill>
+                  <a:srgbClr val="333333"/>
+                </a:solidFill>
+                <a:latin typeface="inherit"/>
+              </a:rPr>
+              <a:t>);</a:t>
+            </a:r>
+            <a:endParaRPr lang="pt-BR" dirty="0">
+              <a:solidFill>
+                <a:srgbClr val="000000"/>
+              </a:solidFill>
+              <a:latin typeface="Droid Sans Mono"/>
+            </a:endParaRPr>
+          </a:p>
+          <a:p>
+            <a:pPr marL="0" indent="0">
+              <a:buNone/>
+            </a:pPr>
+            <a:r>
+              <a:rPr lang="pt-BR" dirty="0">
+                <a:solidFill>
+                  <a:srgbClr val="006FE0"/>
+                </a:solidFill>
+                <a:latin typeface="inherit"/>
+              </a:rPr>
+              <a:t>          </a:t>
+            </a:r>
+            <a:r>
+              <a:rPr lang="pt-BR" dirty="0">
+                <a:solidFill>
+                  <a:srgbClr val="333333"/>
+                </a:solidFill>
+                <a:latin typeface="inherit"/>
+              </a:rPr>
+              <a:t>}</a:t>
+            </a:r>
+            <a:endParaRPr lang="pt-BR" dirty="0">
+              <a:solidFill>
+                <a:srgbClr val="000000"/>
+              </a:solidFill>
+              <a:latin typeface="Droid Sans Mono"/>
+            </a:endParaRPr>
+          </a:p>
+          <a:p>
+            <a:pPr marL="0" indent="0">
+              <a:buNone/>
+            </a:pPr>
+            <a:r>
+              <a:rPr lang="pt-BR" dirty="0">
+                <a:solidFill>
+                  <a:srgbClr val="006FE0"/>
+                </a:solidFill>
+                <a:latin typeface="inherit"/>
+              </a:rPr>
+              <a:t>          </a:t>
+            </a:r>
+            <a:r>
+              <a:rPr lang="pt-BR" dirty="0">
+                <a:solidFill>
+                  <a:srgbClr val="800080"/>
+                </a:solidFill>
+                <a:latin typeface="inherit"/>
+              </a:rPr>
+              <a:t>catch</a:t>
+            </a:r>
+            <a:r>
+              <a:rPr lang="pt-BR" dirty="0">
+                <a:solidFill>
+                  <a:srgbClr val="006FE0"/>
+                </a:solidFill>
+                <a:latin typeface="inherit"/>
+              </a:rPr>
+              <a:t> </a:t>
+            </a:r>
+            <a:r>
+              <a:rPr lang="pt-BR" dirty="0">
+                <a:solidFill>
+                  <a:srgbClr val="333333"/>
+                </a:solidFill>
+                <a:latin typeface="inherit"/>
+              </a:rPr>
+              <a:t>(</a:t>
+            </a:r>
+            <a:r>
+              <a:rPr lang="pt-BR" dirty="0">
+                <a:solidFill>
+                  <a:srgbClr val="000000"/>
+                </a:solidFill>
+                <a:latin typeface="inherit"/>
+              </a:rPr>
+              <a:t>MqttException</a:t>
+            </a:r>
+            <a:r>
+              <a:rPr lang="pt-BR" dirty="0">
+                <a:solidFill>
+                  <a:srgbClr val="006FE0"/>
+                </a:solidFill>
+                <a:latin typeface="inherit"/>
+              </a:rPr>
+              <a:t> </a:t>
+            </a:r>
+            <a:r>
+              <a:rPr lang="pt-BR" dirty="0">
+                <a:solidFill>
+                  <a:srgbClr val="002D7A"/>
+                </a:solidFill>
+                <a:latin typeface="inherit"/>
+              </a:rPr>
+              <a:t>e</a:t>
+            </a:r>
+            <a:r>
+              <a:rPr lang="pt-BR" dirty="0">
+                <a:solidFill>
+                  <a:srgbClr val="333333"/>
+                </a:solidFill>
+                <a:latin typeface="inherit"/>
+              </a:rPr>
+              <a:t>)</a:t>
+            </a:r>
+            <a:endParaRPr lang="pt-BR" dirty="0">
+              <a:solidFill>
+                <a:srgbClr val="000000"/>
+              </a:solidFill>
+              <a:latin typeface="Droid Sans Mono"/>
+            </a:endParaRPr>
+          </a:p>
+          <a:p>
+            <a:pPr marL="0" indent="0">
+              <a:buNone/>
+            </a:pPr>
+            <a:r>
+              <a:rPr lang="pt-BR" dirty="0">
+                <a:solidFill>
+                  <a:srgbClr val="006FE0"/>
+                </a:solidFill>
+                <a:latin typeface="inherit"/>
+              </a:rPr>
+              <a:t>         </a:t>
+            </a:r>
+            <a:r>
+              <a:rPr lang="pt-BR" dirty="0">
+                <a:solidFill>
+                  <a:srgbClr val="333333"/>
+                </a:solidFill>
+                <a:latin typeface="inherit"/>
+              </a:rPr>
+              <a:t>{</a:t>
+            </a:r>
+            <a:endParaRPr lang="pt-BR" dirty="0">
+              <a:solidFill>
+                <a:srgbClr val="000000"/>
+              </a:solidFill>
+              <a:latin typeface="Droid Sans Mono"/>
+            </a:endParaRPr>
+          </a:p>
+          <a:p>
+            <a:pPr marL="0" indent="0">
+              <a:buNone/>
+            </a:pPr>
+            <a:r>
+              <a:rPr lang="pt-BR" dirty="0">
+                <a:solidFill>
+                  <a:srgbClr val="006FE0"/>
+                </a:solidFill>
+                <a:latin typeface="inherit"/>
+              </a:rPr>
+              <a:t>              </a:t>
+            </a:r>
+            <a:r>
+              <a:rPr lang="pt-BR" dirty="0">
+                <a:solidFill>
+                  <a:srgbClr val="002D7A"/>
+                </a:solidFill>
+                <a:latin typeface="inherit"/>
+              </a:rPr>
+              <a:t>e</a:t>
+            </a:r>
+            <a:r>
+              <a:rPr lang="pt-BR" dirty="0">
+                <a:solidFill>
+                  <a:srgbClr val="333333"/>
+                </a:solidFill>
+                <a:latin typeface="inherit"/>
+              </a:rPr>
               <a:t>.</a:t>
             </a:r>
             <a:r>
-              <a:rPr lang="pt-BR" sz="2000" dirty="0">
+              <a:rPr lang="pt-BR" dirty="0">
                 <a:solidFill>
                   <a:srgbClr val="004ED0"/>
                 </a:solidFill>
                 <a:latin typeface="inherit"/>
               </a:rPr>
-              <a:t>connect</a:t>
-            </a:r>
-            <a:r>
-              <a:rPr lang="pt-BR" sz="2000" dirty="0">
+              <a:t>printStackTrace</a:t>
+            </a:r>
+            <a:r>
+              <a:rPr lang="pt-BR" dirty="0">
                 <a:solidFill>
                   <a:srgbClr val="333333"/>
                 </a:solidFill>
                 <a:latin typeface="inherit"/>
               </a:rPr>
+              <a:t>();</a:t>
+            </a:r>
+            <a:endParaRPr lang="pt-BR" dirty="0">
+              <a:solidFill>
+                <a:srgbClr val="000000"/>
+              </a:solidFill>
+              <a:latin typeface="Droid Sans Mono"/>
+            </a:endParaRPr>
+          </a:p>
+          <a:p>
+            <a:pPr marL="0" indent="0">
+              <a:buNone/>
+            </a:pPr>
+            <a:r>
+              <a:rPr lang="pt-BR" dirty="0">
+                <a:solidFill>
+                  <a:srgbClr val="006FE0"/>
+                </a:solidFill>
+                <a:latin typeface="inherit"/>
+              </a:rPr>
+              <a:t>              </a:t>
+            </a:r>
+            <a:r>
+              <a:rPr lang="pt-BR" dirty="0">
+                <a:solidFill>
+                  <a:srgbClr val="002D7A"/>
+                </a:solidFill>
+                <a:latin typeface="inherit"/>
+              </a:rPr>
+              <a:t>System</a:t>
+            </a:r>
+            <a:r>
+              <a:rPr lang="pt-BR" dirty="0">
+                <a:solidFill>
+                  <a:srgbClr val="333333"/>
+                </a:solidFill>
+                <a:latin typeface="inherit"/>
+              </a:rPr>
+              <a:t>.</a:t>
+            </a:r>
+            <a:r>
+              <a:rPr lang="pt-BR" dirty="0">
+                <a:solidFill>
+                  <a:srgbClr val="004ED0"/>
+                </a:solidFill>
+                <a:latin typeface="inherit"/>
+              </a:rPr>
+              <a:t>exit</a:t>
+            </a:r>
+            <a:r>
+              <a:rPr lang="pt-BR" dirty="0">
+                <a:solidFill>
+                  <a:srgbClr val="333333"/>
+                </a:solidFill>
+                <a:latin typeface="inherit"/>
+              </a:rPr>
               <a:t>(</a:t>
             </a:r>
             <a:r>
-              <a:rPr lang="pt-BR" sz="2000" dirty="0">
-                <a:solidFill>
-                  <a:srgbClr val="002D7A"/>
-                </a:solidFill>
-                <a:latin typeface="inherit"/>
-              </a:rPr>
-              <a:t>options</a:t>
-            </a:r>
-            <a:r>
-              <a:rPr lang="pt-BR" sz="2000" dirty="0">
+              <a:rPr lang="pt-BR" dirty="0">
+                <a:solidFill>
+                  <a:srgbClr val="CE0000"/>
+                </a:solidFill>
+                <a:latin typeface="inherit"/>
+              </a:rPr>
+              <a:t>1</a:t>
+            </a:r>
+            <a:r>
+              <a:rPr lang="pt-BR" dirty="0">
                 <a:solidFill>
                   <a:srgbClr val="333333"/>
                 </a:solidFill>
@@ -5806,8 +6098,163 @@
               </a:rPr>
               <a:t>);</a:t>
             </a:r>
-          </a:p>
-          <a:p>
+            <a:endParaRPr lang="pt-BR" dirty="0">
+              <a:solidFill>
+                <a:srgbClr val="000000"/>
+              </a:solidFill>
+              <a:latin typeface="Droid Sans Mono"/>
+            </a:endParaRPr>
+          </a:p>
+          <a:p>
+            <a:pPr marL="0" indent="0">
+              <a:buNone/>
+            </a:pPr>
+            <a:r>
+              <a:rPr lang="pt-BR" dirty="0">
+                <a:solidFill>
+                  <a:srgbClr val="006FE0"/>
+                </a:solidFill>
+                <a:latin typeface="inherit"/>
+              </a:rPr>
+              <a:t>          </a:t>
+            </a:r>
+            <a:r>
+              <a:rPr lang="pt-BR" dirty="0">
+                <a:solidFill>
+                  <a:srgbClr val="333333"/>
+                </a:solidFill>
+                <a:latin typeface="inherit"/>
+              </a:rPr>
+              <a:t>}</a:t>
+            </a:r>
+            <a:endParaRPr lang="pt-BR" dirty="0">
+              <a:solidFill>
+                <a:srgbClr val="000000"/>
+              </a:solidFill>
+              <a:latin typeface="Droid Sans Mono"/>
+            </a:endParaRPr>
+          </a:p>
+          <a:p>
+            <a:pPr marL="0" indent="0">
+              <a:buNone/>
+            </a:pPr>
+            <a:r>
+              <a:rPr lang="pt-BR" dirty="0">
+                <a:solidFill>
+                  <a:srgbClr val="006FE0"/>
+                </a:solidFill>
+                <a:latin typeface="inherit"/>
+              </a:rPr>
+              <a:t>     </a:t>
+            </a:r>
+            <a:r>
+              <a:rPr lang="pt-BR" dirty="0">
+                <a:solidFill>
+                  <a:srgbClr val="333333"/>
+                </a:solidFill>
+                <a:latin typeface="inherit"/>
+              </a:rPr>
+              <a:t>}</a:t>
+            </a:r>
+            <a:endParaRPr lang="pt-BR" dirty="0">
+              <a:solidFill>
+                <a:srgbClr val="000000"/>
+              </a:solidFill>
+              <a:latin typeface="Droid Sans Mono"/>
+            </a:endParaRPr>
+          </a:p>
+          <a:p>
+            <a:pPr marL="0" indent="0">
+              <a:buNone/>
+            </a:pPr>
+            <a:r>
+              <a:rPr lang="pt-BR" dirty="0" smtClean="0">
+                <a:solidFill>
+                  <a:srgbClr val="333333"/>
+                </a:solidFill>
+                <a:latin typeface="inherit"/>
+              </a:rPr>
+              <a:t>}</a:t>
+            </a:r>
+          </a:p>
+          <a:p>
+            <a:pPr marL="0" indent="0">
+              <a:buNone/>
+            </a:pPr>
+            <a:endParaRPr lang="pt-BR" dirty="0">
+              <a:solidFill>
+                <a:srgbClr val="333333"/>
+              </a:solidFill>
+              <a:latin typeface="inherit"/>
+            </a:endParaRPr>
+          </a:p>
+          <a:p>
+            <a:pPr marL="0" indent="0">
+              <a:buNone/>
+            </a:pPr>
+            <a:endParaRPr lang="pt-BR" dirty="0" smtClean="0">
+              <a:solidFill>
+                <a:srgbClr val="000000"/>
+              </a:solidFill>
+              <a:latin typeface="Droid Sans Mono"/>
+            </a:endParaRPr>
+          </a:p>
+          <a:p>
+            <a:endParaRPr lang="pt-BR" dirty="0"/>
+          </a:p>
+        </p:txBody>
+      </p:sp>
+      <p:sp>
+        <p:nvSpPr>
+          <p:cNvPr id="4" name="Slide Number Placeholder 3"/>
+          <p:cNvSpPr>
+            <a:spLocks noGrp="1"/>
+          </p:cNvSpPr>
+          <p:nvPr>
+            <p:ph type="sldNum" sz="quarter" idx="12"/>
+          </p:nvPr>
+        </p:nvSpPr>
+        <p:spPr/>
+        <p:txBody>
+          <a:bodyPr/>
+          <a:lstStyle/>
+          <a:p>
+            <a:fld id="{F7934532-1102-47A1-AD69-2C30B33FF293}" type="slidenum">
+              <a:rPr lang="pt-BR" smtClean="0"/>
+              <a:t>17</a:t>
+            </a:fld>
+            <a:endParaRPr lang="pt-BR"/>
+          </a:p>
+        </p:txBody>
+      </p:sp>
+      <p:sp>
+        <p:nvSpPr>
+          <p:cNvPr id="6" name="Footer Placeholder 4"/>
+          <p:cNvSpPr>
+            <a:spLocks noGrp="1"/>
+          </p:cNvSpPr>
+          <p:nvPr>
+            <p:ph type="ftr" sz="quarter" idx="11"/>
+          </p:nvPr>
+        </p:nvSpPr>
+        <p:spPr>
+          <a:xfrm>
+            <a:off x="3429000" y="18288"/>
+            <a:ext cx="4114800" cy="329184"/>
+          </a:xfrm>
+        </p:spPr>
+        <p:txBody>
+          <a:bodyPr/>
+          <a:lstStyle/>
+          <a:p>
+            <a:r>
+              <a:rPr lang="pt-BR" dirty="0"/>
+              <a:t>Pedro Affonso – MO809 – </a:t>
+            </a:r>
+            <a:r>
+              <a:rPr lang="pt-BR" dirty="0" smtClean="0"/>
+              <a:t>set/2016</a:t>
+            </a:r>
             <a:endParaRPr lang="pt-BR" dirty="0"/>
           </a:p>
         </p:txBody>
@@ -5815,7 +6262,7 @@
     </p:spTree>
     <p:extLst>
       <p:ext uri="{BB962C8B-B14F-4D97-AF65-F5344CB8AC3E}">
-        <p14:creationId xmlns:p14="http://schemas.microsoft.com/office/powerpoint/2010/main" val="2817448671"/>
+        <p14:creationId xmlns:p14="http://schemas.microsoft.com/office/powerpoint/2010/main" val="114710879"/>
       </p:ext>
     </p:extLst>
   </p:cSld>
@@ -5854,12 +6301,14 @@
         </p:nvSpPr>
         <p:spPr/>
         <p:txBody>
-          <a:bodyPr/>
+          <a:bodyPr>
+            <a:normAutofit/>
+          </a:bodyPr>
           <a:lstStyle/>
           <a:p>
             <a:r>
               <a:rPr lang="pt-BR" dirty="0" smtClean="0"/>
-              <a:t>Exemplo de cliente (código)</a:t>
+              <a:t>Código</a:t>
             </a:r>
             <a:endParaRPr lang="pt-BR" dirty="0"/>
           </a:p>
@@ -5877,42 +6326,50 @@
         </p:nvSpPr>
         <p:spPr/>
         <p:txBody>
-          <a:bodyPr>
-            <a:normAutofit fontScale="62500" lnSpcReduction="20000"/>
-          </a:bodyPr>
-          <a:lstStyle/>
-          <a:p>
-            <a:endParaRPr lang="pt-BR" dirty="0">
-              <a:solidFill>
-                <a:srgbClr val="333333"/>
-              </a:solidFill>
-              <a:latin typeface="inherit"/>
-            </a:endParaRPr>
-          </a:p>
+          <a:bodyPr/>
+          <a:lstStyle/>
           <a:p>
             <a:pPr marL="0" indent="0">
               <a:buNone/>
             </a:pPr>
             <a:r>
-              <a:rPr lang="pt-BR" dirty="0">
+              <a:rPr lang="pt-BR" sz="2000" dirty="0">
+                <a:solidFill>
+                  <a:srgbClr val="004ED0"/>
+                </a:solidFill>
+                <a:latin typeface="inherit"/>
+              </a:rPr>
+              <a:t>MqttConnectOptions </a:t>
+            </a:r>
+            <a:r>
+              <a:rPr lang="pt-BR" sz="2000" dirty="0">
+                <a:solidFill>
+                  <a:srgbClr val="002D7A"/>
+                </a:solidFill>
+                <a:latin typeface="inherit"/>
+              </a:rPr>
+              <a:t>options</a:t>
+            </a:r>
+            <a:r>
+              <a:rPr lang="pt-BR" sz="2000" dirty="0">
                 <a:solidFill>
                   <a:srgbClr val="006FE0"/>
                 </a:solidFill>
                 <a:latin typeface="inherit"/>
               </a:rPr>
-              <a:t>    </a:t>
-            </a:r>
-            <a:r>
-              <a:rPr lang="pt-BR" dirty="0">
+              <a:t> = </a:t>
+            </a:r>
+            <a:r>
+              <a:rPr lang="pt-BR" sz="2000" dirty="0">
                 <a:solidFill>
                   <a:srgbClr val="800080"/>
                 </a:solidFill>
                 <a:latin typeface="inherit"/>
               </a:rPr>
-              <a:t>public</a:t>
-            </a:r>
-            <a:r>
-              <a:rPr lang="pt-BR" dirty="0">
+              <a:t>new</a:t>
+            </a:r>
+            <a:r>
+              <a:rPr lang="pt-BR" sz="2000" dirty="0">
                 <a:solidFill>
                   <a:srgbClr val="006FE0"/>
                 </a:solidFill>
@@ -5921,96 +6378,24 @@
               <a:t> </a:t>
             </a:r>
             <a:r>
-              <a:rPr lang="pt-BR" dirty="0">
-                <a:solidFill>
-                  <a:srgbClr val="800080"/>
-                </a:solidFill>
-                <a:latin typeface="inherit"/>
-              </a:rPr>
-              <a:t>static</a:t>
-            </a:r>
-            <a:r>
-              <a:rPr lang="pt-BR" dirty="0">
-                <a:solidFill>
-                  <a:srgbClr val="006FE0"/>
-                </a:solidFill>
-                <a:latin typeface="inherit"/>
-              </a:rPr>
-              <a:t> </a:t>
-            </a:r>
-            <a:r>
-              <a:rPr lang="pt-BR" dirty="0">
-                <a:solidFill>
-                  <a:srgbClr val="800080"/>
-                </a:solidFill>
-                <a:latin typeface="inherit"/>
-              </a:rPr>
-              <a:t>final</a:t>
-            </a:r>
-            <a:r>
-              <a:rPr lang="pt-BR" dirty="0">
-                <a:solidFill>
-                  <a:srgbClr val="006FE0"/>
-                </a:solidFill>
-                <a:latin typeface="inherit"/>
-              </a:rPr>
-              <a:t> </a:t>
-            </a:r>
-            <a:r>
-              <a:rPr lang="pt-BR" dirty="0">
-                <a:solidFill>
-                  <a:srgbClr val="800080"/>
-                </a:solidFill>
-                <a:latin typeface="inherit"/>
-              </a:rPr>
-              <a:t>String</a:t>
-            </a:r>
-            <a:r>
-              <a:rPr lang="pt-BR" dirty="0">
-                <a:solidFill>
-                  <a:srgbClr val="006FE0"/>
-                </a:solidFill>
-                <a:latin typeface="inherit"/>
-              </a:rPr>
-              <a:t> </a:t>
-            </a:r>
-            <a:r>
-              <a:rPr lang="pt-BR" dirty="0">
-                <a:solidFill>
-                  <a:srgbClr val="002D7A"/>
-                </a:solidFill>
-                <a:latin typeface="inherit"/>
-              </a:rPr>
-              <a:t>TOPIC_TEMPERATURE</a:t>
-            </a:r>
-            <a:r>
-              <a:rPr lang="pt-BR" dirty="0">
-                <a:solidFill>
-                  <a:srgbClr val="006FE0"/>
-                </a:solidFill>
-                <a:latin typeface="inherit"/>
-              </a:rPr>
-              <a:t> = </a:t>
-            </a:r>
-            <a:r>
-              <a:rPr lang="pt-BR" dirty="0">
-                <a:solidFill>
-                  <a:srgbClr val="008000"/>
-                </a:solidFill>
-                <a:latin typeface="inherit"/>
-              </a:rPr>
-              <a:t>"home/temperature"</a:t>
-            </a:r>
-            <a:r>
-              <a:rPr lang="pt-BR" dirty="0">
+              <a:rPr lang="pt-BR" sz="2000" dirty="0">
+                <a:solidFill>
+                  <a:srgbClr val="004ED0"/>
+                </a:solidFill>
+                <a:latin typeface="inherit"/>
+              </a:rPr>
+              <a:t>MqttConnectOptions</a:t>
+            </a:r>
+            <a:r>
+              <a:rPr lang="pt-BR" sz="2000" dirty="0">
                 <a:solidFill>
                   <a:srgbClr val="333333"/>
                 </a:solidFill>
                 <a:latin typeface="inherit"/>
               </a:rPr>
-              <a:t>;</a:t>
-            </a:r>
-            <a:endParaRPr lang="pt-BR" dirty="0">
+              <a:t>();</a:t>
+            </a:r>
+            <a:endParaRPr lang="pt-BR" sz="2000" dirty="0">
               <a:solidFill>
                 <a:srgbClr val="000000"/>
               </a:solidFill>
@@ -6022,38 +6407,60 @@
               <a:buNone/>
             </a:pPr>
             <a:r>
-              <a:rPr lang="pt-BR" dirty="0">
-                <a:solidFill>
-                  <a:srgbClr val="000000"/>
-                </a:solidFill>
-                <a:latin typeface="Droid Sans Mono"/>
-              </a:rPr>
-              <a:t> </a:t>
-            </a:r>
-          </a:p>
-          <a:p>
-            <a:pPr marL="0" indent="0">
-              <a:buNone/>
-            </a:pPr>
-            <a:r>
-              <a:rPr lang="pt-BR" dirty="0">
-                <a:solidFill>
-                  <a:srgbClr val="006FE0"/>
-                </a:solidFill>
-                <a:latin typeface="inherit"/>
-              </a:rPr>
-              <a:t>     </a:t>
-            </a:r>
-            <a:r>
-              <a:rPr lang="pt-BR" dirty="0">
-                <a:solidFill>
-                  <a:srgbClr val="FF8000"/>
-                </a:solidFill>
-                <a:latin typeface="inherit"/>
-              </a:rPr>
-              <a:t>//...</a:t>
-            </a:r>
-            <a:endParaRPr lang="pt-BR" dirty="0">
+              <a:rPr lang="pt-BR" sz="2000" dirty="0">
+                <a:solidFill>
+                  <a:srgbClr val="002D7A"/>
+                </a:solidFill>
+                <a:latin typeface="inherit"/>
+              </a:rPr>
+              <a:t>options</a:t>
+            </a:r>
+            <a:r>
+              <a:rPr lang="pt-BR" sz="2000" dirty="0">
+                <a:solidFill>
+                  <a:srgbClr val="333333"/>
+                </a:solidFill>
+                <a:latin typeface="inherit"/>
+              </a:rPr>
+              <a:t>.</a:t>
+            </a:r>
+            <a:r>
+              <a:rPr lang="pt-BR" sz="2000" dirty="0">
+                <a:solidFill>
+                  <a:srgbClr val="004ED0"/>
+                </a:solidFill>
+                <a:latin typeface="inherit"/>
+              </a:rPr>
+              <a:t>setCleanSession</a:t>
+            </a:r>
+            <a:r>
+              <a:rPr lang="pt-BR" sz="2000" dirty="0">
+                <a:solidFill>
+                  <a:srgbClr val="333333"/>
+                </a:solidFill>
+                <a:latin typeface="inherit"/>
+              </a:rPr>
+              <a:t>(</a:t>
+            </a:r>
+            <a:r>
+              <a:rPr lang="pt-BR" sz="2000" dirty="0">
+                <a:solidFill>
+                  <a:srgbClr val="800080"/>
+                </a:solidFill>
+                <a:latin typeface="inherit"/>
+              </a:rPr>
+              <a:t>false</a:t>
+            </a:r>
+            <a:r>
+              <a:rPr lang="pt-BR" sz="2000" dirty="0">
+                <a:solidFill>
+                  <a:srgbClr val="333333"/>
+                </a:solidFill>
+                <a:latin typeface="inherit"/>
+              </a:rPr>
+              <a:t>);</a:t>
+            </a:r>
+            <a:endParaRPr lang="pt-BR" sz="2000" dirty="0">
               <a:solidFill>
                 <a:srgbClr val="000000"/>
               </a:solidFill>
@@ -6065,60 +6472,96 @@
               <a:buNone/>
             </a:pPr>
             <a:r>
-              <a:rPr lang="pt-BR" dirty="0">
-                <a:solidFill>
-                  <a:srgbClr val="006FE0"/>
-                </a:solidFill>
-                <a:latin typeface="inherit"/>
-              </a:rPr>
-              <a:t>     </a:t>
-            </a:r>
-            <a:r>
-              <a:rPr lang="pt-BR" dirty="0">
-                <a:solidFill>
-                  <a:srgbClr val="800080"/>
-                </a:solidFill>
-                <a:latin typeface="inherit"/>
-              </a:rPr>
-              <a:t>while</a:t>
-            </a:r>
-            <a:r>
-              <a:rPr lang="pt-BR" dirty="0">
-                <a:solidFill>
-                  <a:srgbClr val="006FE0"/>
-                </a:solidFill>
-                <a:latin typeface="inherit"/>
-              </a:rPr>
-              <a:t> </a:t>
-            </a:r>
-            <a:r>
-              <a:rPr lang="pt-BR" dirty="0">
+              <a:rPr lang="pt-BR" sz="2000" dirty="0">
+                <a:solidFill>
+                  <a:srgbClr val="002D7A"/>
+                </a:solidFill>
+                <a:latin typeface="inherit"/>
+              </a:rPr>
+              <a:t>options</a:t>
+            </a:r>
+            <a:r>
+              <a:rPr lang="pt-BR" sz="2000" dirty="0">
                 <a:solidFill>
                   <a:srgbClr val="333333"/>
                 </a:solidFill>
                 <a:latin typeface="inherit"/>
               </a:rPr>
+              <a:t>.</a:t>
+            </a:r>
+            <a:r>
+              <a:rPr lang="pt-BR" sz="2000" dirty="0">
+                <a:solidFill>
+                  <a:srgbClr val="004ED0"/>
+                </a:solidFill>
+                <a:latin typeface="inherit"/>
+              </a:rPr>
+              <a:t>setWill</a:t>
+            </a:r>
+            <a:r>
+              <a:rPr lang="pt-BR" sz="2000" dirty="0">
+                <a:solidFill>
+                  <a:srgbClr val="333333"/>
+                </a:solidFill>
+                <a:latin typeface="inherit"/>
+              </a:rPr>
               <a:t>(</a:t>
             </a:r>
             <a:r>
-              <a:rPr lang="pt-BR" dirty="0">
-                <a:solidFill>
-                  <a:srgbClr val="800080"/>
-                </a:solidFill>
-                <a:latin typeface="inherit"/>
-              </a:rPr>
-              <a:t>true</a:t>
-            </a:r>
-            <a:r>
-              <a:rPr lang="pt-BR" dirty="0">
+              <a:rPr lang="pt-BR" sz="2000" dirty="0">
+                <a:solidFill>
+                  <a:srgbClr val="002D7A"/>
+                </a:solidFill>
+                <a:latin typeface="inherit"/>
+              </a:rPr>
+              <a:t>client</a:t>
+            </a:r>
+            <a:r>
+              <a:rPr lang="pt-BR" sz="2000" dirty="0">
                 <a:solidFill>
                   <a:srgbClr val="333333"/>
                 </a:solidFill>
                 <a:latin typeface="inherit"/>
               </a:rPr>
-              <a:t>)</a:t>
-            </a:r>
-            <a:endParaRPr lang="pt-BR" dirty="0">
+              <a:t>.</a:t>
+            </a:r>
+            <a:r>
+              <a:rPr lang="pt-BR" sz="2000" dirty="0">
+                <a:solidFill>
+                  <a:srgbClr val="004ED0"/>
+                </a:solidFill>
+                <a:latin typeface="inherit"/>
+              </a:rPr>
+              <a:t>getTopic</a:t>
+            </a:r>
+            <a:r>
+              <a:rPr lang="pt-BR" sz="2000" dirty="0">
+                <a:solidFill>
+                  <a:srgbClr val="333333"/>
+                </a:solidFill>
+                <a:latin typeface="inherit"/>
+              </a:rPr>
+              <a:t>(</a:t>
+            </a:r>
+            <a:r>
+              <a:rPr lang="pt-BR" sz="2000" dirty="0">
+                <a:solidFill>
+                  <a:srgbClr val="008000"/>
+                </a:solidFill>
+                <a:latin typeface="inherit"/>
+              </a:rPr>
+              <a:t>"home/LWT"</a:t>
+            </a:r>
+            <a:r>
+              <a:rPr lang="pt-BR" sz="2000" dirty="0">
+                <a:solidFill>
+                  <a:srgbClr val="333333"/>
+                </a:solidFill>
+                <a:latin typeface="inherit"/>
+              </a:rPr>
+              <a:t>),</a:t>
+            </a:r>
+            <a:endParaRPr lang="pt-BR" sz="2000" dirty="0">
               <a:solidFill>
                 <a:srgbClr val="000000"/>
               </a:solidFill>
@@ -6130,24 +6573,96 @@
               <a:buNone/>
             </a:pPr>
             <a:r>
-              <a:rPr lang="pt-BR" dirty="0">
+              <a:rPr lang="pt-BR" sz="2000" dirty="0">
+                <a:solidFill>
+                  <a:srgbClr val="008000"/>
+                </a:solidFill>
+                <a:latin typeface="inherit"/>
+              </a:rPr>
+              <a:t>"I'm gone"</a:t>
+            </a:r>
+            <a:r>
+              <a:rPr lang="pt-BR" sz="2000" dirty="0">
+                <a:solidFill>
+                  <a:srgbClr val="333333"/>
+                </a:solidFill>
+                <a:latin typeface="inherit"/>
+              </a:rPr>
+              <a:t>.</a:t>
+            </a:r>
+            <a:r>
+              <a:rPr lang="pt-BR" sz="2000" dirty="0">
+                <a:solidFill>
+                  <a:srgbClr val="004ED0"/>
+                </a:solidFill>
+                <a:latin typeface="inherit"/>
+              </a:rPr>
+              <a:t>getBytes</a:t>
+            </a:r>
+            <a:r>
+              <a:rPr lang="pt-BR" sz="2000" dirty="0">
+                <a:solidFill>
+                  <a:srgbClr val="333333"/>
+                </a:solidFill>
+                <a:latin typeface="inherit"/>
+              </a:rPr>
+              <a:t>(),</a:t>
+            </a:r>
+            <a:r>
+              <a:rPr lang="pt-BR" sz="2000" dirty="0">
                 <a:solidFill>
                   <a:srgbClr val="006FE0"/>
                 </a:solidFill>
                 <a:latin typeface="inherit"/>
               </a:rPr>
-              <a:t>     </a:t>
-            </a:r>
-            <a:r>
-              <a:rPr lang="pt-BR" dirty="0">
+              <a:t> </a:t>
+            </a:r>
+            <a:r>
+              <a:rPr lang="pt-BR" sz="2000" dirty="0">
+                <a:solidFill>
+                  <a:srgbClr val="CE0000"/>
+                </a:solidFill>
+                <a:latin typeface="inherit"/>
+              </a:rPr>
+              <a:t>2</a:t>
+            </a:r>
+            <a:r>
+              <a:rPr lang="pt-BR" sz="2000" dirty="0">
                 <a:solidFill>
                   <a:srgbClr val="333333"/>
                 </a:solidFill>
                 <a:latin typeface="inherit"/>
               </a:rPr>
-              <a:t>{</a:t>
-            </a:r>
-            <a:endParaRPr lang="pt-BR" dirty="0">
+              <a:t>,</a:t>
+            </a:r>
+            <a:r>
+              <a:rPr lang="pt-BR" sz="2000" dirty="0">
+                <a:solidFill>
+                  <a:srgbClr val="006FE0"/>
+                </a:solidFill>
+                <a:latin typeface="inherit"/>
+              </a:rPr>
+              <a:t> </a:t>
+            </a:r>
+            <a:r>
+              <a:rPr lang="pt-BR" sz="2000" dirty="0">
+                <a:solidFill>
+                  <a:srgbClr val="800080"/>
+                </a:solidFill>
+                <a:latin typeface="inherit"/>
+              </a:rPr>
+              <a:t>true</a:t>
+            </a:r>
+            <a:r>
+              <a:rPr lang="pt-BR" sz="2000" dirty="0">
+                <a:solidFill>
+                  <a:srgbClr val="333333"/>
+                </a:solidFill>
+                <a:latin typeface="inherit"/>
+              </a:rPr>
+              <a:t>);</a:t>
+            </a:r>
+            <a:endParaRPr lang="pt-BR" sz="2000" dirty="0">
               <a:solidFill>
                 <a:srgbClr val="000000"/>
               </a:solidFill>
@@ -6159,1003 +6674,130 @@
               <a:buNone/>
             </a:pPr>
             <a:r>
-              <a:rPr lang="pt-BR" dirty="0">
-                <a:solidFill>
-                  <a:srgbClr val="006FE0"/>
-                </a:solidFill>
-                <a:latin typeface="inherit"/>
-              </a:rPr>
-              <a:t>          </a:t>
-            </a:r>
-            <a:r>
-              <a:rPr lang="pt-BR" dirty="0">
+              <a:rPr lang="pt-BR" sz="2000" dirty="0">
+                <a:solidFill>
+                  <a:srgbClr val="000000"/>
+                </a:solidFill>
+                <a:latin typeface="Droid Sans Mono"/>
+              </a:rPr>
+              <a:t> </a:t>
+            </a:r>
+          </a:p>
+          <a:p>
+            <a:pPr marL="0" indent="0">
+              <a:buNone/>
+            </a:pPr>
+            <a:r>
+              <a:rPr lang="pt-BR" sz="2000" dirty="0">
+                <a:solidFill>
+                  <a:srgbClr val="002D7A"/>
+                </a:solidFill>
+                <a:latin typeface="inherit"/>
+              </a:rPr>
+              <a:t>client</a:t>
+            </a:r>
+            <a:r>
+              <a:rPr lang="pt-BR" sz="2000" dirty="0">
+                <a:solidFill>
+                  <a:srgbClr val="333333"/>
+                </a:solidFill>
+                <a:latin typeface="inherit"/>
+              </a:rPr>
+              <a:t>.</a:t>
+            </a:r>
+            <a:r>
+              <a:rPr lang="pt-BR" sz="2000" dirty="0">
                 <a:solidFill>
                   <a:srgbClr val="004ED0"/>
                 </a:solidFill>
                 <a:latin typeface="inherit"/>
               </a:rPr>
-              <a:t>publishBrightness</a:t>
-            </a:r>
-            <a:r>
-              <a:rPr lang="pt-BR" dirty="0">
+              <a:t>connect</a:t>
+            </a:r>
+            <a:r>
+              <a:rPr lang="pt-BR" sz="2000" dirty="0">
                 <a:solidFill>
                   <a:srgbClr val="333333"/>
                 </a:solidFill>
                 <a:latin typeface="inherit"/>
               </a:rPr>
-              <a:t>();</a:t>
-            </a:r>
-            <a:endParaRPr lang="pt-BR" dirty="0">
-              <a:solidFill>
-                <a:srgbClr val="000000"/>
-              </a:solidFill>
-              <a:latin typeface="Droid Sans Mono"/>
-            </a:endParaRPr>
-          </a:p>
-          <a:p>
-            <a:pPr marL="0" indent="0">
-              <a:buNone/>
-            </a:pPr>
-            <a:r>
-              <a:rPr lang="pt-BR" dirty="0">
-                <a:solidFill>
-                  <a:srgbClr val="006FE0"/>
-                </a:solidFill>
-                <a:latin typeface="inherit"/>
-              </a:rPr>
-              <a:t>          </a:t>
-            </a:r>
-            <a:r>
-              <a:rPr lang="pt-BR" dirty="0">
+              <a:t>(</a:t>
+            </a:r>
+            <a:r>
+              <a:rPr lang="pt-BR" sz="2000" dirty="0">
                 <a:solidFill>
                   <a:srgbClr val="002D7A"/>
                 </a:solidFill>
                 <a:latin typeface="inherit"/>
               </a:rPr>
-              <a:t>Thread</a:t>
-            </a:r>
-            <a:r>
-              <a:rPr lang="pt-BR" dirty="0">
+              <a:t>options</a:t>
+            </a:r>
+            <a:r>
+              <a:rPr lang="pt-BR" sz="2000" dirty="0">
                 <a:solidFill>
                   <a:srgbClr val="333333"/>
                 </a:solidFill>
                 <a:latin typeface="inherit"/>
               </a:rPr>
-              <a:t>.</a:t>
-            </a:r>
-            <a:r>
-              <a:rPr lang="pt-BR" dirty="0">
-                <a:solidFill>
-                  <a:srgbClr val="004ED0"/>
-                </a:solidFill>
-                <a:latin typeface="inherit"/>
-              </a:rPr>
-              <a:t>sleep</a:t>
-            </a:r>
-            <a:r>
-              <a:rPr lang="pt-BR" dirty="0">
-                <a:solidFill>
-                  <a:srgbClr val="333333"/>
-                </a:solidFill>
-                <a:latin typeface="inherit"/>
-              </a:rPr>
-              <a:t>(</a:t>
-            </a:r>
-            <a:r>
-              <a:rPr lang="pt-BR" dirty="0">
-                <a:solidFill>
-                  <a:srgbClr val="CE0000"/>
-                </a:solidFill>
-                <a:latin typeface="inherit"/>
-              </a:rPr>
-              <a:t>500</a:t>
-            </a:r>
-            <a:r>
-              <a:rPr lang="pt-BR" dirty="0">
-                <a:solidFill>
-                  <a:srgbClr val="333333"/>
-                </a:solidFill>
-                <a:latin typeface="inherit"/>
-              </a:rPr>
               <a:t>);</a:t>
             </a:r>
-            <a:endParaRPr lang="pt-BR" dirty="0">
-              <a:solidFill>
-                <a:srgbClr val="000000"/>
-              </a:solidFill>
-              <a:latin typeface="Droid Sans Mono"/>
-            </a:endParaRPr>
-          </a:p>
-          <a:p>
-            <a:pPr marL="0" indent="0">
-              <a:buNone/>
-            </a:pPr>
-            <a:r>
-              <a:rPr lang="pt-BR" dirty="0">
-                <a:solidFill>
-                  <a:srgbClr val="006FE0"/>
-                </a:solidFill>
-                <a:latin typeface="inherit"/>
-              </a:rPr>
-              <a:t>          </a:t>
-            </a:r>
-            <a:r>
-              <a:rPr lang="pt-BR" dirty="0">
-                <a:solidFill>
-                  <a:srgbClr val="004ED0"/>
-                </a:solidFill>
-                <a:latin typeface="inherit"/>
-              </a:rPr>
-              <a:t>publishTemperature</a:t>
-            </a:r>
-            <a:r>
-              <a:rPr lang="pt-BR" dirty="0">
-                <a:solidFill>
-                  <a:srgbClr val="333333"/>
-                </a:solidFill>
-                <a:latin typeface="inherit"/>
-              </a:rPr>
-              <a:t>();</a:t>
-            </a:r>
-            <a:endParaRPr lang="pt-BR" dirty="0">
-              <a:solidFill>
-                <a:srgbClr val="000000"/>
-              </a:solidFill>
-              <a:latin typeface="Droid Sans Mono"/>
-            </a:endParaRPr>
-          </a:p>
-          <a:p>
-            <a:pPr marL="0" indent="0">
-              <a:buNone/>
-            </a:pPr>
-            <a:r>
-              <a:rPr lang="pt-BR" dirty="0">
-                <a:solidFill>
-                  <a:srgbClr val="006FE0"/>
-                </a:solidFill>
-                <a:latin typeface="inherit"/>
-              </a:rPr>
-              <a:t>          </a:t>
-            </a:r>
-            <a:r>
-              <a:rPr lang="pt-BR" dirty="0">
-                <a:solidFill>
-                  <a:srgbClr val="002D7A"/>
-                </a:solidFill>
-                <a:latin typeface="inherit"/>
-              </a:rPr>
-              <a:t>Thread</a:t>
-            </a:r>
-            <a:r>
-              <a:rPr lang="pt-BR" dirty="0">
-                <a:solidFill>
-                  <a:srgbClr val="333333"/>
-                </a:solidFill>
-                <a:latin typeface="inherit"/>
-              </a:rPr>
-              <a:t>.</a:t>
-            </a:r>
-            <a:r>
-              <a:rPr lang="pt-BR" dirty="0">
-                <a:solidFill>
-                  <a:srgbClr val="004ED0"/>
-                </a:solidFill>
-                <a:latin typeface="inherit"/>
-              </a:rPr>
-              <a:t>sleep</a:t>
-            </a:r>
-            <a:r>
-              <a:rPr lang="pt-BR" dirty="0">
-                <a:solidFill>
-                  <a:srgbClr val="333333"/>
-                </a:solidFill>
-                <a:latin typeface="inherit"/>
-              </a:rPr>
-              <a:t>(</a:t>
-            </a:r>
-            <a:r>
-              <a:rPr lang="pt-BR" dirty="0">
-                <a:solidFill>
-                  <a:srgbClr val="CE0000"/>
-                </a:solidFill>
-                <a:latin typeface="inherit"/>
-              </a:rPr>
-              <a:t>500</a:t>
-            </a:r>
-            <a:r>
-              <a:rPr lang="pt-BR" dirty="0">
-                <a:solidFill>
-                  <a:srgbClr val="333333"/>
-                </a:solidFill>
-                <a:latin typeface="inherit"/>
-              </a:rPr>
-              <a:t>);</a:t>
-            </a:r>
-            <a:endParaRPr lang="pt-BR" dirty="0">
-              <a:solidFill>
-                <a:srgbClr val="000000"/>
-              </a:solidFill>
-              <a:latin typeface="Droid Sans Mono"/>
-            </a:endParaRPr>
-          </a:p>
-          <a:p>
-            <a:pPr marL="0" indent="0">
-              <a:buNone/>
-            </a:pPr>
-            <a:r>
-              <a:rPr lang="pt-BR" dirty="0">
-                <a:solidFill>
-                  <a:srgbClr val="006FE0"/>
-                </a:solidFill>
-                <a:latin typeface="inherit"/>
-              </a:rPr>
-              <a:t>     </a:t>
-            </a:r>
-            <a:r>
-              <a:rPr lang="pt-BR" dirty="0">
-                <a:solidFill>
-                  <a:srgbClr val="333333"/>
-                </a:solidFill>
-                <a:latin typeface="inherit"/>
-              </a:rPr>
-              <a:t>}</a:t>
-            </a:r>
-            <a:endParaRPr lang="pt-BR" dirty="0">
-              <a:solidFill>
-                <a:srgbClr val="000000"/>
-              </a:solidFill>
-              <a:latin typeface="Droid Sans Mono"/>
-            </a:endParaRPr>
-          </a:p>
-          <a:p>
-            <a:pPr marL="0" indent="0">
-              <a:buNone/>
-            </a:pPr>
-            <a:r>
-              <a:rPr lang="pt-BR" dirty="0">
-                <a:solidFill>
-                  <a:srgbClr val="006FE0"/>
-                </a:solidFill>
-                <a:latin typeface="inherit"/>
-              </a:rPr>
-              <a:t>     </a:t>
-            </a:r>
-            <a:r>
-              <a:rPr lang="pt-BR" dirty="0">
-                <a:solidFill>
-                  <a:srgbClr val="FF8000"/>
-                </a:solidFill>
-                <a:latin typeface="inherit"/>
-              </a:rPr>
-              <a:t>//...</a:t>
-            </a:r>
-            <a:endParaRPr lang="pt-BR" dirty="0">
-              <a:solidFill>
-                <a:srgbClr val="000000"/>
-              </a:solidFill>
-              <a:latin typeface="Droid Sans Mono"/>
-            </a:endParaRPr>
-          </a:p>
-          <a:p>
-            <a:pPr marL="0" indent="0">
-              <a:buNone/>
-            </a:pPr>
-            <a:r>
-              <a:rPr lang="pt-BR" dirty="0">
-                <a:solidFill>
-                  <a:srgbClr val="000000"/>
-                </a:solidFill>
-                <a:latin typeface="Droid Sans Mono"/>
-              </a:rPr>
-              <a:t> </a:t>
-            </a:r>
-          </a:p>
-          <a:p>
-            <a:pPr marL="0" indent="0">
-              <a:buNone/>
-            </a:pPr>
-            <a:r>
-              <a:rPr lang="pt-BR" dirty="0">
-                <a:solidFill>
-                  <a:srgbClr val="006FE0"/>
-                </a:solidFill>
-                <a:latin typeface="inherit"/>
-              </a:rPr>
-              <a:t>     </a:t>
-            </a:r>
-            <a:r>
-              <a:rPr lang="pt-BR" dirty="0">
-                <a:solidFill>
-                  <a:srgbClr val="800080"/>
-                </a:solidFill>
-                <a:latin typeface="inherit"/>
-              </a:rPr>
-              <a:t>private</a:t>
-            </a:r>
-            <a:r>
-              <a:rPr lang="pt-BR" dirty="0">
-                <a:solidFill>
-                  <a:srgbClr val="006FE0"/>
-                </a:solidFill>
-                <a:latin typeface="inherit"/>
-              </a:rPr>
-              <a:t> </a:t>
-            </a:r>
-            <a:r>
-              <a:rPr lang="pt-BR" dirty="0">
-                <a:solidFill>
-                  <a:srgbClr val="800080"/>
-                </a:solidFill>
-                <a:latin typeface="inherit"/>
-              </a:rPr>
-              <a:t>void</a:t>
-            </a:r>
-            <a:r>
-              <a:rPr lang="pt-BR" dirty="0">
-                <a:solidFill>
-                  <a:srgbClr val="006FE0"/>
-                </a:solidFill>
-                <a:latin typeface="inherit"/>
-              </a:rPr>
-              <a:t> </a:t>
-            </a:r>
-            <a:r>
-              <a:rPr lang="pt-BR" dirty="0">
-                <a:solidFill>
-                  <a:srgbClr val="004ED0"/>
-                </a:solidFill>
-                <a:latin typeface="inherit"/>
-              </a:rPr>
-              <a:t>publishTemperature</a:t>
-            </a:r>
-            <a:r>
-              <a:rPr lang="pt-BR" dirty="0">
-                <a:solidFill>
-                  <a:srgbClr val="333333"/>
-                </a:solidFill>
-                <a:latin typeface="inherit"/>
-              </a:rPr>
-              <a:t>()</a:t>
-            </a:r>
-            <a:r>
-              <a:rPr lang="pt-BR" dirty="0">
-                <a:solidFill>
-                  <a:srgbClr val="006FE0"/>
-                </a:solidFill>
-                <a:latin typeface="inherit"/>
-              </a:rPr>
-              <a:t> </a:t>
-            </a:r>
-            <a:r>
-              <a:rPr lang="pt-BR" dirty="0">
-                <a:solidFill>
-                  <a:srgbClr val="004ED0"/>
-                </a:solidFill>
-                <a:latin typeface="inherit"/>
-              </a:rPr>
-              <a:t>throws</a:t>
-            </a:r>
-            <a:r>
-              <a:rPr lang="pt-BR" dirty="0">
-                <a:solidFill>
-                  <a:srgbClr val="006FE0"/>
-                </a:solidFill>
-                <a:latin typeface="inherit"/>
-              </a:rPr>
-              <a:t> </a:t>
-            </a:r>
-            <a:r>
-              <a:rPr lang="pt-BR" dirty="0">
-                <a:solidFill>
-                  <a:srgbClr val="004ED0"/>
-                </a:solidFill>
-                <a:latin typeface="inherit"/>
-              </a:rPr>
-              <a:t>MqttException</a:t>
-            </a:r>
-            <a:r>
-              <a:rPr lang="pt-BR" dirty="0">
-                <a:solidFill>
-                  <a:srgbClr val="006FE0"/>
-                </a:solidFill>
-                <a:latin typeface="inherit"/>
-              </a:rPr>
-              <a:t> </a:t>
-            </a:r>
-            <a:r>
-              <a:rPr lang="pt-BR" dirty="0">
-                <a:solidFill>
-                  <a:srgbClr val="333333"/>
-                </a:solidFill>
-                <a:latin typeface="inherit"/>
-              </a:rPr>
-              <a:t>{</a:t>
-            </a:r>
-            <a:endParaRPr lang="pt-BR" dirty="0">
-              <a:solidFill>
-                <a:srgbClr val="000000"/>
-              </a:solidFill>
-              <a:latin typeface="Droid Sans Mono"/>
-            </a:endParaRPr>
-          </a:p>
-          <a:p>
-            <a:pPr marL="0" indent="0">
-              <a:buNone/>
-            </a:pPr>
-            <a:r>
-              <a:rPr lang="pt-BR" dirty="0">
-                <a:solidFill>
-                  <a:srgbClr val="006FE0"/>
-                </a:solidFill>
-                <a:latin typeface="inherit"/>
-              </a:rPr>
-              <a:t>         </a:t>
-            </a:r>
-            <a:r>
-              <a:rPr lang="pt-BR" dirty="0">
-                <a:solidFill>
-                  <a:srgbClr val="800080"/>
-                </a:solidFill>
-                <a:latin typeface="inherit"/>
-              </a:rPr>
-              <a:t>final</a:t>
-            </a:r>
-            <a:r>
-              <a:rPr lang="pt-BR" dirty="0">
-                <a:solidFill>
-                  <a:srgbClr val="006FE0"/>
-                </a:solidFill>
-                <a:latin typeface="inherit"/>
-              </a:rPr>
-              <a:t> </a:t>
-            </a:r>
-            <a:r>
-              <a:rPr lang="pt-BR" dirty="0">
-                <a:solidFill>
-                  <a:srgbClr val="004ED0"/>
-                </a:solidFill>
-                <a:latin typeface="inherit"/>
-              </a:rPr>
-              <a:t>MqttTopic </a:t>
-            </a:r>
-            <a:r>
-              <a:rPr lang="pt-BR" dirty="0">
-                <a:solidFill>
-                  <a:srgbClr val="002D7A"/>
-                </a:solidFill>
-                <a:latin typeface="inherit"/>
-              </a:rPr>
-              <a:t>temperatureTopic</a:t>
-            </a:r>
-            <a:r>
-              <a:rPr lang="pt-BR" dirty="0">
-                <a:solidFill>
-                  <a:srgbClr val="006FE0"/>
-                </a:solidFill>
-                <a:latin typeface="inherit"/>
-              </a:rPr>
-              <a:t> = </a:t>
-            </a:r>
-            <a:r>
-              <a:rPr lang="pt-BR" dirty="0">
-                <a:solidFill>
-                  <a:srgbClr val="002D7A"/>
-                </a:solidFill>
-                <a:latin typeface="inherit"/>
-              </a:rPr>
-              <a:t>client</a:t>
-            </a:r>
-            <a:r>
-              <a:rPr lang="pt-BR" dirty="0">
-                <a:solidFill>
-                  <a:srgbClr val="333333"/>
-                </a:solidFill>
-                <a:latin typeface="inherit"/>
-              </a:rPr>
-              <a:t>.</a:t>
-            </a:r>
-            <a:r>
-              <a:rPr lang="pt-BR" dirty="0">
-                <a:solidFill>
-                  <a:srgbClr val="004ED0"/>
-                </a:solidFill>
-                <a:latin typeface="inherit"/>
-              </a:rPr>
-              <a:t>getTopic</a:t>
-            </a:r>
-            <a:r>
-              <a:rPr lang="pt-BR" dirty="0">
-                <a:solidFill>
-                  <a:srgbClr val="333333"/>
-                </a:solidFill>
-                <a:latin typeface="inherit"/>
-              </a:rPr>
-              <a:t>(</a:t>
-            </a:r>
-            <a:r>
-              <a:rPr lang="pt-BR" dirty="0">
-                <a:solidFill>
-                  <a:srgbClr val="002D7A"/>
-                </a:solidFill>
-                <a:latin typeface="inherit"/>
-              </a:rPr>
-              <a:t>TOPIC_TEMPERATURE</a:t>
-            </a:r>
-            <a:r>
-              <a:rPr lang="pt-BR" dirty="0">
-                <a:solidFill>
-                  <a:srgbClr val="333333"/>
-                </a:solidFill>
-                <a:latin typeface="inherit"/>
-              </a:rPr>
-              <a:t>);</a:t>
-            </a:r>
-            <a:endParaRPr lang="pt-BR" dirty="0">
-              <a:solidFill>
-                <a:srgbClr val="000000"/>
-              </a:solidFill>
-              <a:latin typeface="Droid Sans Mono"/>
-            </a:endParaRPr>
-          </a:p>
-          <a:p>
-            <a:pPr marL="0" indent="0">
-              <a:buNone/>
-            </a:pPr>
-            <a:r>
-              <a:rPr lang="pt-BR" dirty="0">
-                <a:solidFill>
-                  <a:srgbClr val="000000"/>
-                </a:solidFill>
-                <a:latin typeface="Droid Sans Mono"/>
-              </a:rPr>
-              <a:t> </a:t>
-            </a:r>
-          </a:p>
-          <a:p>
-            <a:pPr marL="0" indent="0">
-              <a:buNone/>
-            </a:pPr>
-            <a:r>
-              <a:rPr lang="pt-BR" dirty="0">
-                <a:solidFill>
-                  <a:srgbClr val="006FE0"/>
-                </a:solidFill>
-                <a:latin typeface="inherit"/>
-              </a:rPr>
-              <a:t>         </a:t>
-            </a:r>
-            <a:r>
-              <a:rPr lang="pt-BR" dirty="0">
-                <a:solidFill>
-                  <a:srgbClr val="800080"/>
-                </a:solidFill>
-                <a:latin typeface="inherit"/>
-              </a:rPr>
-              <a:t>final</a:t>
-            </a:r>
-            <a:r>
-              <a:rPr lang="pt-BR" dirty="0">
-                <a:solidFill>
-                  <a:srgbClr val="006FE0"/>
-                </a:solidFill>
-                <a:latin typeface="inherit"/>
-              </a:rPr>
-              <a:t> </a:t>
-            </a:r>
-            <a:r>
-              <a:rPr lang="pt-BR" dirty="0">
-                <a:solidFill>
-                  <a:srgbClr val="800080"/>
-                </a:solidFill>
-                <a:latin typeface="inherit"/>
-              </a:rPr>
-              <a:t>int</a:t>
-            </a:r>
-            <a:r>
-              <a:rPr lang="pt-BR" dirty="0">
-                <a:solidFill>
-                  <a:srgbClr val="006FE0"/>
-                </a:solidFill>
-                <a:latin typeface="inherit"/>
-              </a:rPr>
-              <a:t> </a:t>
-            </a:r>
-            <a:r>
-              <a:rPr lang="pt-BR" dirty="0">
-                <a:solidFill>
-                  <a:srgbClr val="002D7A"/>
-                </a:solidFill>
-                <a:latin typeface="inherit"/>
-              </a:rPr>
-              <a:t>temperatureNumber</a:t>
-            </a:r>
-            <a:r>
-              <a:rPr lang="pt-BR" dirty="0">
-                <a:solidFill>
-                  <a:srgbClr val="006FE0"/>
-                </a:solidFill>
-                <a:latin typeface="inherit"/>
-              </a:rPr>
-              <a:t> = </a:t>
-            </a:r>
-            <a:r>
-              <a:rPr lang="pt-BR" dirty="0">
-                <a:solidFill>
-                  <a:srgbClr val="002D7A"/>
-                </a:solidFill>
-                <a:latin typeface="inherit"/>
-              </a:rPr>
-              <a:t>Utils</a:t>
-            </a:r>
-            <a:r>
-              <a:rPr lang="pt-BR" dirty="0">
-                <a:solidFill>
-                  <a:srgbClr val="333333"/>
-                </a:solidFill>
-                <a:latin typeface="inherit"/>
-              </a:rPr>
-              <a:t>.</a:t>
-            </a:r>
-            <a:r>
-              <a:rPr lang="pt-BR" dirty="0">
-                <a:solidFill>
-                  <a:srgbClr val="004ED0"/>
-                </a:solidFill>
-                <a:latin typeface="inherit"/>
-              </a:rPr>
-              <a:t>createRandomNumberBetween</a:t>
-            </a:r>
-            <a:r>
-              <a:rPr lang="pt-BR" dirty="0">
-                <a:solidFill>
-                  <a:srgbClr val="333333"/>
-                </a:solidFill>
-                <a:latin typeface="inherit"/>
-              </a:rPr>
-              <a:t>(</a:t>
-            </a:r>
-            <a:r>
-              <a:rPr lang="pt-BR" dirty="0">
-                <a:solidFill>
-                  <a:srgbClr val="CE0000"/>
-                </a:solidFill>
-                <a:latin typeface="inherit"/>
-              </a:rPr>
-              <a:t>20</a:t>
-            </a:r>
-            <a:r>
-              <a:rPr lang="pt-BR" dirty="0">
-                <a:solidFill>
-                  <a:srgbClr val="333333"/>
-                </a:solidFill>
-                <a:latin typeface="inherit"/>
-              </a:rPr>
-              <a:t>,</a:t>
-            </a:r>
-            <a:r>
-              <a:rPr lang="pt-BR" dirty="0">
-                <a:solidFill>
-                  <a:srgbClr val="006FE0"/>
-                </a:solidFill>
-                <a:latin typeface="inherit"/>
-              </a:rPr>
-              <a:t> </a:t>
-            </a:r>
-            <a:r>
-              <a:rPr lang="pt-BR" dirty="0">
-                <a:solidFill>
-                  <a:srgbClr val="CE0000"/>
-                </a:solidFill>
-                <a:latin typeface="inherit"/>
-              </a:rPr>
-              <a:t>30</a:t>
-            </a:r>
-            <a:r>
-              <a:rPr lang="pt-BR" dirty="0">
-                <a:solidFill>
-                  <a:srgbClr val="333333"/>
-                </a:solidFill>
-                <a:latin typeface="inherit"/>
-              </a:rPr>
-              <a:t>);</a:t>
-            </a:r>
-            <a:endParaRPr lang="pt-BR" dirty="0">
-              <a:solidFill>
-                <a:srgbClr val="000000"/>
-              </a:solidFill>
-              <a:latin typeface="Droid Sans Mono"/>
-            </a:endParaRPr>
-          </a:p>
-          <a:p>
-            <a:pPr marL="0" indent="0">
-              <a:buNone/>
-            </a:pPr>
-            <a:r>
-              <a:rPr lang="pt-BR" dirty="0">
-                <a:solidFill>
-                  <a:srgbClr val="006FE0"/>
-                </a:solidFill>
-                <a:latin typeface="inherit"/>
-              </a:rPr>
-              <a:t>         </a:t>
-            </a:r>
-            <a:r>
-              <a:rPr lang="pt-BR" dirty="0">
-                <a:solidFill>
-                  <a:srgbClr val="800080"/>
-                </a:solidFill>
-                <a:latin typeface="inherit"/>
-              </a:rPr>
-              <a:t>final</a:t>
-            </a:r>
-            <a:r>
-              <a:rPr lang="pt-BR" dirty="0">
-                <a:solidFill>
-                  <a:srgbClr val="006FE0"/>
-                </a:solidFill>
-                <a:latin typeface="inherit"/>
-              </a:rPr>
-              <a:t> </a:t>
-            </a:r>
-            <a:r>
-              <a:rPr lang="pt-BR" dirty="0">
-                <a:solidFill>
-                  <a:srgbClr val="800080"/>
-                </a:solidFill>
-                <a:latin typeface="inherit"/>
-              </a:rPr>
-              <a:t>String</a:t>
-            </a:r>
-            <a:r>
-              <a:rPr lang="pt-BR" dirty="0">
-                <a:solidFill>
-                  <a:srgbClr val="006FE0"/>
-                </a:solidFill>
-                <a:latin typeface="inherit"/>
-              </a:rPr>
-              <a:t> </a:t>
-            </a:r>
-            <a:r>
-              <a:rPr lang="pt-BR" dirty="0">
-                <a:solidFill>
-                  <a:srgbClr val="002D7A"/>
-                </a:solidFill>
-                <a:latin typeface="inherit"/>
-              </a:rPr>
-              <a:t>temperature</a:t>
-            </a:r>
-            <a:r>
-              <a:rPr lang="pt-BR" dirty="0">
-                <a:solidFill>
-                  <a:srgbClr val="006FE0"/>
-                </a:solidFill>
-                <a:latin typeface="inherit"/>
-              </a:rPr>
-              <a:t> = </a:t>
-            </a:r>
-            <a:r>
-              <a:rPr lang="pt-BR" dirty="0">
-                <a:solidFill>
-                  <a:srgbClr val="002D7A"/>
-                </a:solidFill>
-                <a:latin typeface="inherit"/>
-              </a:rPr>
-              <a:t>temperatureNumber</a:t>
-            </a:r>
-            <a:r>
-              <a:rPr lang="pt-BR" dirty="0">
-                <a:solidFill>
-                  <a:srgbClr val="006FE0"/>
-                </a:solidFill>
-                <a:latin typeface="inherit"/>
-              </a:rPr>
-              <a:t> + </a:t>
-            </a:r>
-            <a:r>
-              <a:rPr lang="pt-BR" dirty="0">
-                <a:solidFill>
-                  <a:srgbClr val="008000"/>
-                </a:solidFill>
-                <a:latin typeface="inherit"/>
-              </a:rPr>
-              <a:t>"°C"</a:t>
-            </a:r>
-            <a:r>
-              <a:rPr lang="pt-BR" dirty="0">
-                <a:solidFill>
-                  <a:srgbClr val="333333"/>
-                </a:solidFill>
-                <a:latin typeface="inherit"/>
-              </a:rPr>
-              <a:t>;</a:t>
-            </a:r>
-            <a:endParaRPr lang="pt-BR" dirty="0">
-              <a:solidFill>
-                <a:srgbClr val="000000"/>
-              </a:solidFill>
-              <a:latin typeface="Droid Sans Mono"/>
-            </a:endParaRPr>
-          </a:p>
-          <a:p>
-            <a:pPr marL="0" indent="0">
-              <a:buNone/>
-            </a:pPr>
-            <a:r>
-              <a:rPr lang="pt-BR" dirty="0">
-                <a:solidFill>
-                  <a:srgbClr val="000000"/>
-                </a:solidFill>
-                <a:latin typeface="Droid Sans Mono"/>
-              </a:rPr>
-              <a:t> </a:t>
-            </a:r>
-          </a:p>
-          <a:p>
-            <a:pPr marL="0" indent="0">
-              <a:buNone/>
-            </a:pPr>
-            <a:r>
-              <a:rPr lang="pt-BR" dirty="0">
-                <a:solidFill>
-                  <a:srgbClr val="006FE0"/>
-                </a:solidFill>
-                <a:latin typeface="inherit"/>
-              </a:rPr>
-              <a:t>         </a:t>
-            </a:r>
-            <a:r>
-              <a:rPr lang="pt-BR" dirty="0">
-                <a:solidFill>
-                  <a:srgbClr val="002D7A"/>
-                </a:solidFill>
-                <a:latin typeface="inherit"/>
-              </a:rPr>
-              <a:t>temperatureTopic</a:t>
-            </a:r>
-            <a:r>
-              <a:rPr lang="pt-BR" dirty="0">
-                <a:solidFill>
-                  <a:srgbClr val="333333"/>
-                </a:solidFill>
-                <a:latin typeface="inherit"/>
-              </a:rPr>
-              <a:t>.</a:t>
-            </a:r>
-            <a:r>
-              <a:rPr lang="pt-BR" dirty="0">
-                <a:solidFill>
-                  <a:srgbClr val="004ED0"/>
-                </a:solidFill>
-                <a:latin typeface="inherit"/>
-              </a:rPr>
-              <a:t>publish</a:t>
-            </a:r>
-            <a:r>
-              <a:rPr lang="pt-BR" dirty="0">
-                <a:solidFill>
-                  <a:srgbClr val="333333"/>
-                </a:solidFill>
-                <a:latin typeface="inherit"/>
-              </a:rPr>
-              <a:t>(</a:t>
-            </a:r>
-            <a:r>
-              <a:rPr lang="pt-BR" dirty="0">
-                <a:solidFill>
-                  <a:srgbClr val="800080"/>
-                </a:solidFill>
-                <a:latin typeface="inherit"/>
-              </a:rPr>
-              <a:t>new</a:t>
-            </a:r>
-            <a:r>
-              <a:rPr lang="pt-BR" dirty="0">
-                <a:solidFill>
-                  <a:srgbClr val="006FE0"/>
-                </a:solidFill>
-                <a:latin typeface="inherit"/>
-              </a:rPr>
-              <a:t> </a:t>
-            </a:r>
-            <a:r>
-              <a:rPr lang="pt-BR" dirty="0">
-                <a:solidFill>
-                  <a:srgbClr val="004ED0"/>
-                </a:solidFill>
-                <a:latin typeface="inherit"/>
-              </a:rPr>
-              <a:t>MqttMessage</a:t>
-            </a:r>
-            <a:r>
-              <a:rPr lang="pt-BR" dirty="0">
-                <a:solidFill>
-                  <a:srgbClr val="333333"/>
-                </a:solidFill>
-                <a:latin typeface="inherit"/>
-              </a:rPr>
-              <a:t>(</a:t>
-            </a:r>
-            <a:r>
-              <a:rPr lang="pt-BR" dirty="0">
-                <a:solidFill>
-                  <a:srgbClr val="002D7A"/>
-                </a:solidFill>
-                <a:latin typeface="inherit"/>
-              </a:rPr>
-              <a:t>temperature</a:t>
-            </a:r>
-            <a:r>
-              <a:rPr lang="pt-BR" dirty="0">
-                <a:solidFill>
-                  <a:srgbClr val="333333"/>
-                </a:solidFill>
-                <a:latin typeface="inherit"/>
-              </a:rPr>
-              <a:t>.</a:t>
-            </a:r>
-            <a:r>
-              <a:rPr lang="pt-BR" dirty="0">
-                <a:solidFill>
-                  <a:srgbClr val="004ED0"/>
-                </a:solidFill>
-                <a:latin typeface="inherit"/>
-              </a:rPr>
-              <a:t>getBytes</a:t>
-            </a:r>
-            <a:r>
-              <a:rPr lang="pt-BR" dirty="0">
-                <a:solidFill>
-                  <a:srgbClr val="333333"/>
-                </a:solidFill>
-                <a:latin typeface="inherit"/>
-              </a:rPr>
-              <a:t>()));</a:t>
-            </a:r>
-            <a:endParaRPr lang="pt-BR" dirty="0">
-              <a:solidFill>
-                <a:srgbClr val="000000"/>
-              </a:solidFill>
-              <a:latin typeface="Droid Sans Mono"/>
-            </a:endParaRPr>
-          </a:p>
-          <a:p>
-            <a:pPr marL="0" indent="0">
-              <a:buNone/>
-            </a:pPr>
-            <a:r>
-              <a:rPr lang="pt-BR" dirty="0">
-                <a:solidFill>
-                  <a:srgbClr val="006FE0"/>
-                </a:solidFill>
-                <a:latin typeface="inherit"/>
-              </a:rPr>
-              <a:t>     </a:t>
-            </a:r>
-            <a:r>
-              <a:rPr lang="pt-BR" dirty="0">
-                <a:solidFill>
-                  <a:srgbClr val="333333"/>
-                </a:solidFill>
-                <a:latin typeface="inherit"/>
-              </a:rPr>
-              <a:t>}</a:t>
-            </a:r>
-            <a:endParaRPr lang="pt-BR" dirty="0">
-              <a:solidFill>
-                <a:srgbClr val="000000"/>
-              </a:solidFill>
-              <a:latin typeface="Droid Sans Mono"/>
-            </a:endParaRPr>
-          </a:p>
-          <a:p>
-            <a:endParaRPr lang="pt-BR" dirty="0" smtClean="0">
-              <a:solidFill>
-                <a:srgbClr val="000000"/>
-              </a:solidFill>
-              <a:latin typeface="Droid Sans Mono"/>
-            </a:endParaRPr>
-          </a:p>
-          <a:p>
+          </a:p>
+          <a:p>
+            <a:endParaRPr lang="pt-BR" dirty="0"/>
+          </a:p>
+        </p:txBody>
+      </p:sp>
+      <p:sp>
+        <p:nvSpPr>
+          <p:cNvPr id="4" name="Slide Number Placeholder 3"/>
+          <p:cNvSpPr>
+            <a:spLocks noGrp="1"/>
+          </p:cNvSpPr>
+          <p:nvPr>
+            <p:ph type="sldNum" sz="quarter" idx="12"/>
+          </p:nvPr>
+        </p:nvSpPr>
+        <p:spPr/>
+        <p:txBody>
+          <a:bodyPr/>
+          <a:lstStyle/>
+          <a:p>
+            <a:fld id="{F7934532-1102-47A1-AD69-2C30B33FF293}" type="slidenum">
+              <a:rPr lang="pt-BR" smtClean="0"/>
+              <a:t>18</a:t>
+            </a:fld>
+            <a:endParaRPr lang="pt-BR"/>
+          </a:p>
+        </p:txBody>
+      </p:sp>
+      <p:sp>
+        <p:nvSpPr>
+          <p:cNvPr id="6" name="Footer Placeholder 4"/>
+          <p:cNvSpPr>
+            <a:spLocks noGrp="1"/>
+          </p:cNvSpPr>
+          <p:nvPr>
+            <p:ph type="ftr" sz="quarter" idx="11"/>
+          </p:nvPr>
+        </p:nvSpPr>
+        <p:spPr>
+          <a:xfrm>
+            <a:off x="3429000" y="18288"/>
+            <a:ext cx="4114800" cy="329184"/>
+          </a:xfrm>
+        </p:spPr>
+        <p:txBody>
+          <a:bodyPr/>
+          <a:lstStyle/>
+          <a:p>
+            <a:r>
+              <a:rPr lang="pt-BR" dirty="0"/>
+              <a:t>Pedro Affonso – MO809 – </a:t>
+            </a:r>
+            <a:r>
+              <a:rPr lang="pt-BR" dirty="0" smtClean="0"/>
+              <a:t>set/2016</a:t>
+            </a:r>
             <a:endParaRPr lang="pt-BR" dirty="0"/>
           </a:p>
         </p:txBody>
@@ -7163,7 +6805,7 @@
     </p:spTree>
     <p:extLst>
       <p:ext uri="{BB962C8B-B14F-4D97-AF65-F5344CB8AC3E}">
-        <p14:creationId xmlns:p14="http://schemas.microsoft.com/office/powerpoint/2010/main" val="2421377779"/>
+        <p14:creationId xmlns:p14="http://schemas.microsoft.com/office/powerpoint/2010/main" val="2817448671"/>
       </p:ext>
     </p:extLst>
   </p:cSld>
@@ -7207,7 +6849,7 @@
           <a:p>
             <a:r>
               <a:rPr lang="pt-BR" dirty="0" smtClean="0"/>
-              <a:t>Dúvidas?</a:t>
+              <a:t>Exemplo de cliente (código)</a:t>
             </a:r>
             <a:endParaRPr lang="pt-BR" dirty="0"/>
           </a:p>
@@ -7225,12 +6867,1339 @@
         </p:nvSpPr>
         <p:spPr/>
         <p:txBody>
-          <a:bodyPr/>
-          <a:lstStyle/>
-          <a:p>
+          <a:bodyPr>
+            <a:normAutofit fontScale="62500" lnSpcReduction="20000"/>
+          </a:bodyPr>
+          <a:lstStyle/>
+          <a:p>
+            <a:endParaRPr lang="pt-BR" dirty="0">
+              <a:solidFill>
+                <a:srgbClr val="333333"/>
+              </a:solidFill>
+              <a:latin typeface="inherit"/>
+            </a:endParaRPr>
+          </a:p>
+          <a:p>
+            <a:pPr marL="0" indent="0">
+              <a:buNone/>
+            </a:pPr>
+            <a:r>
+              <a:rPr lang="pt-BR" dirty="0">
+                <a:solidFill>
+                  <a:srgbClr val="006FE0"/>
+                </a:solidFill>
+                <a:latin typeface="inherit"/>
+              </a:rPr>
+              <a:t>    </a:t>
+            </a:r>
+            <a:r>
+              <a:rPr lang="pt-BR" dirty="0">
+                <a:solidFill>
+                  <a:srgbClr val="800080"/>
+                </a:solidFill>
+                <a:latin typeface="inherit"/>
+              </a:rPr>
+              <a:t>public</a:t>
+            </a:r>
+            <a:r>
+              <a:rPr lang="pt-BR" dirty="0">
+                <a:solidFill>
+                  <a:srgbClr val="006FE0"/>
+                </a:solidFill>
+                <a:latin typeface="inherit"/>
+              </a:rPr>
+              <a:t> </a:t>
+            </a:r>
+            <a:r>
+              <a:rPr lang="pt-BR" dirty="0">
+                <a:solidFill>
+                  <a:srgbClr val="800080"/>
+                </a:solidFill>
+                <a:latin typeface="inherit"/>
+              </a:rPr>
+              <a:t>static</a:t>
+            </a:r>
+            <a:r>
+              <a:rPr lang="pt-BR" dirty="0">
+                <a:solidFill>
+                  <a:srgbClr val="006FE0"/>
+                </a:solidFill>
+                <a:latin typeface="inherit"/>
+              </a:rPr>
+              <a:t> </a:t>
+            </a:r>
+            <a:r>
+              <a:rPr lang="pt-BR" dirty="0">
+                <a:solidFill>
+                  <a:srgbClr val="800080"/>
+                </a:solidFill>
+                <a:latin typeface="inherit"/>
+              </a:rPr>
+              <a:t>final</a:t>
+            </a:r>
+            <a:r>
+              <a:rPr lang="pt-BR" dirty="0">
+                <a:solidFill>
+                  <a:srgbClr val="006FE0"/>
+                </a:solidFill>
+                <a:latin typeface="inherit"/>
+              </a:rPr>
+              <a:t> </a:t>
+            </a:r>
+            <a:r>
+              <a:rPr lang="pt-BR" dirty="0">
+                <a:solidFill>
+                  <a:srgbClr val="800080"/>
+                </a:solidFill>
+                <a:latin typeface="inherit"/>
+              </a:rPr>
+              <a:t>String</a:t>
+            </a:r>
+            <a:r>
+              <a:rPr lang="pt-BR" dirty="0">
+                <a:solidFill>
+                  <a:srgbClr val="006FE0"/>
+                </a:solidFill>
+                <a:latin typeface="inherit"/>
+              </a:rPr>
+              <a:t> </a:t>
+            </a:r>
+            <a:r>
+              <a:rPr lang="pt-BR" dirty="0">
+                <a:solidFill>
+                  <a:srgbClr val="002D7A"/>
+                </a:solidFill>
+                <a:latin typeface="inherit"/>
+              </a:rPr>
+              <a:t>TOPIC_TEMPERATURE</a:t>
+            </a:r>
+            <a:r>
+              <a:rPr lang="pt-BR" dirty="0">
+                <a:solidFill>
+                  <a:srgbClr val="006FE0"/>
+                </a:solidFill>
+                <a:latin typeface="inherit"/>
+              </a:rPr>
+              <a:t> = </a:t>
+            </a:r>
+            <a:r>
+              <a:rPr lang="pt-BR" dirty="0">
+                <a:solidFill>
+                  <a:srgbClr val="008000"/>
+                </a:solidFill>
+                <a:latin typeface="inherit"/>
+              </a:rPr>
+              <a:t>"home/temperature"</a:t>
+            </a:r>
+            <a:r>
+              <a:rPr lang="pt-BR" dirty="0">
+                <a:solidFill>
+                  <a:srgbClr val="333333"/>
+                </a:solidFill>
+                <a:latin typeface="inherit"/>
+              </a:rPr>
+              <a:t>;</a:t>
+            </a:r>
+            <a:endParaRPr lang="pt-BR" dirty="0">
+              <a:solidFill>
+                <a:srgbClr val="000000"/>
+              </a:solidFill>
+              <a:latin typeface="Droid Sans Mono"/>
+            </a:endParaRPr>
+          </a:p>
+          <a:p>
+            <a:pPr marL="0" indent="0">
+              <a:buNone/>
+            </a:pPr>
+            <a:r>
+              <a:rPr lang="pt-BR" dirty="0">
+                <a:solidFill>
+                  <a:srgbClr val="000000"/>
+                </a:solidFill>
+                <a:latin typeface="Droid Sans Mono"/>
+              </a:rPr>
+              <a:t> </a:t>
+            </a:r>
+          </a:p>
+          <a:p>
+            <a:pPr marL="0" indent="0">
+              <a:buNone/>
+            </a:pPr>
+            <a:r>
+              <a:rPr lang="pt-BR" dirty="0">
+                <a:solidFill>
+                  <a:srgbClr val="006FE0"/>
+                </a:solidFill>
+                <a:latin typeface="inherit"/>
+              </a:rPr>
+              <a:t>     </a:t>
+            </a:r>
+            <a:r>
+              <a:rPr lang="pt-BR" dirty="0">
+                <a:solidFill>
+                  <a:srgbClr val="FF8000"/>
+                </a:solidFill>
+                <a:latin typeface="inherit"/>
+              </a:rPr>
+              <a:t>//...</a:t>
+            </a:r>
+            <a:endParaRPr lang="pt-BR" dirty="0">
+              <a:solidFill>
+                <a:srgbClr val="000000"/>
+              </a:solidFill>
+              <a:latin typeface="Droid Sans Mono"/>
+            </a:endParaRPr>
+          </a:p>
+          <a:p>
+            <a:pPr marL="0" indent="0">
+              <a:buNone/>
+            </a:pPr>
+            <a:r>
+              <a:rPr lang="pt-BR" dirty="0">
+                <a:solidFill>
+                  <a:srgbClr val="006FE0"/>
+                </a:solidFill>
+                <a:latin typeface="inherit"/>
+              </a:rPr>
+              <a:t>     </a:t>
+            </a:r>
+            <a:r>
+              <a:rPr lang="pt-BR" dirty="0">
+                <a:solidFill>
+                  <a:srgbClr val="800080"/>
+                </a:solidFill>
+                <a:latin typeface="inherit"/>
+              </a:rPr>
+              <a:t>while</a:t>
+            </a:r>
+            <a:r>
+              <a:rPr lang="pt-BR" dirty="0">
+                <a:solidFill>
+                  <a:srgbClr val="006FE0"/>
+                </a:solidFill>
+                <a:latin typeface="inherit"/>
+              </a:rPr>
+              <a:t> </a:t>
+            </a:r>
+            <a:r>
+              <a:rPr lang="pt-BR" dirty="0">
+                <a:solidFill>
+                  <a:srgbClr val="333333"/>
+                </a:solidFill>
+                <a:latin typeface="inherit"/>
+              </a:rPr>
+              <a:t>(</a:t>
+            </a:r>
+            <a:r>
+              <a:rPr lang="pt-BR" dirty="0">
+                <a:solidFill>
+                  <a:srgbClr val="800080"/>
+                </a:solidFill>
+                <a:latin typeface="inherit"/>
+              </a:rPr>
+              <a:t>true</a:t>
+            </a:r>
+            <a:r>
+              <a:rPr lang="pt-BR" dirty="0">
+                <a:solidFill>
+                  <a:srgbClr val="333333"/>
+                </a:solidFill>
+                <a:latin typeface="inherit"/>
+              </a:rPr>
+              <a:t>)</a:t>
+            </a:r>
+            <a:endParaRPr lang="pt-BR" dirty="0">
+              <a:solidFill>
+                <a:srgbClr val="000000"/>
+              </a:solidFill>
+              <a:latin typeface="Droid Sans Mono"/>
+            </a:endParaRPr>
+          </a:p>
+          <a:p>
+            <a:pPr marL="0" indent="0">
+              <a:buNone/>
+            </a:pPr>
+            <a:r>
+              <a:rPr lang="pt-BR" dirty="0">
+                <a:solidFill>
+                  <a:srgbClr val="006FE0"/>
+                </a:solidFill>
+                <a:latin typeface="inherit"/>
+              </a:rPr>
+              <a:t>     </a:t>
+            </a:r>
+            <a:r>
+              <a:rPr lang="pt-BR" dirty="0">
+                <a:solidFill>
+                  <a:srgbClr val="333333"/>
+                </a:solidFill>
+                <a:latin typeface="inherit"/>
+              </a:rPr>
+              <a:t>{</a:t>
+            </a:r>
+            <a:endParaRPr lang="pt-BR" dirty="0">
+              <a:solidFill>
+                <a:srgbClr val="000000"/>
+              </a:solidFill>
+              <a:latin typeface="Droid Sans Mono"/>
+            </a:endParaRPr>
+          </a:p>
+          <a:p>
+            <a:pPr marL="0" indent="0">
+              <a:buNone/>
+            </a:pPr>
+            <a:r>
+              <a:rPr lang="pt-BR" dirty="0">
+                <a:solidFill>
+                  <a:srgbClr val="006FE0"/>
+                </a:solidFill>
+                <a:latin typeface="inherit"/>
+              </a:rPr>
+              <a:t>          </a:t>
+            </a:r>
+            <a:r>
+              <a:rPr lang="pt-BR" dirty="0">
+                <a:solidFill>
+                  <a:srgbClr val="004ED0"/>
+                </a:solidFill>
+                <a:latin typeface="inherit"/>
+              </a:rPr>
+              <a:t>publishBrightness</a:t>
+            </a:r>
+            <a:r>
+              <a:rPr lang="pt-BR" dirty="0">
+                <a:solidFill>
+                  <a:srgbClr val="333333"/>
+                </a:solidFill>
+                <a:latin typeface="inherit"/>
+              </a:rPr>
+              <a:t>();</a:t>
+            </a:r>
+            <a:endParaRPr lang="pt-BR" dirty="0">
+              <a:solidFill>
+                <a:srgbClr val="000000"/>
+              </a:solidFill>
+              <a:latin typeface="Droid Sans Mono"/>
+            </a:endParaRPr>
+          </a:p>
+          <a:p>
+            <a:pPr marL="0" indent="0">
+              <a:buNone/>
+            </a:pPr>
+            <a:r>
+              <a:rPr lang="pt-BR" dirty="0">
+                <a:solidFill>
+                  <a:srgbClr val="006FE0"/>
+                </a:solidFill>
+                <a:latin typeface="inherit"/>
+              </a:rPr>
+              <a:t>          </a:t>
+            </a:r>
+            <a:r>
+              <a:rPr lang="pt-BR" dirty="0">
+                <a:solidFill>
+                  <a:srgbClr val="002D7A"/>
+                </a:solidFill>
+                <a:latin typeface="inherit"/>
+              </a:rPr>
+              <a:t>Thread</a:t>
+            </a:r>
+            <a:r>
+              <a:rPr lang="pt-BR" dirty="0">
+                <a:solidFill>
+                  <a:srgbClr val="333333"/>
+                </a:solidFill>
+                <a:latin typeface="inherit"/>
+              </a:rPr>
+              <a:t>.</a:t>
+            </a:r>
+            <a:r>
+              <a:rPr lang="pt-BR" dirty="0">
+                <a:solidFill>
+                  <a:srgbClr val="004ED0"/>
+                </a:solidFill>
+                <a:latin typeface="inherit"/>
+              </a:rPr>
+              <a:t>sleep</a:t>
+            </a:r>
+            <a:r>
+              <a:rPr lang="pt-BR" dirty="0">
+                <a:solidFill>
+                  <a:srgbClr val="333333"/>
+                </a:solidFill>
+                <a:latin typeface="inherit"/>
+              </a:rPr>
+              <a:t>(</a:t>
+            </a:r>
+            <a:r>
+              <a:rPr lang="pt-BR" dirty="0">
+                <a:solidFill>
+                  <a:srgbClr val="CE0000"/>
+                </a:solidFill>
+                <a:latin typeface="inherit"/>
+              </a:rPr>
+              <a:t>500</a:t>
+            </a:r>
+            <a:r>
+              <a:rPr lang="pt-BR" dirty="0">
+                <a:solidFill>
+                  <a:srgbClr val="333333"/>
+                </a:solidFill>
+                <a:latin typeface="inherit"/>
+              </a:rPr>
+              <a:t>);</a:t>
+            </a:r>
+            <a:endParaRPr lang="pt-BR" dirty="0">
+              <a:solidFill>
+                <a:srgbClr val="000000"/>
+              </a:solidFill>
+              <a:latin typeface="Droid Sans Mono"/>
+            </a:endParaRPr>
+          </a:p>
+          <a:p>
+            <a:pPr marL="0" indent="0">
+              <a:buNone/>
+            </a:pPr>
+            <a:r>
+              <a:rPr lang="pt-BR" dirty="0">
+                <a:solidFill>
+                  <a:srgbClr val="006FE0"/>
+                </a:solidFill>
+                <a:latin typeface="inherit"/>
+              </a:rPr>
+              <a:t>          </a:t>
+            </a:r>
+            <a:r>
+              <a:rPr lang="pt-BR" dirty="0">
+                <a:solidFill>
+                  <a:srgbClr val="004ED0"/>
+                </a:solidFill>
+                <a:latin typeface="inherit"/>
+              </a:rPr>
+              <a:t>publishTemperature</a:t>
+            </a:r>
+            <a:r>
+              <a:rPr lang="pt-BR" dirty="0">
+                <a:solidFill>
+                  <a:srgbClr val="333333"/>
+                </a:solidFill>
+                <a:latin typeface="inherit"/>
+              </a:rPr>
+              <a:t>();</a:t>
+            </a:r>
+            <a:endParaRPr lang="pt-BR" dirty="0">
+              <a:solidFill>
+                <a:srgbClr val="000000"/>
+              </a:solidFill>
+              <a:latin typeface="Droid Sans Mono"/>
+            </a:endParaRPr>
+          </a:p>
+          <a:p>
+            <a:pPr marL="0" indent="0">
+              <a:buNone/>
+            </a:pPr>
+            <a:r>
+              <a:rPr lang="pt-BR" dirty="0">
+                <a:solidFill>
+                  <a:srgbClr val="006FE0"/>
+                </a:solidFill>
+                <a:latin typeface="inherit"/>
+              </a:rPr>
+              <a:t>          </a:t>
+            </a:r>
+            <a:r>
+              <a:rPr lang="pt-BR" dirty="0">
+                <a:solidFill>
+                  <a:srgbClr val="002D7A"/>
+                </a:solidFill>
+                <a:latin typeface="inherit"/>
+              </a:rPr>
+              <a:t>Thread</a:t>
+            </a:r>
+            <a:r>
+              <a:rPr lang="pt-BR" dirty="0">
+                <a:solidFill>
+                  <a:srgbClr val="333333"/>
+                </a:solidFill>
+                <a:latin typeface="inherit"/>
+              </a:rPr>
+              <a:t>.</a:t>
+            </a:r>
+            <a:r>
+              <a:rPr lang="pt-BR" dirty="0">
+                <a:solidFill>
+                  <a:srgbClr val="004ED0"/>
+                </a:solidFill>
+                <a:latin typeface="inherit"/>
+              </a:rPr>
+              <a:t>sleep</a:t>
+            </a:r>
+            <a:r>
+              <a:rPr lang="pt-BR" dirty="0">
+                <a:solidFill>
+                  <a:srgbClr val="333333"/>
+                </a:solidFill>
+                <a:latin typeface="inherit"/>
+              </a:rPr>
+              <a:t>(</a:t>
+            </a:r>
+            <a:r>
+              <a:rPr lang="pt-BR" dirty="0">
+                <a:solidFill>
+                  <a:srgbClr val="CE0000"/>
+                </a:solidFill>
+                <a:latin typeface="inherit"/>
+              </a:rPr>
+              <a:t>500</a:t>
+            </a:r>
+            <a:r>
+              <a:rPr lang="pt-BR" dirty="0">
+                <a:solidFill>
+                  <a:srgbClr val="333333"/>
+                </a:solidFill>
+                <a:latin typeface="inherit"/>
+              </a:rPr>
+              <a:t>);</a:t>
+            </a:r>
+            <a:endParaRPr lang="pt-BR" dirty="0">
+              <a:solidFill>
+                <a:srgbClr val="000000"/>
+              </a:solidFill>
+              <a:latin typeface="Droid Sans Mono"/>
+            </a:endParaRPr>
+          </a:p>
+          <a:p>
+            <a:pPr marL="0" indent="0">
+              <a:buNone/>
+            </a:pPr>
+            <a:r>
+              <a:rPr lang="pt-BR" dirty="0">
+                <a:solidFill>
+                  <a:srgbClr val="006FE0"/>
+                </a:solidFill>
+                <a:latin typeface="inherit"/>
+              </a:rPr>
+              <a:t>     </a:t>
+            </a:r>
+            <a:r>
+              <a:rPr lang="pt-BR" dirty="0">
+                <a:solidFill>
+                  <a:srgbClr val="333333"/>
+                </a:solidFill>
+                <a:latin typeface="inherit"/>
+              </a:rPr>
+              <a:t>}</a:t>
+            </a:r>
+            <a:endParaRPr lang="pt-BR" dirty="0">
+              <a:solidFill>
+                <a:srgbClr val="000000"/>
+              </a:solidFill>
+              <a:latin typeface="Droid Sans Mono"/>
+            </a:endParaRPr>
+          </a:p>
+          <a:p>
+            <a:pPr marL="0" indent="0">
+              <a:buNone/>
+            </a:pPr>
+            <a:r>
+              <a:rPr lang="pt-BR" dirty="0">
+                <a:solidFill>
+                  <a:srgbClr val="006FE0"/>
+                </a:solidFill>
+                <a:latin typeface="inherit"/>
+              </a:rPr>
+              <a:t>     </a:t>
+            </a:r>
+            <a:r>
+              <a:rPr lang="pt-BR" dirty="0">
+                <a:solidFill>
+                  <a:srgbClr val="FF8000"/>
+                </a:solidFill>
+                <a:latin typeface="inherit"/>
+              </a:rPr>
+              <a:t>//...</a:t>
+            </a:r>
+            <a:endParaRPr lang="pt-BR" dirty="0">
+              <a:solidFill>
+                <a:srgbClr val="000000"/>
+              </a:solidFill>
+              <a:latin typeface="Droid Sans Mono"/>
+            </a:endParaRPr>
+          </a:p>
+          <a:p>
+            <a:pPr marL="0" indent="0">
+              <a:buNone/>
+            </a:pPr>
+            <a:r>
+              <a:rPr lang="pt-BR" dirty="0">
+                <a:solidFill>
+                  <a:srgbClr val="000000"/>
+                </a:solidFill>
+                <a:latin typeface="Droid Sans Mono"/>
+              </a:rPr>
+              <a:t> </a:t>
+            </a:r>
+          </a:p>
+          <a:p>
+            <a:pPr marL="0" indent="0">
+              <a:buNone/>
+            </a:pPr>
+            <a:r>
+              <a:rPr lang="pt-BR" dirty="0">
+                <a:solidFill>
+                  <a:srgbClr val="006FE0"/>
+                </a:solidFill>
+                <a:latin typeface="inherit"/>
+              </a:rPr>
+              <a:t>     </a:t>
+            </a:r>
+            <a:r>
+              <a:rPr lang="pt-BR" dirty="0">
+                <a:solidFill>
+                  <a:srgbClr val="800080"/>
+                </a:solidFill>
+                <a:latin typeface="inherit"/>
+              </a:rPr>
+              <a:t>private</a:t>
+            </a:r>
+            <a:r>
+              <a:rPr lang="pt-BR" dirty="0">
+                <a:solidFill>
+                  <a:srgbClr val="006FE0"/>
+                </a:solidFill>
+                <a:latin typeface="inherit"/>
+              </a:rPr>
+              <a:t> </a:t>
+            </a:r>
+            <a:r>
+              <a:rPr lang="pt-BR" dirty="0">
+                <a:solidFill>
+                  <a:srgbClr val="800080"/>
+                </a:solidFill>
+                <a:latin typeface="inherit"/>
+              </a:rPr>
+              <a:t>void</a:t>
+            </a:r>
+            <a:r>
+              <a:rPr lang="pt-BR" dirty="0">
+                <a:solidFill>
+                  <a:srgbClr val="006FE0"/>
+                </a:solidFill>
+                <a:latin typeface="inherit"/>
+              </a:rPr>
+              <a:t> </a:t>
+            </a:r>
+            <a:r>
+              <a:rPr lang="pt-BR" dirty="0">
+                <a:solidFill>
+                  <a:srgbClr val="004ED0"/>
+                </a:solidFill>
+                <a:latin typeface="inherit"/>
+              </a:rPr>
+              <a:t>publishTemperature</a:t>
+            </a:r>
+            <a:r>
+              <a:rPr lang="pt-BR" dirty="0">
+                <a:solidFill>
+                  <a:srgbClr val="333333"/>
+                </a:solidFill>
+                <a:latin typeface="inherit"/>
+              </a:rPr>
+              <a:t>()</a:t>
+            </a:r>
+            <a:r>
+              <a:rPr lang="pt-BR" dirty="0">
+                <a:solidFill>
+                  <a:srgbClr val="006FE0"/>
+                </a:solidFill>
+                <a:latin typeface="inherit"/>
+              </a:rPr>
+              <a:t> </a:t>
+            </a:r>
+            <a:r>
+              <a:rPr lang="pt-BR" dirty="0">
+                <a:solidFill>
+                  <a:srgbClr val="004ED0"/>
+                </a:solidFill>
+                <a:latin typeface="inherit"/>
+              </a:rPr>
+              <a:t>throws</a:t>
+            </a:r>
+            <a:r>
+              <a:rPr lang="pt-BR" dirty="0">
+                <a:solidFill>
+                  <a:srgbClr val="006FE0"/>
+                </a:solidFill>
+                <a:latin typeface="inherit"/>
+              </a:rPr>
+              <a:t> </a:t>
+            </a:r>
+            <a:r>
+              <a:rPr lang="pt-BR" dirty="0">
+                <a:solidFill>
+                  <a:srgbClr val="004ED0"/>
+                </a:solidFill>
+                <a:latin typeface="inherit"/>
+              </a:rPr>
+              <a:t>MqttException</a:t>
+            </a:r>
+            <a:r>
+              <a:rPr lang="pt-BR" dirty="0">
+                <a:solidFill>
+                  <a:srgbClr val="006FE0"/>
+                </a:solidFill>
+                <a:latin typeface="inherit"/>
+              </a:rPr>
+              <a:t> </a:t>
+            </a:r>
+            <a:r>
+              <a:rPr lang="pt-BR" dirty="0">
+                <a:solidFill>
+                  <a:srgbClr val="333333"/>
+                </a:solidFill>
+                <a:latin typeface="inherit"/>
+              </a:rPr>
+              <a:t>{</a:t>
+            </a:r>
+            <a:endParaRPr lang="pt-BR" dirty="0">
+              <a:solidFill>
+                <a:srgbClr val="000000"/>
+              </a:solidFill>
+              <a:latin typeface="Droid Sans Mono"/>
+            </a:endParaRPr>
+          </a:p>
+          <a:p>
+            <a:pPr marL="0" indent="0">
+              <a:buNone/>
+            </a:pPr>
+            <a:r>
+              <a:rPr lang="pt-BR" dirty="0">
+                <a:solidFill>
+                  <a:srgbClr val="006FE0"/>
+                </a:solidFill>
+                <a:latin typeface="inherit"/>
+              </a:rPr>
+              <a:t>         </a:t>
+            </a:r>
+            <a:r>
+              <a:rPr lang="pt-BR" dirty="0">
+                <a:solidFill>
+                  <a:srgbClr val="800080"/>
+                </a:solidFill>
+                <a:latin typeface="inherit"/>
+              </a:rPr>
+              <a:t>final</a:t>
+            </a:r>
+            <a:r>
+              <a:rPr lang="pt-BR" dirty="0">
+                <a:solidFill>
+                  <a:srgbClr val="006FE0"/>
+                </a:solidFill>
+                <a:latin typeface="inherit"/>
+              </a:rPr>
+              <a:t> </a:t>
+            </a:r>
+            <a:r>
+              <a:rPr lang="pt-BR" dirty="0">
+                <a:solidFill>
+                  <a:srgbClr val="004ED0"/>
+                </a:solidFill>
+                <a:latin typeface="inherit"/>
+              </a:rPr>
+              <a:t>MqttTopic </a:t>
+            </a:r>
+            <a:r>
+              <a:rPr lang="pt-BR" dirty="0">
+                <a:solidFill>
+                  <a:srgbClr val="002D7A"/>
+                </a:solidFill>
+                <a:latin typeface="inherit"/>
+              </a:rPr>
+              <a:t>temperatureTopic</a:t>
+            </a:r>
+            <a:r>
+              <a:rPr lang="pt-BR" dirty="0">
+                <a:solidFill>
+                  <a:srgbClr val="006FE0"/>
+                </a:solidFill>
+                <a:latin typeface="inherit"/>
+              </a:rPr>
+              <a:t> = </a:t>
+            </a:r>
+            <a:r>
+              <a:rPr lang="pt-BR" dirty="0">
+                <a:solidFill>
+                  <a:srgbClr val="002D7A"/>
+                </a:solidFill>
+                <a:latin typeface="inherit"/>
+              </a:rPr>
+              <a:t>client</a:t>
+            </a:r>
+            <a:r>
+              <a:rPr lang="pt-BR" dirty="0">
+                <a:solidFill>
+                  <a:srgbClr val="333333"/>
+                </a:solidFill>
+                <a:latin typeface="inherit"/>
+              </a:rPr>
+              <a:t>.</a:t>
+            </a:r>
+            <a:r>
+              <a:rPr lang="pt-BR" dirty="0">
+                <a:solidFill>
+                  <a:srgbClr val="004ED0"/>
+                </a:solidFill>
+                <a:latin typeface="inherit"/>
+              </a:rPr>
+              <a:t>getTopic</a:t>
+            </a:r>
+            <a:r>
+              <a:rPr lang="pt-BR" dirty="0">
+                <a:solidFill>
+                  <a:srgbClr val="333333"/>
+                </a:solidFill>
+                <a:latin typeface="inherit"/>
+              </a:rPr>
+              <a:t>(</a:t>
+            </a:r>
+            <a:r>
+              <a:rPr lang="pt-BR" dirty="0">
+                <a:solidFill>
+                  <a:srgbClr val="002D7A"/>
+                </a:solidFill>
+                <a:latin typeface="inherit"/>
+              </a:rPr>
+              <a:t>TOPIC_TEMPERATURE</a:t>
+            </a:r>
+            <a:r>
+              <a:rPr lang="pt-BR" dirty="0">
+                <a:solidFill>
+                  <a:srgbClr val="333333"/>
+                </a:solidFill>
+                <a:latin typeface="inherit"/>
+              </a:rPr>
+              <a:t>);</a:t>
+            </a:r>
+            <a:endParaRPr lang="pt-BR" dirty="0">
+              <a:solidFill>
+                <a:srgbClr val="000000"/>
+              </a:solidFill>
+              <a:latin typeface="Droid Sans Mono"/>
+            </a:endParaRPr>
+          </a:p>
+          <a:p>
+            <a:pPr marL="0" indent="0">
+              <a:buNone/>
+            </a:pPr>
+            <a:r>
+              <a:rPr lang="pt-BR" dirty="0">
+                <a:solidFill>
+                  <a:srgbClr val="000000"/>
+                </a:solidFill>
+                <a:latin typeface="Droid Sans Mono"/>
+              </a:rPr>
+              <a:t> </a:t>
+            </a:r>
+          </a:p>
+          <a:p>
+            <a:pPr marL="0" indent="0">
+              <a:buNone/>
+            </a:pPr>
+            <a:r>
+              <a:rPr lang="pt-BR" dirty="0">
+                <a:solidFill>
+                  <a:srgbClr val="006FE0"/>
+                </a:solidFill>
+                <a:latin typeface="inherit"/>
+              </a:rPr>
+              <a:t>         </a:t>
+            </a:r>
+            <a:r>
+              <a:rPr lang="pt-BR" dirty="0">
+                <a:solidFill>
+                  <a:srgbClr val="800080"/>
+                </a:solidFill>
+                <a:latin typeface="inherit"/>
+              </a:rPr>
+              <a:t>final</a:t>
+            </a:r>
+            <a:r>
+              <a:rPr lang="pt-BR" dirty="0">
+                <a:solidFill>
+                  <a:srgbClr val="006FE0"/>
+                </a:solidFill>
+                <a:latin typeface="inherit"/>
+              </a:rPr>
+              <a:t> </a:t>
+            </a:r>
+            <a:r>
+              <a:rPr lang="pt-BR" dirty="0">
+                <a:solidFill>
+                  <a:srgbClr val="800080"/>
+                </a:solidFill>
+                <a:latin typeface="inherit"/>
+              </a:rPr>
+              <a:t>int</a:t>
+            </a:r>
+            <a:r>
+              <a:rPr lang="pt-BR" dirty="0">
+                <a:solidFill>
+                  <a:srgbClr val="006FE0"/>
+                </a:solidFill>
+                <a:latin typeface="inherit"/>
+              </a:rPr>
+              <a:t> </a:t>
+            </a:r>
+            <a:r>
+              <a:rPr lang="pt-BR" dirty="0">
+                <a:solidFill>
+                  <a:srgbClr val="002D7A"/>
+                </a:solidFill>
+                <a:latin typeface="inherit"/>
+              </a:rPr>
+              <a:t>temperatureNumber</a:t>
+            </a:r>
+            <a:r>
+              <a:rPr lang="pt-BR" dirty="0">
+                <a:solidFill>
+                  <a:srgbClr val="006FE0"/>
+                </a:solidFill>
+                <a:latin typeface="inherit"/>
+              </a:rPr>
+              <a:t> = </a:t>
+            </a:r>
+            <a:r>
+              <a:rPr lang="pt-BR" dirty="0">
+                <a:solidFill>
+                  <a:srgbClr val="002D7A"/>
+                </a:solidFill>
+                <a:latin typeface="inherit"/>
+              </a:rPr>
+              <a:t>Utils</a:t>
+            </a:r>
+            <a:r>
+              <a:rPr lang="pt-BR" dirty="0">
+                <a:solidFill>
+                  <a:srgbClr val="333333"/>
+                </a:solidFill>
+                <a:latin typeface="inherit"/>
+              </a:rPr>
+              <a:t>.</a:t>
+            </a:r>
+            <a:r>
+              <a:rPr lang="pt-BR" dirty="0">
+                <a:solidFill>
+                  <a:srgbClr val="004ED0"/>
+                </a:solidFill>
+                <a:latin typeface="inherit"/>
+              </a:rPr>
+              <a:t>createRandomNumberBetween</a:t>
+            </a:r>
+            <a:r>
+              <a:rPr lang="pt-BR" dirty="0">
+                <a:solidFill>
+                  <a:srgbClr val="333333"/>
+                </a:solidFill>
+                <a:latin typeface="inherit"/>
+              </a:rPr>
+              <a:t>(</a:t>
+            </a:r>
+            <a:r>
+              <a:rPr lang="pt-BR" dirty="0">
+                <a:solidFill>
+                  <a:srgbClr val="CE0000"/>
+                </a:solidFill>
+                <a:latin typeface="inherit"/>
+              </a:rPr>
+              <a:t>20</a:t>
+            </a:r>
+            <a:r>
+              <a:rPr lang="pt-BR" dirty="0">
+                <a:solidFill>
+                  <a:srgbClr val="333333"/>
+                </a:solidFill>
+                <a:latin typeface="inherit"/>
+              </a:rPr>
+              <a:t>,</a:t>
+            </a:r>
+            <a:r>
+              <a:rPr lang="pt-BR" dirty="0">
+                <a:solidFill>
+                  <a:srgbClr val="006FE0"/>
+                </a:solidFill>
+                <a:latin typeface="inherit"/>
+              </a:rPr>
+              <a:t> </a:t>
+            </a:r>
+            <a:r>
+              <a:rPr lang="pt-BR" dirty="0">
+                <a:solidFill>
+                  <a:srgbClr val="CE0000"/>
+                </a:solidFill>
+                <a:latin typeface="inherit"/>
+              </a:rPr>
+              <a:t>30</a:t>
+            </a:r>
+            <a:r>
+              <a:rPr lang="pt-BR" dirty="0">
+                <a:solidFill>
+                  <a:srgbClr val="333333"/>
+                </a:solidFill>
+                <a:latin typeface="inherit"/>
+              </a:rPr>
+              <a:t>);</a:t>
+            </a:r>
+            <a:endParaRPr lang="pt-BR" dirty="0">
+              <a:solidFill>
+                <a:srgbClr val="000000"/>
+              </a:solidFill>
+              <a:latin typeface="Droid Sans Mono"/>
+            </a:endParaRPr>
+          </a:p>
+          <a:p>
+            <a:pPr marL="0" indent="0">
+              <a:buNone/>
+            </a:pPr>
+            <a:r>
+              <a:rPr lang="pt-BR" dirty="0">
+                <a:solidFill>
+                  <a:srgbClr val="006FE0"/>
+                </a:solidFill>
+                <a:latin typeface="inherit"/>
+              </a:rPr>
+              <a:t>         </a:t>
+            </a:r>
+            <a:r>
+              <a:rPr lang="pt-BR" dirty="0">
+                <a:solidFill>
+                  <a:srgbClr val="800080"/>
+                </a:solidFill>
+                <a:latin typeface="inherit"/>
+              </a:rPr>
+              <a:t>final</a:t>
+            </a:r>
+            <a:r>
+              <a:rPr lang="pt-BR" dirty="0">
+                <a:solidFill>
+                  <a:srgbClr val="006FE0"/>
+                </a:solidFill>
+                <a:latin typeface="inherit"/>
+              </a:rPr>
+              <a:t> </a:t>
+            </a:r>
+            <a:r>
+              <a:rPr lang="pt-BR" dirty="0">
+                <a:solidFill>
+                  <a:srgbClr val="800080"/>
+                </a:solidFill>
+                <a:latin typeface="inherit"/>
+              </a:rPr>
+              <a:t>String</a:t>
+            </a:r>
+            <a:r>
+              <a:rPr lang="pt-BR" dirty="0">
+                <a:solidFill>
+                  <a:srgbClr val="006FE0"/>
+                </a:solidFill>
+                <a:latin typeface="inherit"/>
+              </a:rPr>
+              <a:t> </a:t>
+            </a:r>
+            <a:r>
+              <a:rPr lang="pt-BR" dirty="0">
+                <a:solidFill>
+                  <a:srgbClr val="002D7A"/>
+                </a:solidFill>
+                <a:latin typeface="inherit"/>
+              </a:rPr>
+              <a:t>temperature</a:t>
+            </a:r>
+            <a:r>
+              <a:rPr lang="pt-BR" dirty="0">
+                <a:solidFill>
+                  <a:srgbClr val="006FE0"/>
+                </a:solidFill>
+                <a:latin typeface="inherit"/>
+              </a:rPr>
+              <a:t> = </a:t>
+            </a:r>
+            <a:r>
+              <a:rPr lang="pt-BR" dirty="0">
+                <a:solidFill>
+                  <a:srgbClr val="002D7A"/>
+                </a:solidFill>
+                <a:latin typeface="inherit"/>
+              </a:rPr>
+              <a:t>temperatureNumber</a:t>
+            </a:r>
+            <a:r>
+              <a:rPr lang="pt-BR" dirty="0">
+                <a:solidFill>
+                  <a:srgbClr val="006FE0"/>
+                </a:solidFill>
+                <a:latin typeface="inherit"/>
+              </a:rPr>
+              <a:t> + </a:t>
+            </a:r>
+            <a:r>
+              <a:rPr lang="pt-BR" dirty="0">
+                <a:solidFill>
+                  <a:srgbClr val="008000"/>
+                </a:solidFill>
+                <a:latin typeface="inherit"/>
+              </a:rPr>
+              <a:t>"°C"</a:t>
+            </a:r>
+            <a:r>
+              <a:rPr lang="pt-BR" dirty="0">
+                <a:solidFill>
+                  <a:srgbClr val="333333"/>
+                </a:solidFill>
+                <a:latin typeface="inherit"/>
+              </a:rPr>
+              <a:t>;</a:t>
+            </a:r>
+            <a:endParaRPr lang="pt-BR" dirty="0">
+              <a:solidFill>
+                <a:srgbClr val="000000"/>
+              </a:solidFill>
+              <a:latin typeface="Droid Sans Mono"/>
+            </a:endParaRPr>
+          </a:p>
+          <a:p>
+            <a:pPr marL="0" indent="0">
+              <a:buNone/>
+            </a:pPr>
+            <a:r>
+              <a:rPr lang="pt-BR" dirty="0">
+                <a:solidFill>
+                  <a:srgbClr val="000000"/>
+                </a:solidFill>
+                <a:latin typeface="Droid Sans Mono"/>
+              </a:rPr>
+              <a:t> </a:t>
+            </a:r>
+          </a:p>
+          <a:p>
+            <a:pPr marL="0" indent="0">
+              <a:buNone/>
+            </a:pPr>
+            <a:r>
+              <a:rPr lang="pt-BR" dirty="0">
+                <a:solidFill>
+                  <a:srgbClr val="006FE0"/>
+                </a:solidFill>
+                <a:latin typeface="inherit"/>
+              </a:rPr>
+              <a:t>         </a:t>
+            </a:r>
+            <a:r>
+              <a:rPr lang="pt-BR" dirty="0">
+                <a:solidFill>
+                  <a:srgbClr val="002D7A"/>
+                </a:solidFill>
+                <a:latin typeface="inherit"/>
+              </a:rPr>
+              <a:t>temperatureTopic</a:t>
+            </a:r>
+            <a:r>
+              <a:rPr lang="pt-BR" dirty="0">
+                <a:solidFill>
+                  <a:srgbClr val="333333"/>
+                </a:solidFill>
+                <a:latin typeface="inherit"/>
+              </a:rPr>
+              <a:t>.</a:t>
+            </a:r>
+            <a:r>
+              <a:rPr lang="pt-BR" dirty="0">
+                <a:solidFill>
+                  <a:srgbClr val="004ED0"/>
+                </a:solidFill>
+                <a:latin typeface="inherit"/>
+              </a:rPr>
+              <a:t>publish</a:t>
+            </a:r>
+            <a:r>
+              <a:rPr lang="pt-BR" dirty="0">
+                <a:solidFill>
+                  <a:srgbClr val="333333"/>
+                </a:solidFill>
+                <a:latin typeface="inherit"/>
+              </a:rPr>
+              <a:t>(</a:t>
+            </a:r>
+            <a:r>
+              <a:rPr lang="pt-BR" dirty="0">
+                <a:solidFill>
+                  <a:srgbClr val="800080"/>
+                </a:solidFill>
+                <a:latin typeface="inherit"/>
+              </a:rPr>
+              <a:t>new</a:t>
+            </a:r>
+            <a:r>
+              <a:rPr lang="pt-BR" dirty="0">
+                <a:solidFill>
+                  <a:srgbClr val="006FE0"/>
+                </a:solidFill>
+                <a:latin typeface="inherit"/>
+              </a:rPr>
+              <a:t> </a:t>
+            </a:r>
+            <a:r>
+              <a:rPr lang="pt-BR" dirty="0">
+                <a:solidFill>
+                  <a:srgbClr val="004ED0"/>
+                </a:solidFill>
+                <a:latin typeface="inherit"/>
+              </a:rPr>
+              <a:t>MqttMessage</a:t>
+            </a:r>
+            <a:r>
+              <a:rPr lang="pt-BR" dirty="0">
+                <a:solidFill>
+                  <a:srgbClr val="333333"/>
+                </a:solidFill>
+                <a:latin typeface="inherit"/>
+              </a:rPr>
+              <a:t>(</a:t>
+            </a:r>
+            <a:r>
+              <a:rPr lang="pt-BR" dirty="0">
+                <a:solidFill>
+                  <a:srgbClr val="002D7A"/>
+                </a:solidFill>
+                <a:latin typeface="inherit"/>
+              </a:rPr>
+              <a:t>temperature</a:t>
+            </a:r>
+            <a:r>
+              <a:rPr lang="pt-BR" dirty="0">
+                <a:solidFill>
+                  <a:srgbClr val="333333"/>
+                </a:solidFill>
+                <a:latin typeface="inherit"/>
+              </a:rPr>
+              <a:t>.</a:t>
+            </a:r>
+            <a:r>
+              <a:rPr lang="pt-BR" dirty="0">
+                <a:solidFill>
+                  <a:srgbClr val="004ED0"/>
+                </a:solidFill>
+                <a:latin typeface="inherit"/>
+              </a:rPr>
+              <a:t>getBytes</a:t>
+            </a:r>
+            <a:r>
+              <a:rPr lang="pt-BR" dirty="0">
+                <a:solidFill>
+                  <a:srgbClr val="333333"/>
+                </a:solidFill>
+                <a:latin typeface="inherit"/>
+              </a:rPr>
+              <a:t>()));</a:t>
+            </a:r>
+            <a:endParaRPr lang="pt-BR" dirty="0">
+              <a:solidFill>
+                <a:srgbClr val="000000"/>
+              </a:solidFill>
+              <a:latin typeface="Droid Sans Mono"/>
+            </a:endParaRPr>
+          </a:p>
+          <a:p>
+            <a:pPr marL="0" indent="0">
+              <a:buNone/>
+            </a:pPr>
+            <a:r>
+              <a:rPr lang="pt-BR" dirty="0">
+                <a:solidFill>
+                  <a:srgbClr val="006FE0"/>
+                </a:solidFill>
+                <a:latin typeface="inherit"/>
+              </a:rPr>
+              <a:t>     </a:t>
+            </a:r>
+            <a:r>
+              <a:rPr lang="pt-BR" dirty="0">
+                <a:solidFill>
+                  <a:srgbClr val="333333"/>
+                </a:solidFill>
+                <a:latin typeface="inherit"/>
+              </a:rPr>
+              <a:t>}</a:t>
+            </a:r>
+            <a:endParaRPr lang="pt-BR" dirty="0">
+              <a:solidFill>
+                <a:srgbClr val="000000"/>
+              </a:solidFill>
+              <a:latin typeface="Droid Sans Mono"/>
+            </a:endParaRPr>
+          </a:p>
+          <a:p>
+            <a:endParaRPr lang="pt-BR" dirty="0" smtClean="0">
+              <a:solidFill>
+                <a:srgbClr val="000000"/>
+              </a:solidFill>
+              <a:latin typeface="Droid Sans Mono"/>
+            </a:endParaRPr>
+          </a:p>
+          <a:p>
+            <a:endParaRPr lang="pt-BR" dirty="0"/>
+          </a:p>
+        </p:txBody>
+      </p:sp>
+      <p:sp>
+        <p:nvSpPr>
+          <p:cNvPr id="4" name="Slide Number Placeholder 3"/>
+          <p:cNvSpPr>
+            <a:spLocks noGrp="1"/>
+          </p:cNvSpPr>
+          <p:nvPr>
+            <p:ph type="sldNum" sz="quarter" idx="12"/>
+          </p:nvPr>
+        </p:nvSpPr>
+        <p:spPr/>
+        <p:txBody>
+          <a:bodyPr/>
+          <a:lstStyle/>
+          <a:p>
+            <a:fld id="{F7934532-1102-47A1-AD69-2C30B33FF293}" type="slidenum">
+              <a:rPr lang="pt-BR" smtClean="0"/>
+              <a:t>19</a:t>
+            </a:fld>
+            <a:endParaRPr lang="pt-BR"/>
+          </a:p>
+        </p:txBody>
+      </p:sp>
+      <p:sp>
+        <p:nvSpPr>
+          <p:cNvPr id="6" name="Footer Placeholder 4"/>
+          <p:cNvSpPr>
+            <a:spLocks noGrp="1"/>
+          </p:cNvSpPr>
+          <p:nvPr>
+            <p:ph type="ftr" sz="quarter" idx="11"/>
+          </p:nvPr>
+        </p:nvSpPr>
+        <p:spPr>
+          <a:xfrm>
+            <a:off x="3429000" y="18288"/>
+            <a:ext cx="4114800" cy="329184"/>
+          </a:xfrm>
+        </p:spPr>
+        <p:txBody>
+          <a:bodyPr/>
+          <a:lstStyle/>
+          <a:p>
+            <a:r>
+              <a:rPr lang="pt-BR" dirty="0"/>
+              <a:t>Pedro Affonso – MO809 – </a:t>
+            </a:r>
             <a:r>
               <a:rPr lang="pt-BR" dirty="0" smtClean="0"/>
-              <a:t>Obrigado!</a:t>
+              <a:t>set/2016</a:t>
             </a:r>
             <a:endParaRPr lang="pt-BR" dirty="0"/>
           </a:p>
@@ -7239,7 +8208,7 @@
     </p:spTree>
     <p:extLst>
       <p:ext uri="{BB962C8B-B14F-4D97-AF65-F5344CB8AC3E}">
-        <p14:creationId xmlns:p14="http://schemas.microsoft.com/office/powerpoint/2010/main" val="2271835608"/>
+        <p14:creationId xmlns:p14="http://schemas.microsoft.com/office/powerpoint/2010/main" val="2421377779"/>
       </p:ext>
     </p:extLst>
   </p:cSld>
@@ -7283,20 +8252,204 @@
           <a:p>
             <a:r>
               <a:rPr lang="pt-BR" dirty="0" smtClean="0"/>
+              <a:t>Agenda</a:t>
+            </a:r>
+            <a:endParaRPr lang="pt-BR" dirty="0"/>
+          </a:p>
+        </p:txBody>
+      </p:sp>
+      <p:sp>
+        <p:nvSpPr>
+          <p:cNvPr id="3" name="Content Placeholder 2"/>
+          <p:cNvSpPr>
+            <a:spLocks noGrp="1"/>
+          </p:cNvSpPr>
+          <p:nvPr>
+            <p:ph idx="1"/>
+          </p:nvPr>
+        </p:nvSpPr>
+        <p:spPr/>
+        <p:txBody>
+          <a:bodyPr>
+            <a:normAutofit lnSpcReduction="10000"/>
+          </a:bodyPr>
+          <a:lstStyle/>
+          <a:p>
+            <a:pPr marL="457200" indent="-457200">
+              <a:lnSpc>
+                <a:spcPct val="150000"/>
+              </a:lnSpc>
+              <a:buFont typeface="+mj-lt"/>
+              <a:buAutoNum type="arabicPeriod"/>
+            </a:pPr>
+            <a:r>
+              <a:rPr lang="pt-BR" i="1" dirty="0" smtClean="0">
+                <a:solidFill>
+                  <a:schemeClr val="tx1">
+                    <a:lumMod val="75000"/>
+                    <a:lumOff val="25000"/>
+                  </a:schemeClr>
+                </a:solidFill>
+              </a:rPr>
               <a:t>Por que MQTT</a:t>
             </a:r>
+          </a:p>
+          <a:p>
+            <a:pPr marL="457200" indent="-457200">
+              <a:lnSpc>
+                <a:spcPct val="150000"/>
+              </a:lnSpc>
+              <a:buFont typeface="+mj-lt"/>
+              <a:buAutoNum type="arabicPeriod"/>
+            </a:pPr>
+            <a:r>
+              <a:rPr lang="pt-BR" i="1" dirty="0" smtClean="0">
+                <a:solidFill>
+                  <a:schemeClr val="tx1">
+                    <a:lumMod val="75000"/>
+                    <a:lumOff val="25000"/>
+                  </a:schemeClr>
+                </a:solidFill>
+              </a:rPr>
+              <a:t>Características gerais</a:t>
+            </a:r>
+          </a:p>
+          <a:p>
+            <a:pPr marL="457200" indent="-457200">
+              <a:lnSpc>
+                <a:spcPct val="150000"/>
+              </a:lnSpc>
+              <a:buFont typeface="+mj-lt"/>
+              <a:buAutoNum type="arabicPeriod"/>
+            </a:pPr>
+            <a:r>
+              <a:rPr lang="pt-BR" i="1" dirty="0" smtClean="0">
+                <a:solidFill>
+                  <a:schemeClr val="tx1">
+                    <a:lumMod val="75000"/>
+                    <a:lumOff val="25000"/>
+                  </a:schemeClr>
+                </a:solidFill>
+              </a:rPr>
+              <a:t>Arquitetura</a:t>
+            </a:r>
+          </a:p>
+          <a:p>
+            <a:pPr marL="457200" indent="-457200">
+              <a:lnSpc>
+                <a:spcPct val="150000"/>
+              </a:lnSpc>
+              <a:buFont typeface="+mj-lt"/>
+              <a:buAutoNum type="arabicPeriod"/>
+            </a:pPr>
+            <a:r>
+              <a:rPr lang="pt-BR" i="1" dirty="0" smtClean="0">
+                <a:solidFill>
+                  <a:schemeClr val="tx1">
+                    <a:lumMod val="75000"/>
+                    <a:lumOff val="25000"/>
+                  </a:schemeClr>
+                </a:solidFill>
+              </a:rPr>
+              <a:t>MQTT-SN</a:t>
+            </a:r>
+          </a:p>
+          <a:p>
+            <a:pPr marL="457200" indent="-457200">
+              <a:lnSpc>
+                <a:spcPct val="150000"/>
+              </a:lnSpc>
+              <a:buFont typeface="+mj-lt"/>
+              <a:buAutoNum type="arabicPeriod"/>
+            </a:pPr>
+            <a:r>
+              <a:rPr lang="pt-BR" i="1" dirty="0" smtClean="0">
+                <a:solidFill>
+                  <a:schemeClr val="tx1">
+                    <a:lumMod val="75000"/>
+                    <a:lumOff val="25000"/>
+                  </a:schemeClr>
+                </a:solidFill>
+              </a:rPr>
+              <a:t>Visão resumida em baixo nível</a:t>
+            </a:r>
+          </a:p>
+          <a:p>
+            <a:pPr marL="457200" indent="-457200">
+              <a:lnSpc>
+                <a:spcPct val="150000"/>
+              </a:lnSpc>
+              <a:buFont typeface="+mj-lt"/>
+              <a:buAutoNum type="arabicPeriod"/>
+            </a:pPr>
+            <a:r>
+              <a:rPr lang="pt-BR" i="1" dirty="0" smtClean="0">
+                <a:solidFill>
+                  <a:schemeClr val="tx1">
+                    <a:lumMod val="75000"/>
+                    <a:lumOff val="25000"/>
+                  </a:schemeClr>
+                </a:solidFill>
+              </a:rPr>
+              <a:t>Implementações</a:t>
+            </a:r>
+          </a:p>
+          <a:p>
+            <a:pPr marL="457200" indent="-457200">
+              <a:lnSpc>
+                <a:spcPct val="150000"/>
+              </a:lnSpc>
+              <a:buFont typeface="+mj-lt"/>
+              <a:buAutoNum type="arabicPeriod"/>
+            </a:pPr>
+            <a:r>
+              <a:rPr lang="pt-BR" i="1" dirty="0" smtClean="0">
+                <a:solidFill>
+                  <a:schemeClr val="tx1">
+                    <a:lumMod val="75000"/>
+                    <a:lumOff val="25000"/>
+                  </a:schemeClr>
+                </a:solidFill>
+              </a:rPr>
+              <a:t>Aplicações</a:t>
+            </a:r>
+          </a:p>
+          <a:p>
+            <a:pPr marL="457200" indent="-457200">
+              <a:lnSpc>
+                <a:spcPct val="150000"/>
+              </a:lnSpc>
+              <a:buFont typeface="+mj-lt"/>
+              <a:buAutoNum type="arabicPeriod"/>
+            </a:pPr>
+            <a:r>
+              <a:rPr lang="pt-BR" i="1" dirty="0" smtClean="0">
+                <a:solidFill>
+                  <a:schemeClr val="tx1">
+                    <a:lumMod val="75000"/>
+                    <a:lumOff val="25000"/>
+                  </a:schemeClr>
+                </a:solidFill>
+              </a:rPr>
+              <a:t>Código de exemplo</a:t>
+            </a:r>
+          </a:p>
+          <a:p>
+            <a:endParaRPr lang="pt-BR" dirty="0" smtClean="0"/>
+          </a:p>
+          <a:p>
             <a:endParaRPr lang="pt-BR" dirty="0"/>
           </a:p>
         </p:txBody>
       </p:sp>
       <p:sp>
         <p:nvSpPr>
-          <p:cNvPr id="3" name="Content Placeholder 2"/>
-          <p:cNvSpPr>
-            <a:spLocks noGrp="1"/>
-          </p:cNvSpPr>
-          <p:nvPr>
-            <p:ph idx="1"/>
+          <p:cNvPr id="4" name="Slide Number Placeholder 3"/>
+          <p:cNvSpPr>
+            <a:spLocks noGrp="1"/>
+          </p:cNvSpPr>
+          <p:nvPr>
+            <p:ph type="sldNum" sz="quarter" idx="12"/>
           </p:nvPr>
         </p:nvSpPr>
         <p:spPr/>
@@ -7304,82 +8457,45 @@
           <a:bodyPr/>
           <a:lstStyle/>
           <a:p>
+            <a:fld id="{F7934532-1102-47A1-AD69-2C30B33FF293}" type="slidenum">
+              <a:rPr lang="pt-BR" smtClean="0"/>
+              <a:t>2</a:t>
+            </a:fld>
+            <a:endParaRPr lang="pt-BR"/>
+          </a:p>
+        </p:txBody>
+      </p:sp>
+      <p:sp>
+        <p:nvSpPr>
+          <p:cNvPr id="5" name="Footer Placeholder 4"/>
+          <p:cNvSpPr>
+            <a:spLocks noGrp="1"/>
+          </p:cNvSpPr>
+          <p:nvPr>
+            <p:ph type="ftr" sz="quarter" idx="11"/>
+          </p:nvPr>
+        </p:nvSpPr>
+        <p:spPr/>
+        <p:txBody>
+          <a:bodyPr/>
+          <a:lstStyle/>
+          <a:p>
+            <a:r>
+              <a:rPr lang="pt-BR" dirty="0"/>
+              <a:t>Pedro Affonso – MO809 – </a:t>
+            </a:r>
             <a:r>
               <a:rPr lang="pt-BR" dirty="0" smtClean="0"/>
-              <a:t>Protocolo HTTP tem overhead demais para muitas aplicações</a:t>
-            </a:r>
-          </a:p>
-          <a:p>
-            <a:pPr lvl="1"/>
-            <a:r>
-              <a:rPr lang="pt-BR" dirty="0"/>
-              <a:t>Especialmente ao se enviar muitos pacotes </a:t>
-            </a:r>
-            <a:r>
-              <a:rPr lang="pt-BR" dirty="0" smtClean="0"/>
-              <a:t>pequenos</a:t>
-            </a:r>
-          </a:p>
-          <a:p>
-            <a:r>
-              <a:rPr lang="pt-BR" dirty="0" smtClean="0"/>
-              <a:t>QoS variável</a:t>
-            </a:r>
-          </a:p>
-          <a:p>
-            <a:pPr lvl="1"/>
-            <a:r>
-              <a:rPr lang="pt-BR" dirty="0" smtClean="0"/>
-              <a:t>Útil para protocolos de transporte sem garantias de entrega</a:t>
-            </a:r>
-          </a:p>
-          <a:p>
-            <a:pPr lvl="1"/>
-            <a:r>
-              <a:rPr lang="pt-BR" dirty="0" smtClean="0"/>
-              <a:t>Aplicações em que se pode perder pacotes, menor overhead</a:t>
-            </a:r>
-          </a:p>
-          <a:p>
-            <a:r>
-              <a:rPr lang="pt-BR" dirty="0" smtClean="0"/>
-              <a:t>Paradigma diferente</a:t>
-            </a:r>
-          </a:p>
-          <a:p>
-            <a:pPr lvl="1"/>
-            <a:r>
-              <a:rPr lang="pt-BR" dirty="0" smtClean="0"/>
-              <a:t>Publish/Subscribe</a:t>
-            </a:r>
-          </a:p>
-          <a:p>
-            <a:pPr lvl="1"/>
-            <a:r>
-              <a:rPr lang="pt-BR" dirty="0" smtClean="0"/>
-              <a:t>Comunicação N para N</a:t>
-            </a:r>
-          </a:p>
-          <a:p>
-            <a:pPr lvl="1"/>
-            <a:r>
-              <a:rPr lang="pt-BR" dirty="0" smtClean="0"/>
-              <a:t>Modelo requisição/resposta nem sempre é o mais adequado</a:t>
-            </a:r>
-          </a:p>
-          <a:p>
-            <a:pPr lvl="1"/>
-            <a:r>
-              <a:rPr lang="pt-BR" dirty="0" smtClean="0"/>
-              <a:t>Ideal para comunicação M2M e IoT</a:t>
-            </a:r>
+              <a:t>set/2016</a:t>
+            </a:r>
+            <a:endParaRPr lang="pt-BR" dirty="0"/>
           </a:p>
         </p:txBody>
       </p:sp>
     </p:spTree>
     <p:extLst>
       <p:ext uri="{BB962C8B-B14F-4D97-AF65-F5344CB8AC3E}">
-        <p14:creationId xmlns:p14="http://schemas.microsoft.com/office/powerpoint/2010/main" val="3690875539"/>
+        <p14:creationId xmlns:p14="http://schemas.microsoft.com/office/powerpoint/2010/main" val="768567520"/>
       </p:ext>
     </p:extLst>
   </p:cSld>
@@ -7423,6 +8539,137 @@
           <a:p>
             <a:r>
               <a:rPr lang="pt-BR" dirty="0" smtClean="0"/>
+              <a:t>Dúvidas?</a:t>
+            </a:r>
+            <a:endParaRPr lang="pt-BR" dirty="0"/>
+          </a:p>
+        </p:txBody>
+      </p:sp>
+      <p:sp>
+        <p:nvSpPr>
+          <p:cNvPr id="3" name="Content Placeholder 2"/>
+          <p:cNvSpPr>
+            <a:spLocks noGrp="1"/>
+          </p:cNvSpPr>
+          <p:nvPr>
+            <p:ph idx="1"/>
+          </p:nvPr>
+        </p:nvSpPr>
+        <p:spPr/>
+        <p:txBody>
+          <a:bodyPr/>
+          <a:lstStyle/>
+          <a:p>
+            <a:r>
+              <a:rPr lang="pt-BR" dirty="0" smtClean="0"/>
+              <a:t>Obrigado!</a:t>
+            </a:r>
+            <a:endParaRPr lang="pt-BR" dirty="0"/>
+          </a:p>
+        </p:txBody>
+      </p:sp>
+      <p:sp>
+        <p:nvSpPr>
+          <p:cNvPr id="4" name="Slide Number Placeholder 3"/>
+          <p:cNvSpPr>
+            <a:spLocks noGrp="1"/>
+          </p:cNvSpPr>
+          <p:nvPr>
+            <p:ph type="sldNum" sz="quarter" idx="12"/>
+          </p:nvPr>
+        </p:nvSpPr>
+        <p:spPr/>
+        <p:txBody>
+          <a:bodyPr/>
+          <a:lstStyle/>
+          <a:p>
+            <a:fld id="{F7934532-1102-47A1-AD69-2C30B33FF293}" type="slidenum">
+              <a:rPr lang="pt-BR" smtClean="0"/>
+              <a:t>20</a:t>
+            </a:fld>
+            <a:endParaRPr lang="pt-BR"/>
+          </a:p>
+        </p:txBody>
+      </p:sp>
+      <p:sp>
+        <p:nvSpPr>
+          <p:cNvPr id="6" name="Footer Placeholder 4"/>
+          <p:cNvSpPr>
+            <a:spLocks noGrp="1"/>
+          </p:cNvSpPr>
+          <p:nvPr>
+            <p:ph type="ftr" sz="quarter" idx="11"/>
+          </p:nvPr>
+        </p:nvSpPr>
+        <p:spPr>
+          <a:xfrm>
+            <a:off x="3429000" y="18288"/>
+            <a:ext cx="4114800" cy="329184"/>
+          </a:xfrm>
+        </p:spPr>
+        <p:txBody>
+          <a:bodyPr/>
+          <a:lstStyle/>
+          <a:p>
+            <a:r>
+              <a:rPr lang="pt-BR" dirty="0"/>
+              <a:t>Pedro Affonso – MO809 – </a:t>
+            </a:r>
+            <a:r>
+              <a:rPr lang="pt-BR" dirty="0" smtClean="0"/>
+              <a:t>set/2016</a:t>
+            </a:r>
+            <a:endParaRPr lang="pt-BR" dirty="0"/>
+          </a:p>
+        </p:txBody>
+      </p:sp>
+    </p:spTree>
+    <p:extLst>
+      <p:ext uri="{BB962C8B-B14F-4D97-AF65-F5344CB8AC3E}">
+        <p14:creationId xmlns:p14="http://schemas.microsoft.com/office/powerpoint/2010/main" val="2271835608"/>
+      </p:ext>
+    </p:extLst>
+  </p:cSld>
+  <p:clrMapOvr>
+    <a:masterClrMapping/>
+  </p:clrMapOvr>
+</p:sld>
+</file>
+
+<file path=ppt/slides/slide21.xml><?xml version="1.0" encoding="utf-8"?>
+<p:sld xmlns:a="http://schemas.openxmlformats.org/drawingml/2006/main" xmlns:r="http://schemas.openxmlformats.org/officeDocument/2006/relationships" xmlns:p="http://schemas.openxmlformats.org/presentationml/2006/main">
+  <p:cSld>
+    <p:spTree>
+      <p:nvGrpSpPr>
+        <p:cNvPr id="1" name=""/>
+        <p:cNvGrpSpPr/>
+        <p:nvPr/>
+      </p:nvGrpSpPr>
+      <p:grpSpPr>
+        <a:xfrm>
+          <a:off x="0" y="0"/>
+          <a:ext cx="0" cy="0"/>
+          <a:chOff x="0" y="0"/>
+          <a:chExt cx="0" cy="0"/>
+        </a:xfrm>
+      </p:grpSpPr>
+      <p:sp>
+        <p:nvSpPr>
+          <p:cNvPr id="2" name="Title 1"/>
+          <p:cNvSpPr>
+            <a:spLocks noGrp="1"/>
+          </p:cNvSpPr>
+          <p:nvPr>
+            <p:ph type="title"/>
+          </p:nvPr>
+        </p:nvSpPr>
+        <p:spPr/>
+        <p:txBody>
+          <a:bodyPr/>
+          <a:lstStyle/>
+          <a:p>
+            <a:r>
+              <a:rPr lang="pt-BR" dirty="0" smtClean="0"/>
               <a:t>Referências</a:t>
             </a:r>
             <a:endParaRPr lang="pt-BR" dirty="0"/>
@@ -7622,6 +8869,61 @@
             </a:r>
           </a:p>
           <a:p>
+            <a:endParaRPr lang="pt-BR" dirty="0"/>
+          </a:p>
+        </p:txBody>
+      </p:sp>
+      <p:sp>
+        <p:nvSpPr>
+          <p:cNvPr id="4" name="Slide Number Placeholder 3"/>
+          <p:cNvSpPr>
+            <a:spLocks noGrp="1"/>
+          </p:cNvSpPr>
+          <p:nvPr>
+            <p:ph type="sldNum" sz="quarter" idx="12"/>
+          </p:nvPr>
+        </p:nvSpPr>
+        <p:spPr/>
+        <p:txBody>
+          <a:bodyPr/>
+          <a:lstStyle/>
+          <a:p>
+            <a:fld id="{F7934532-1102-47A1-AD69-2C30B33FF293}" type="slidenum">
+              <a:rPr lang="pt-BR" smtClean="0"/>
+              <a:t>21</a:t>
+            </a:fld>
+            <a:endParaRPr lang="pt-BR"/>
+          </a:p>
+        </p:txBody>
+      </p:sp>
+      <p:sp>
+        <p:nvSpPr>
+          <p:cNvPr id="6" name="Footer Placeholder 4"/>
+          <p:cNvSpPr>
+            <a:spLocks noGrp="1"/>
+          </p:cNvSpPr>
+          <p:nvPr>
+            <p:ph type="ftr" sz="quarter" idx="11"/>
+          </p:nvPr>
+        </p:nvSpPr>
+        <p:spPr>
+          <a:xfrm>
+            <a:off x="3429000" y="18288"/>
+            <a:ext cx="4114800" cy="329184"/>
+          </a:xfrm>
+        </p:spPr>
+        <p:txBody>
+          <a:bodyPr/>
+          <a:lstStyle/>
+          <a:p>
+            <a:r>
+              <a:rPr lang="pt-BR" dirty="0"/>
+              <a:t>Pedro Affonso – MO809 – </a:t>
+            </a:r>
+            <a:r>
+              <a:rPr lang="pt-BR" dirty="0" smtClean="0"/>
+              <a:t>set/2016</a:t>
+            </a:r>
             <a:endParaRPr lang="pt-BR" dirty="0"/>
           </a:p>
         </p:txBody>
@@ -7673,7 +8975,7 @@
           <a:p>
             <a:r>
               <a:rPr lang="pt-BR" dirty="0" smtClean="0"/>
-              <a:t>MQTT - Características</a:t>
+              <a:t>Por que MQTT</a:t>
             </a:r>
             <a:endParaRPr lang="pt-BR" dirty="0"/>
           </a:p>
@@ -7691,78 +8993,144 @@
         </p:nvSpPr>
         <p:spPr/>
         <p:txBody>
-          <a:bodyPr>
-            <a:normAutofit/>
-          </a:bodyPr>
+          <a:bodyPr/>
           <a:lstStyle/>
           <a:p>
             <a:r>
               <a:rPr lang="pt-BR" dirty="0" smtClean="0"/>
-              <a:t>IBM - Padrão OASIS</a:t>
-            </a:r>
-          </a:p>
-          <a:p>
+              <a:t>Protocolo HTTP tem overhead demais para muitas aplicações</a:t>
+            </a:r>
+          </a:p>
+          <a:p>
+            <a:pPr lvl="1"/>
             <a:r>
               <a:rPr lang="pt-BR" dirty="0"/>
-              <a:t>1999 – Oleoduto no </a:t>
-            </a:r>
+              <a:t>Especialmente ao se enviar </a:t>
+            </a:r>
+            <a:r>
+              <a:rPr lang="pt-BR"/>
+              <a:t>muitos </a:t>
+            </a:r>
+            <a:r>
+              <a:rPr lang="pt-BR" smtClean="0"/>
+              <a:t>payloads pequenos</a:t>
+            </a:r>
+            <a:endParaRPr lang="pt-BR" dirty="0" smtClean="0"/>
+          </a:p>
+          <a:p>
             <a:r>
               <a:rPr lang="pt-BR" dirty="0" smtClean="0"/>
-              <a:t>deserto</a:t>
-            </a:r>
-          </a:p>
-          <a:p>
+              <a:t>QoS variável</a:t>
+            </a:r>
+          </a:p>
+          <a:p>
+            <a:pPr lvl="1"/>
             <a:r>
               <a:rPr lang="pt-BR" dirty="0" smtClean="0"/>
-              <a:t>Camada de aplicação</a:t>
+              <a:t>Útil para protocolos de transporte sem garantias de entrega</a:t>
             </a:r>
           </a:p>
           <a:p>
             <a:pPr lvl="1"/>
             <a:r>
               <a:rPr lang="pt-BR" dirty="0" smtClean="0"/>
-              <a:t>sobre o protocolo TCP</a:t>
+              <a:t>Aplicações em que se pode perder pacotes, menor overhead</a:t>
             </a:r>
           </a:p>
           <a:p>
             <a:r>
               <a:rPr lang="pt-BR" dirty="0" smtClean="0"/>
-              <a:t>Modelo publish/subscribe</a:t>
+              <a:t>Paradigma diferente</a:t>
             </a:r>
           </a:p>
           <a:p>
             <a:pPr lvl="1"/>
             <a:r>
               <a:rPr lang="pt-BR" dirty="0" smtClean="0"/>
-              <a:t>oposto ao request/response</a:t>
+              <a:t>Publish/Subscribe</a:t>
             </a:r>
           </a:p>
           <a:p>
             <a:pPr lvl="1"/>
             <a:r>
               <a:rPr lang="pt-BR" dirty="0" smtClean="0"/>
-              <a:t>baseado em eventos</a:t>
+              <a:t>Comunicação N para N</a:t>
             </a:r>
           </a:p>
           <a:p>
             <a:pPr lvl="1"/>
             <a:r>
               <a:rPr lang="pt-BR" dirty="0" smtClean="0"/>
-              <a:t>sem filas</a:t>
-            </a:r>
-          </a:p>
-          <a:p>
+              <a:t>Modelo requisição/resposta nem sempre é o mais adequado</a:t>
+            </a:r>
+          </a:p>
+          <a:p>
+            <a:pPr lvl="1"/>
             <a:r>
               <a:rPr lang="pt-BR" dirty="0" smtClean="0"/>
-              <a:t>Originalmente “Message Queue Telemetry Transport”, agora simplesmente MQTT </a:t>
-            </a:r>
+              <a:t>Ideal para comunicação M2M e IoT</a:t>
+            </a:r>
+          </a:p>
+        </p:txBody>
+      </p:sp>
+      <p:sp>
+        <p:nvSpPr>
+          <p:cNvPr id="4" name="Slide Number Placeholder 3"/>
+          <p:cNvSpPr>
+            <a:spLocks noGrp="1"/>
+          </p:cNvSpPr>
+          <p:nvPr>
+            <p:ph type="sldNum" sz="quarter" idx="12"/>
+          </p:nvPr>
+        </p:nvSpPr>
+        <p:spPr/>
+        <p:txBody>
+          <a:bodyPr/>
+          <a:lstStyle/>
+          <a:p>
+            <a:fld id="{F7934532-1102-47A1-AD69-2C30B33FF293}" type="slidenum">
+              <a:rPr lang="pt-BR" smtClean="0"/>
+              <a:t>3</a:t>
+            </a:fld>
+            <a:endParaRPr lang="pt-BR"/>
+          </a:p>
+        </p:txBody>
+      </p:sp>
+      <p:sp>
+        <p:nvSpPr>
+          <p:cNvPr id="5" name="Footer Placeholder 4"/>
+          <p:cNvSpPr>
+            <a:spLocks noGrp="1"/>
+          </p:cNvSpPr>
+          <p:nvPr>
+            <p:ph type="ftr" sz="quarter" idx="11"/>
+          </p:nvPr>
+        </p:nvSpPr>
+        <p:spPr/>
+        <p:txBody>
+          <a:bodyPr/>
+          <a:lstStyle/>
+          <a:p>
+            <a:r>
+              <a:rPr lang="pt-BR" dirty="0"/>
+              <a:t>Pedro Affonso – MO809 </a:t>
+            </a:r>
+            <a:r>
+              <a:rPr lang="pt-BR"/>
+              <a:t>– </a:t>
+            </a:r>
+            <a:r>
+              <a:rPr lang="pt-BR" smtClean="0"/>
+              <a:t>set/2016</a:t>
+            </a:r>
+            <a:endParaRPr lang="pt-BR" dirty="0"/>
           </a:p>
         </p:txBody>
       </p:sp>
     </p:spTree>
     <p:extLst>
       <p:ext uri="{BB962C8B-B14F-4D97-AF65-F5344CB8AC3E}">
-        <p14:creationId xmlns:p14="http://schemas.microsoft.com/office/powerpoint/2010/main" val="2020599647"/>
+        <p14:creationId xmlns:p14="http://schemas.microsoft.com/office/powerpoint/2010/main" val="3690875539"/>
       </p:ext>
     </p:extLst>
   </p:cSld>
@@ -7825,6 +9193,194 @@
         <p:spPr/>
         <p:txBody>
           <a:bodyPr>
+            <a:normAutofit/>
+          </a:bodyPr>
+          <a:lstStyle/>
+          <a:p>
+            <a:r>
+              <a:rPr lang="pt-BR" dirty="0" smtClean="0"/>
+              <a:t>IBM - Padrão OASIS</a:t>
+            </a:r>
+          </a:p>
+          <a:p>
+            <a:r>
+              <a:rPr lang="pt-BR" dirty="0"/>
+              <a:t>1999 – Oleoduto no </a:t>
+            </a:r>
+            <a:r>
+              <a:rPr lang="pt-BR" dirty="0" smtClean="0"/>
+              <a:t>deserto</a:t>
+            </a:r>
+          </a:p>
+          <a:p>
+            <a:r>
+              <a:rPr lang="pt-BR" dirty="0" smtClean="0"/>
+              <a:t>Camada de aplicação</a:t>
+            </a:r>
+          </a:p>
+          <a:p>
+            <a:pPr lvl="1"/>
+            <a:r>
+              <a:rPr lang="pt-BR" dirty="0" smtClean="0"/>
+              <a:t>sobre o protocolo TCP</a:t>
+            </a:r>
+          </a:p>
+          <a:p>
+            <a:r>
+              <a:rPr lang="pt-BR" dirty="0" smtClean="0"/>
+              <a:t>Modelo publish/subscribe</a:t>
+            </a:r>
+          </a:p>
+          <a:p>
+            <a:pPr lvl="1"/>
+            <a:r>
+              <a:rPr lang="pt-BR" dirty="0" smtClean="0"/>
+              <a:t>oposto ao request/response</a:t>
+            </a:r>
+          </a:p>
+          <a:p>
+            <a:pPr lvl="1"/>
+            <a:r>
+              <a:rPr lang="pt-BR" dirty="0" smtClean="0"/>
+              <a:t>baseado em eventos</a:t>
+            </a:r>
+          </a:p>
+          <a:p>
+            <a:pPr lvl="1"/>
+            <a:r>
+              <a:rPr lang="pt-BR" dirty="0" smtClean="0"/>
+              <a:t>sem filas</a:t>
+            </a:r>
+          </a:p>
+          <a:p>
+            <a:r>
+              <a:rPr lang="pt-BR" dirty="0" smtClean="0"/>
+              <a:t>Originalmente “Message Queue Telemetry Transport”, agora simplesmente MQTT </a:t>
+            </a:r>
+          </a:p>
+        </p:txBody>
+      </p:sp>
+      <p:sp>
+        <p:nvSpPr>
+          <p:cNvPr id="4" name="Slide Number Placeholder 3"/>
+          <p:cNvSpPr>
+            <a:spLocks noGrp="1"/>
+          </p:cNvSpPr>
+          <p:nvPr>
+            <p:ph type="sldNum" sz="quarter" idx="12"/>
+          </p:nvPr>
+        </p:nvSpPr>
+        <p:spPr/>
+        <p:txBody>
+          <a:bodyPr/>
+          <a:lstStyle/>
+          <a:p>
+            <a:fld id="{F7934532-1102-47A1-AD69-2C30B33FF293}" type="slidenum">
+              <a:rPr lang="pt-BR" smtClean="0"/>
+              <a:t>4</a:t>
+            </a:fld>
+            <a:endParaRPr lang="pt-BR"/>
+          </a:p>
+        </p:txBody>
+      </p:sp>
+      <p:sp>
+        <p:nvSpPr>
+          <p:cNvPr id="7" name="Footer Placeholder 4"/>
+          <p:cNvSpPr>
+            <a:spLocks noGrp="1"/>
+          </p:cNvSpPr>
+          <p:nvPr>
+            <p:ph type="ftr" sz="quarter" idx="11"/>
+          </p:nvPr>
+        </p:nvSpPr>
+        <p:spPr>
+          <a:xfrm>
+            <a:off x="3429000" y="18288"/>
+            <a:ext cx="4114800" cy="329184"/>
+          </a:xfrm>
+        </p:spPr>
+        <p:txBody>
+          <a:bodyPr/>
+          <a:lstStyle/>
+          <a:p>
+            <a:r>
+              <a:rPr lang="pt-BR" dirty="0"/>
+              <a:t>Pedro Affonso – MO809 – </a:t>
+            </a:r>
+            <a:r>
+              <a:rPr lang="pt-BR" dirty="0" smtClean="0"/>
+              <a:t>set/2016</a:t>
+            </a:r>
+            <a:endParaRPr lang="pt-BR" dirty="0"/>
+          </a:p>
+        </p:txBody>
+      </p:sp>
+    </p:spTree>
+    <p:extLst>
+      <p:ext uri="{BB962C8B-B14F-4D97-AF65-F5344CB8AC3E}">
+        <p14:creationId xmlns:p14="http://schemas.microsoft.com/office/powerpoint/2010/main" val="2020599647"/>
+      </p:ext>
+    </p:extLst>
+  </p:cSld>
+  <p:clrMapOvr>
+    <a:masterClrMapping/>
+  </p:clrMapOvr>
+</p:sld>
+</file>
+
+<file path=ppt/slides/slide5.xml><?xml version="1.0" encoding="utf-8"?>
+<p:sld xmlns:a="http://schemas.openxmlformats.org/drawingml/2006/main" xmlns:r="http://schemas.openxmlformats.org/officeDocument/2006/relationships" xmlns:p="http://schemas.openxmlformats.org/presentationml/2006/main">
+  <p:cSld>
+    <p:spTree>
+      <p:nvGrpSpPr>
+        <p:cNvPr id="1" name=""/>
+        <p:cNvGrpSpPr/>
+        <p:nvPr/>
+      </p:nvGrpSpPr>
+      <p:grpSpPr>
+        <a:xfrm>
+          <a:off x="0" y="0"/>
+          <a:ext cx="0" cy="0"/>
+          <a:chOff x="0" y="0"/>
+          <a:chExt cx="0" cy="0"/>
+        </a:xfrm>
+      </p:grpSpPr>
+      <p:sp>
+        <p:nvSpPr>
+          <p:cNvPr id="2" name="Title 1"/>
+          <p:cNvSpPr>
+            <a:spLocks noGrp="1"/>
+          </p:cNvSpPr>
+          <p:nvPr>
+            <p:ph type="title"/>
+          </p:nvPr>
+        </p:nvSpPr>
+        <p:spPr/>
+        <p:txBody>
+          <a:bodyPr/>
+          <a:lstStyle/>
+          <a:p>
+            <a:r>
+              <a:rPr lang="pt-BR" dirty="0" smtClean="0"/>
+              <a:t>MQTT - Características</a:t>
+            </a:r>
+            <a:endParaRPr lang="pt-BR" dirty="0"/>
+          </a:p>
+        </p:txBody>
+      </p:sp>
+      <p:sp>
+        <p:nvSpPr>
+          <p:cNvPr id="3" name="Content Placeholder 2"/>
+          <p:cNvSpPr>
+            <a:spLocks noGrp="1"/>
+          </p:cNvSpPr>
+          <p:nvPr>
+            <p:ph idx="1"/>
+          </p:nvPr>
+        </p:nvSpPr>
+        <p:spPr/>
+        <p:txBody>
+          <a:bodyPr>
             <a:normAutofit fontScale="92500" lnSpcReduction="20000"/>
           </a:bodyPr>
           <a:lstStyle/>
@@ -7933,6 +9489,61 @@
           </a:p>
           <a:p>
             <a:pPr lvl="1"/>
+            <a:endParaRPr lang="pt-BR" dirty="0"/>
+          </a:p>
+        </p:txBody>
+      </p:sp>
+      <p:sp>
+        <p:nvSpPr>
+          <p:cNvPr id="4" name="Slide Number Placeholder 3"/>
+          <p:cNvSpPr>
+            <a:spLocks noGrp="1"/>
+          </p:cNvSpPr>
+          <p:nvPr>
+            <p:ph type="sldNum" sz="quarter" idx="12"/>
+          </p:nvPr>
+        </p:nvSpPr>
+        <p:spPr/>
+        <p:txBody>
+          <a:bodyPr/>
+          <a:lstStyle/>
+          <a:p>
+            <a:fld id="{F7934532-1102-47A1-AD69-2C30B33FF293}" type="slidenum">
+              <a:rPr lang="pt-BR" smtClean="0"/>
+              <a:t>5</a:t>
+            </a:fld>
+            <a:endParaRPr lang="pt-BR"/>
+          </a:p>
+        </p:txBody>
+      </p:sp>
+      <p:sp>
+        <p:nvSpPr>
+          <p:cNvPr id="6" name="Footer Placeholder 4"/>
+          <p:cNvSpPr>
+            <a:spLocks noGrp="1"/>
+          </p:cNvSpPr>
+          <p:nvPr>
+            <p:ph type="ftr" sz="quarter" idx="11"/>
+          </p:nvPr>
+        </p:nvSpPr>
+        <p:spPr>
+          <a:xfrm>
+            <a:off x="3429000" y="3472"/>
+            <a:ext cx="4114800" cy="329184"/>
+          </a:xfrm>
+        </p:spPr>
+        <p:txBody>
+          <a:bodyPr/>
+          <a:lstStyle/>
+          <a:p>
+            <a:r>
+              <a:rPr lang="pt-BR" dirty="0"/>
+              <a:t>Pedro Affonso – MO809 – </a:t>
+            </a:r>
+            <a:r>
+              <a:rPr lang="pt-BR" dirty="0" smtClean="0"/>
+              <a:t>set/2016</a:t>
+            </a:r>
             <a:endParaRPr lang="pt-BR" dirty="0"/>
           </a:p>
         </p:txBody>
@@ -7950,7 +9561,7 @@
 </p:sld>
 </file>
 
-<file path=ppt/slides/slide5.xml><?xml version="1.0" encoding="utf-8"?>
+<file path=ppt/slides/slide6.xml><?xml version="1.0" encoding="utf-8"?>
 <p:sld xmlns:a="http://schemas.openxmlformats.org/drawingml/2006/main" xmlns:r="http://schemas.openxmlformats.org/officeDocument/2006/relationships" xmlns:p="http://schemas.openxmlformats.org/presentationml/2006/main">
   <p:cSld>
     <p:spTree>
@@ -8106,107 +9717,65 @@
           </a:fontRef>
         </p:style>
       </p:cxnSp>
+      <p:sp>
+        <p:nvSpPr>
+          <p:cNvPr id="3" name="Slide Number Placeholder 2"/>
+          <p:cNvSpPr>
+            <a:spLocks noGrp="1"/>
+          </p:cNvSpPr>
+          <p:nvPr>
+            <p:ph type="sldNum" sz="quarter" idx="12"/>
+          </p:nvPr>
+        </p:nvSpPr>
+        <p:spPr/>
+        <p:txBody>
+          <a:bodyPr/>
+          <a:lstStyle/>
+          <a:p>
+            <a:fld id="{F7934532-1102-47A1-AD69-2C30B33FF293}" type="slidenum">
+              <a:rPr lang="pt-BR" smtClean="0"/>
+              <a:t>6</a:t>
+            </a:fld>
+            <a:endParaRPr lang="pt-BR"/>
+          </a:p>
+        </p:txBody>
+      </p:sp>
+      <p:sp>
+        <p:nvSpPr>
+          <p:cNvPr id="8" name="Footer Placeholder 4"/>
+          <p:cNvSpPr>
+            <a:spLocks noGrp="1"/>
+          </p:cNvSpPr>
+          <p:nvPr>
+            <p:ph type="ftr" sz="quarter" idx="11"/>
+          </p:nvPr>
+        </p:nvSpPr>
+        <p:spPr>
+          <a:xfrm>
+            <a:off x="3429000" y="18288"/>
+            <a:ext cx="4114800" cy="329184"/>
+          </a:xfrm>
+        </p:spPr>
+        <p:txBody>
+          <a:bodyPr/>
+          <a:lstStyle/>
+          <a:p>
+            <a:r>
+              <a:rPr lang="pt-BR" dirty="0"/>
+              <a:t>Pedro Affonso – MO809 – </a:t>
+            </a:r>
+            <a:r>
+              <a:rPr lang="pt-BR" dirty="0" smtClean="0"/>
+              <a:t>set/2016</a:t>
+            </a:r>
+            <a:endParaRPr lang="pt-BR" dirty="0"/>
+          </a:p>
+        </p:txBody>
+      </p:sp>
     </p:spTree>
     <p:extLst>
       <p:ext uri="{BB962C8B-B14F-4D97-AF65-F5344CB8AC3E}">
         <p14:creationId xmlns:p14="http://schemas.microsoft.com/office/powerpoint/2010/main" val="3611013414"/>
-      </p:ext>
-    </p:extLst>
-  </p:cSld>
-  <p:clrMapOvr>
-    <a:masterClrMapping/>
-  </p:clrMapOvr>
-</p:sld>
-</file>
-
-<file path=ppt/slides/slide6.xml><?xml version="1.0" encoding="utf-8"?>
-<p:sld xmlns:a="http://schemas.openxmlformats.org/drawingml/2006/main" xmlns:r="http://schemas.openxmlformats.org/officeDocument/2006/relationships" xmlns:p="http://schemas.openxmlformats.org/presentationml/2006/main">
-  <p:cSld>
-    <p:spTree>
-      <p:nvGrpSpPr>
-        <p:cNvPr id="1" name=""/>
-        <p:cNvGrpSpPr/>
-        <p:nvPr/>
-      </p:nvGrpSpPr>
-      <p:grpSpPr>
-        <a:xfrm>
-          <a:off x="0" y="0"/>
-          <a:ext cx="0" cy="0"/>
-          <a:chOff x="0" y="0"/>
-          <a:chExt cx="0" cy="0"/>
-        </a:xfrm>
-      </p:grpSpPr>
-      <p:sp>
-        <p:nvSpPr>
-          <p:cNvPr id="2" name="Title 1"/>
-          <p:cNvSpPr>
-            <a:spLocks noGrp="1"/>
-          </p:cNvSpPr>
-          <p:nvPr>
-            <p:ph type="title"/>
-          </p:nvPr>
-        </p:nvSpPr>
-        <p:spPr/>
-        <p:txBody>
-          <a:bodyPr/>
-          <a:lstStyle/>
-          <a:p>
-            <a:r>
-              <a:rPr lang="pt-BR" dirty="0" smtClean="0"/>
-              <a:t>MQTT-SN</a:t>
-            </a:r>
-            <a:endParaRPr lang="pt-BR" dirty="0"/>
-          </a:p>
-        </p:txBody>
-      </p:sp>
-      <p:sp>
-        <p:nvSpPr>
-          <p:cNvPr id="3" name="Content Placeholder 2"/>
-          <p:cNvSpPr>
-            <a:spLocks noGrp="1"/>
-          </p:cNvSpPr>
-          <p:nvPr>
-            <p:ph idx="1"/>
-          </p:nvPr>
-        </p:nvSpPr>
-        <p:spPr/>
-        <p:txBody>
-          <a:bodyPr/>
-          <a:lstStyle/>
-          <a:p>
-            <a:r>
-              <a:rPr lang="pt-BR" dirty="0"/>
-              <a:t>Possui uma versão alternativa, MQTT-SN, específica para redes de sensores</a:t>
-            </a:r>
-          </a:p>
-          <a:p>
-            <a:r>
-              <a:rPr lang="pt-BR" dirty="0"/>
-              <a:t>MQTT-SN foi idealizada para operar sobre ZigBee (802.15.4) em vez de TCP, é muito próximo de mas adaptado para peculiaridades de RSSF (WSN) – Largura de banda, falhas, tamanho da mensagem, bateria, processamento e memória limitados.</a:t>
-            </a:r>
-          </a:p>
-          <a:p>
-            <a:pPr lvl="1"/>
-            <a:r>
-              <a:rPr lang="pt-BR" dirty="0"/>
-              <a:t>Resolve os problemas de nomes dos tópicos (strings longas) e não é necessária uma conexão TCP aberta a todo momento</a:t>
-            </a:r>
-          </a:p>
-          <a:p>
-            <a:r>
-              <a:rPr lang="pt-BR" dirty="0"/>
-              <a:t>Além de clientes (nós SA) e brokers  MQTT(servidores), MQTT-SN também inclui Gateways em sua arquitetura</a:t>
-            </a:r>
-          </a:p>
-          <a:p>
-            <a:endParaRPr lang="pt-BR" dirty="0"/>
-          </a:p>
-        </p:txBody>
-      </p:sp>
-    </p:spTree>
-    <p:extLst>
-      <p:ext uri="{BB962C8B-B14F-4D97-AF65-F5344CB8AC3E}">
-        <p14:creationId xmlns:p14="http://schemas.microsoft.com/office/powerpoint/2010/main" val="4066279222"/>
       </p:ext>
     </p:extLst>
   </p:cSld>
@@ -8316,6 +9885,61 @@
           </a:extLst>
         </p:spPr>
       </p:pic>
+      <p:sp>
+        <p:nvSpPr>
+          <p:cNvPr id="4" name="Slide Number Placeholder 3"/>
+          <p:cNvSpPr>
+            <a:spLocks noGrp="1"/>
+          </p:cNvSpPr>
+          <p:nvPr>
+            <p:ph type="sldNum" sz="quarter" idx="12"/>
+          </p:nvPr>
+        </p:nvSpPr>
+        <p:spPr/>
+        <p:txBody>
+          <a:bodyPr/>
+          <a:lstStyle/>
+          <a:p>
+            <a:fld id="{F7934532-1102-47A1-AD69-2C30B33FF293}" type="slidenum">
+              <a:rPr lang="pt-BR" smtClean="0"/>
+              <a:t>7</a:t>
+            </a:fld>
+            <a:endParaRPr lang="pt-BR"/>
+          </a:p>
+        </p:txBody>
+      </p:sp>
+      <p:sp>
+        <p:nvSpPr>
+          <p:cNvPr id="7" name="Footer Placeholder 4"/>
+          <p:cNvSpPr>
+            <a:spLocks noGrp="1"/>
+          </p:cNvSpPr>
+          <p:nvPr>
+            <p:ph type="ftr" sz="quarter" idx="11"/>
+          </p:nvPr>
+        </p:nvSpPr>
+        <p:spPr>
+          <a:xfrm>
+            <a:off x="3429000" y="18288"/>
+            <a:ext cx="4114800" cy="329184"/>
+          </a:xfrm>
+        </p:spPr>
+        <p:txBody>
+          <a:bodyPr/>
+          <a:lstStyle/>
+          <a:p>
+            <a:r>
+              <a:rPr lang="pt-BR" dirty="0"/>
+              <a:t>Pedro Affonso – MO809 – </a:t>
+            </a:r>
+            <a:r>
+              <a:rPr lang="pt-BR" dirty="0" smtClean="0"/>
+              <a:t>set/2016</a:t>
+            </a:r>
+            <a:endParaRPr lang="pt-BR" dirty="0"/>
+          </a:p>
+        </p:txBody>
+      </p:sp>
     </p:spTree>
     <p:extLst>
       <p:ext uri="{BB962C8B-B14F-4D97-AF65-F5344CB8AC3E}">
@@ -8330,6 +9954,158 @@
 </file>
 
 <file path=ppt/slides/slide8.xml><?xml version="1.0" encoding="utf-8"?>
+<p:sld xmlns:a="http://schemas.openxmlformats.org/drawingml/2006/main" xmlns:r="http://schemas.openxmlformats.org/officeDocument/2006/relationships" xmlns:p="http://schemas.openxmlformats.org/presentationml/2006/main">
+  <p:cSld>
+    <p:spTree>
+      <p:nvGrpSpPr>
+        <p:cNvPr id="1" name=""/>
+        <p:cNvGrpSpPr/>
+        <p:nvPr/>
+      </p:nvGrpSpPr>
+      <p:grpSpPr>
+        <a:xfrm>
+          <a:off x="0" y="0"/>
+          <a:ext cx="0" cy="0"/>
+          <a:chOff x="0" y="0"/>
+          <a:chExt cx="0" cy="0"/>
+        </a:xfrm>
+      </p:grpSpPr>
+      <p:sp>
+        <p:nvSpPr>
+          <p:cNvPr id="2" name="Title 1"/>
+          <p:cNvSpPr>
+            <a:spLocks noGrp="1"/>
+          </p:cNvSpPr>
+          <p:nvPr>
+            <p:ph type="title"/>
+          </p:nvPr>
+        </p:nvSpPr>
+        <p:spPr/>
+        <p:txBody>
+          <a:bodyPr/>
+          <a:lstStyle/>
+          <a:p>
+            <a:r>
+              <a:rPr lang="pt-BR" dirty="0" smtClean="0"/>
+              <a:t>MQTT-SN</a:t>
+            </a:r>
+            <a:endParaRPr lang="pt-BR" dirty="0"/>
+          </a:p>
+        </p:txBody>
+      </p:sp>
+      <p:sp>
+        <p:nvSpPr>
+          <p:cNvPr id="3" name="Content Placeholder 2"/>
+          <p:cNvSpPr>
+            <a:spLocks noGrp="1"/>
+          </p:cNvSpPr>
+          <p:nvPr>
+            <p:ph idx="1"/>
+          </p:nvPr>
+        </p:nvSpPr>
+        <p:spPr/>
+        <p:txBody>
+          <a:bodyPr/>
+          <a:lstStyle/>
+          <a:p>
+            <a:r>
+              <a:rPr lang="pt-BR" dirty="0"/>
+              <a:t>Possui uma versão alternativa, MQTT-SN, específica para redes de sensores</a:t>
+            </a:r>
+          </a:p>
+          <a:p>
+            <a:r>
+              <a:rPr lang="pt-BR" dirty="0"/>
+              <a:t>MQTT-SN foi idealizada para operar sobre ZigBee (802.15.4) em vez de TCP, é muito próximo de mas adaptado para peculiaridades de RSSF (WSN) – Largura de banda, falhas, tamanho da mensagem, bateria, processamento e memória limitados.</a:t>
+            </a:r>
+          </a:p>
+          <a:p>
+            <a:pPr lvl="1"/>
+            <a:r>
+              <a:rPr lang="pt-BR" dirty="0"/>
+              <a:t>Resolve os problemas de nomes dos tópicos (strings longas) e não é necessária uma conexão TCP aberta a todo momento</a:t>
+            </a:r>
+          </a:p>
+          <a:p>
+            <a:r>
+              <a:rPr lang="pt-BR" dirty="0"/>
+              <a:t>Além de clientes (nós SA) e brokers  MQTT(servidores), MQTT-SN também inclui Gateways em sua arquitetura</a:t>
+            </a:r>
+          </a:p>
+          <a:p>
+            <a:endParaRPr lang="pt-BR" dirty="0"/>
+          </a:p>
+        </p:txBody>
+      </p:sp>
+      <p:sp>
+        <p:nvSpPr>
+          <p:cNvPr id="4" name="Slide Number Placeholder 3"/>
+          <p:cNvSpPr>
+            <a:spLocks noGrp="1"/>
+          </p:cNvSpPr>
+          <p:nvPr>
+            <p:ph type="sldNum" sz="quarter" idx="12"/>
+          </p:nvPr>
+        </p:nvSpPr>
+        <p:spPr/>
+        <p:txBody>
+          <a:bodyPr/>
+          <a:lstStyle/>
+          <a:p>
+            <a:fld id="{F7934532-1102-47A1-AD69-2C30B33FF293}" type="slidenum">
+              <a:rPr lang="pt-BR" smtClean="0"/>
+              <a:t>8</a:t>
+            </a:fld>
+            <a:endParaRPr lang="pt-BR"/>
+          </a:p>
+        </p:txBody>
+      </p:sp>
+      <p:sp>
+        <p:nvSpPr>
+          <p:cNvPr id="6" name="Footer Placeholder 4"/>
+          <p:cNvSpPr>
+            <a:spLocks noGrp="1"/>
+          </p:cNvSpPr>
+          <p:nvPr>
+            <p:ph type="ftr" sz="quarter" idx="11"/>
+          </p:nvPr>
+        </p:nvSpPr>
+        <p:spPr>
+          <a:xfrm>
+            <a:off x="3429000" y="18288"/>
+            <a:ext cx="4114800" cy="329184"/>
+          </a:xfrm>
+        </p:spPr>
+        <p:txBody>
+          <a:bodyPr/>
+          <a:lstStyle/>
+          <a:p>
+            <a:r>
+              <a:rPr lang="pt-BR" dirty="0"/>
+              <a:t>Pedro Affonso – MO809 – </a:t>
+            </a:r>
+            <a:r>
+              <a:rPr lang="pt-BR" dirty="0" smtClean="0"/>
+              <a:t>set/2016</a:t>
+            </a:r>
+            <a:endParaRPr lang="pt-BR" dirty="0"/>
+          </a:p>
+        </p:txBody>
+      </p:sp>
+    </p:spTree>
+    <p:extLst>
+      <p:ext uri="{BB962C8B-B14F-4D97-AF65-F5344CB8AC3E}">
+        <p14:creationId xmlns:p14="http://schemas.microsoft.com/office/powerpoint/2010/main" val="4066279222"/>
+      </p:ext>
+    </p:extLst>
+  </p:cSld>
+  <p:clrMapOvr>
+    <a:masterClrMapping/>
+  </p:clrMapOvr>
+</p:sld>
+</file>
+
+<file path=ppt/slides/slide9.xml><?xml version="1.0" encoding="utf-8"?>
 <p:sld xmlns:a="http://schemas.openxmlformats.org/drawingml/2006/main" xmlns:r="http://schemas.openxmlformats.org/officeDocument/2006/relationships" xmlns:p="http://schemas.openxmlformats.org/presentationml/2006/main">
   <p:cSld>
     <p:spTree>
@@ -8492,104 +10268,65 @@
           </a:extLst>
         </p:spPr>
       </p:pic>
+      <p:sp>
+        <p:nvSpPr>
+          <p:cNvPr id="3" name="Slide Number Placeholder 2"/>
+          <p:cNvSpPr>
+            <a:spLocks noGrp="1"/>
+          </p:cNvSpPr>
+          <p:nvPr>
+            <p:ph type="sldNum" sz="quarter" idx="12"/>
+          </p:nvPr>
+        </p:nvSpPr>
+        <p:spPr/>
+        <p:txBody>
+          <a:bodyPr/>
+          <a:lstStyle/>
+          <a:p>
+            <a:fld id="{F7934532-1102-47A1-AD69-2C30B33FF293}" type="slidenum">
+              <a:rPr lang="pt-BR" smtClean="0"/>
+              <a:t>9</a:t>
+            </a:fld>
+            <a:endParaRPr lang="pt-BR"/>
+          </a:p>
+        </p:txBody>
+      </p:sp>
+      <p:sp>
+        <p:nvSpPr>
+          <p:cNvPr id="8" name="Footer Placeholder 4"/>
+          <p:cNvSpPr>
+            <a:spLocks noGrp="1"/>
+          </p:cNvSpPr>
+          <p:nvPr>
+            <p:ph type="ftr" sz="quarter" idx="11"/>
+          </p:nvPr>
+        </p:nvSpPr>
+        <p:spPr>
+          <a:xfrm>
+            <a:off x="3429000" y="18288"/>
+            <a:ext cx="4114800" cy="329184"/>
+          </a:xfrm>
+        </p:spPr>
+        <p:txBody>
+          <a:bodyPr/>
+          <a:lstStyle/>
+          <a:p>
+            <a:r>
+              <a:rPr lang="pt-BR" dirty="0"/>
+              <a:t>Pedro Affonso – MO809 – </a:t>
+            </a:r>
+            <a:r>
+              <a:rPr lang="pt-BR" dirty="0" smtClean="0"/>
+              <a:t>set/2016</a:t>
+            </a:r>
+            <a:endParaRPr lang="pt-BR" dirty="0"/>
+          </a:p>
+        </p:txBody>
+      </p:sp>
     </p:spTree>
     <p:extLst>
       <p:ext uri="{BB962C8B-B14F-4D97-AF65-F5344CB8AC3E}">
         <p14:creationId xmlns:p14="http://schemas.microsoft.com/office/powerpoint/2010/main" val="819393983"/>
-      </p:ext>
-    </p:extLst>
-  </p:cSld>
-  <p:clrMapOvr>
-    <a:masterClrMapping/>
-  </p:clrMapOvr>
-</p:sld>
-</file>
-
-<file path=ppt/slides/slide9.xml><?xml version="1.0" encoding="utf-8"?>
-<p:sld xmlns:a="http://schemas.openxmlformats.org/drawingml/2006/main" xmlns:r="http://schemas.openxmlformats.org/officeDocument/2006/relationships" xmlns:p="http://schemas.openxmlformats.org/presentationml/2006/main">
-  <p:cSld>
-    <p:spTree>
-      <p:nvGrpSpPr>
-        <p:cNvPr id="1" name=""/>
-        <p:cNvGrpSpPr/>
-        <p:nvPr/>
-      </p:nvGrpSpPr>
-      <p:grpSpPr>
-        <a:xfrm>
-          <a:off x="0" y="0"/>
-          <a:ext cx="0" cy="0"/>
-          <a:chOff x="0" y="0"/>
-          <a:chExt cx="0" cy="0"/>
-        </a:xfrm>
-      </p:grpSpPr>
-      <p:sp>
-        <p:nvSpPr>
-          <p:cNvPr id="2" name="Title 1"/>
-          <p:cNvSpPr>
-            <a:spLocks noGrp="1"/>
-          </p:cNvSpPr>
-          <p:nvPr>
-            <p:ph type="title"/>
-          </p:nvPr>
-        </p:nvSpPr>
-        <p:spPr/>
-        <p:txBody>
-          <a:bodyPr/>
-          <a:lstStyle/>
-          <a:p>
-            <a:r>
-              <a:rPr lang="pt-BR" dirty="0" smtClean="0"/>
-              <a:t>Visão resumida em baixo nível</a:t>
-            </a:r>
-            <a:endParaRPr lang="pt-BR" dirty="0"/>
-          </a:p>
-        </p:txBody>
-      </p:sp>
-      <p:pic>
-        <p:nvPicPr>
-          <p:cNvPr id="4098" name="Picture 2" descr="MQTT Publish attributes"/>
-          <p:cNvPicPr>
-            <a:picLocks noChangeAspect="1" noChangeArrowheads="1"/>
-          </p:cNvPicPr>
-          <p:nvPr/>
-        </p:nvPicPr>
-        <p:blipFill>
-          <a:blip r:embed="rId2">
-            <a:extLst>
-              <a:ext uri="{28A0092B-C50C-407E-A947-70E740481C1C}">
-                <a14:useLocalDpi xmlns:a14="http://schemas.microsoft.com/office/drawing/2010/main" val="0"/>
-              </a:ext>
-            </a:extLst>
-          </a:blip>
-          <a:srcRect/>
-          <a:stretch>
-            <a:fillRect/>
-          </a:stretch>
-        </p:blipFill>
-        <p:spPr bwMode="auto">
-          <a:xfrm>
-            <a:off x="963529" y="2132856"/>
-            <a:ext cx="6547529" cy="3888432"/>
-          </a:xfrm>
-          <a:prstGeom prst="rect">
-            <a:avLst/>
-          </a:prstGeom>
-          <a:noFill/>
-          <a:extLst>
-            <a:ext uri="{909E8E84-426E-40DD-AFC4-6F175D3DCCD1}">
-              <a14:hiddenFill xmlns:a14="http://schemas.microsoft.com/office/drawing/2010/main">
-                <a:solidFill>
-                  <a:srgbClr val="FFFFFF"/>
-                </a:solidFill>
-              </a14:hiddenFill>
-            </a:ext>
-          </a:extLst>
-        </p:spPr>
-      </p:pic>
-    </p:spTree>
-    <p:extLst>
-      <p:ext uri="{BB962C8B-B14F-4D97-AF65-F5344CB8AC3E}">
-        <p14:creationId xmlns:p14="http://schemas.microsoft.com/office/powerpoint/2010/main" val="1850384722"/>
       </p:ext>
     </p:extLst>
   </p:cSld>
@@ -8885,4 +10622,289 @@
   <a:objectDefaults/>
   <a:extraClrSchemeLst/>
 </a:theme>
+</file>
+
+<file path=ppt/theme/theme2.xml><?xml version="1.0" encoding="utf-8"?>
+<a:theme xmlns:a="http://schemas.openxmlformats.org/drawingml/2006/main" name="Office Theme">
+  <a:themeElements>
+    <a:clrScheme name="Office">
+      <a:dk1>
+        <a:sysClr val="windowText" lastClr="000000"/>
+      </a:dk1>
+      <a:lt1>
+        <a:sysClr val="window" lastClr="FFFFFF"/>
+      </a:lt1>
+      <a:dk2>
+        <a:srgbClr val="1F497D"/>
+      </a:dk2>
+      <a:lt2>
+        <a:srgbClr val="EEECE1"/>
+      </a:lt2>
+      <a:accent1>
+        <a:srgbClr val="4F81BD"/>
+      </a:accent1>
+      <a:accent2>
+        <a:srgbClr val="C0504D"/>
+      </a:accent2>
+      <a:accent3>
+        <a:srgbClr val="9BBB59"/>
+      </a:accent3>
+      <a:accent4>
+        <a:srgbClr val="8064A2"/>
+      </a:accent4>
+      <a:accent5>
+        <a:srgbClr val="4BACC6"/>
+      </a:accent5>
+      <a:accent6>
+        <a:srgbClr val="F79646"/>
+      </a:accent6>
+      <a:hlink>
+        <a:srgbClr val="0000FF"/>
+      </a:hlink>
+      <a:folHlink>
+        <a:srgbClr val="800080"/>
+      </a:folHlink>
+    </a:clrScheme>
+    <a:fontScheme name="Office">
+      <a:majorFont>
+        <a:latin typeface="Calibri"/>
+        <a:ea typeface=""/>
+        <a:cs typeface=""/>
+        <a:font script="Jpan" typeface="ＭＳ Ｐゴシック"/>
+        <a:font script="Hang" typeface="맑은 고딕"/>
+        <a:font script="Hans" typeface="宋体"/>
+        <a:font script="Hant" typeface="新細明體"/>
+        <a:font script="Arab" typeface="Times New Roman"/>
+        <a:font script="Hebr" typeface="Times New Roman"/>
+        <a:font script="Thai" typeface="Angsana New"/>
+        <a:font script="Ethi" typeface="Nyala"/>
+        <a:font script="Beng" typeface="Vrinda"/>
+        <a:font script="Gujr" typeface="Shruti"/>
+        <a:font script="Khmr" typeface="MoolBoran"/>
+        <a:font script="Knda" typeface="Tunga"/>
+        <a:font script="Guru" typeface="Raavi"/>
+        <a:font script="Cans" typeface="Euphemia"/>
+        <a:font script="Cher" typeface="Plantagenet Cherokee"/>
+        <a:font script="Yiii" typeface="Microsoft Yi Baiti"/>
+        <a:font script="Tibt" typeface="Microsoft Himalaya"/>
+        <a:font script="Thaa" typeface="MV Boli"/>
+        <a:font script="Deva" typeface="Mangal"/>
+        <a:font script="Telu" typeface="Gautami"/>
+        <a:font script="Taml" typeface="Latha"/>
+        <a:font script="Syrc" typeface="Estrangelo Edessa"/>
+        <a:font script="Orya" typeface="Kalinga"/>
+        <a:font script="Mlym" typeface="Kartika"/>
+        <a:font script="Laoo" typeface="DokChampa"/>
+        <a:font script="Sinh" typeface="Iskoola Pota"/>
+        <a:font script="Mong" typeface="Mongolian Baiti"/>
+        <a:font script="Viet" typeface="Times New Roman"/>
+        <a:font script="Uigh" typeface="Microsoft Uighur"/>
+        <a:font script="Geor" typeface="Sylfaen"/>
+      </a:majorFont>
+      <a:minorFont>
+        <a:latin typeface="Calibri"/>
+        <a:ea typeface=""/>
+        <a:cs typeface=""/>
+        <a:font script="Jpan" typeface="ＭＳ Ｐゴシック"/>
+        <a:font script="Hang" typeface="맑은 고딕"/>
+        <a:font script="Hans" typeface="宋体"/>
+        <a:font script="Hant" typeface="新細明體"/>
+        <a:font script="Arab" typeface="Arial"/>
+        <a:font script="Hebr" typeface="Arial"/>
+        <a:font script="Thai" typeface="Cordia New"/>
+        <a:font script="Ethi" typeface="Nyala"/>
+        <a:font script="Beng" typeface="Vrinda"/>
+        <a:font script="Gujr" typeface="Shruti"/>
+        <a:font script="Khmr" typeface="DaunPenh"/>
+        <a:font script="Knda" typeface="Tunga"/>
+        <a:font script="Guru" typeface="Raavi"/>
+        <a:font script="Cans" typeface="Euphemia"/>
+        <a:font script="Cher" typeface="Plantagenet Cherokee"/>
+        <a:font script="Yiii" typeface="Microsoft Yi Baiti"/>
+        <a:font script="Tibt" typeface="Microsoft Himalaya"/>
+        <a:font script="Thaa" typeface="MV Boli"/>
+        <a:font script="Deva" typeface="Mangal"/>
+        <a:font script="Telu" typeface="Gautami"/>
+        <a:font script="Taml" typeface="Latha"/>
+        <a:font script="Syrc" typeface="Estrangelo Edessa"/>
+        <a:font script="Orya" typeface="Kalinga"/>
+        <a:font script="Mlym" typeface="Kartika"/>
+        <a:font script="Laoo" typeface="DokChampa"/>
+        <a:font script="Sinh" typeface="Iskoola Pota"/>
+        <a:font script="Mong" typeface="Mongolian Baiti"/>
+        <a:font script="Viet" typeface="Arial"/>
+        <a:font script="Uigh" typeface="Microsoft Uighur"/>
+        <a:font script="Geor" typeface="Sylfaen"/>
+      </a:minorFont>
+    </a:fontScheme>
+    <a:fmtScheme name="Office">
+      <a:fillStyleLst>
+        <a:solidFill>
+          <a:schemeClr val="phClr"/>
+        </a:solidFill>
+        <a:gradFill rotWithShape="1">
+          <a:gsLst>
+            <a:gs pos="0">
+              <a:schemeClr val="phClr">
+                <a:tint val="50000"/>
+                <a:satMod val="300000"/>
+              </a:schemeClr>
+            </a:gs>
+            <a:gs pos="35000">
+              <a:schemeClr val="phClr">
+                <a:tint val="37000"/>
+                <a:satMod val="300000"/>
+              </a:schemeClr>
+            </a:gs>
+            <a:gs pos="100000">
+              <a:schemeClr val="phClr">
+                <a:tint val="15000"/>
+                <a:satMod val="350000"/>
+              </a:schemeClr>
+            </a:gs>
+          </a:gsLst>
+          <a:lin ang="16200000" scaled="1"/>
+        </a:gradFill>
+        <a:gradFill rotWithShape="1">
+          <a:gsLst>
+            <a:gs pos="0">
+              <a:schemeClr val="phClr">
+                <a:shade val="51000"/>
+                <a:satMod val="130000"/>
+              </a:schemeClr>
+            </a:gs>
+            <a:gs pos="80000">
+              <a:schemeClr val="phClr">
+                <a:shade val="93000"/>
+                <a:satMod val="130000"/>
+              </a:schemeClr>
+            </a:gs>
+            <a:gs pos="100000">
+              <a:schemeClr val="phClr">
+                <a:shade val="94000"/>
+                <a:satMod val="135000"/>
+              </a:schemeClr>
+            </a:gs>
+          </a:gsLst>
+          <a:lin ang="16200000" scaled="0"/>
+        </a:gradFill>
+      </a:fillStyleLst>
+      <a:lnStyleLst>
+        <a:ln w="9525" cap="flat" cmpd="sng" algn="ctr">
+          <a:solidFill>
+            <a:schemeClr val="phClr">
+              <a:shade val="95000"/>
+              <a:satMod val="105000"/>
+            </a:schemeClr>
+          </a:solidFill>
+          <a:prstDash val="solid"/>
+        </a:ln>
+        <a:ln w="25400" cap="flat" cmpd="sng" algn="ctr">
+          <a:solidFill>
+            <a:schemeClr val="phClr"/>
+          </a:solidFill>
+          <a:prstDash val="solid"/>
+        </a:ln>
+        <a:ln w="38100" cap="flat" cmpd="sng" algn="ctr">
+          <a:solidFill>
+            <a:schemeClr val="phClr"/>
+          </a:solidFill>
+          <a:prstDash val="solid"/>
+        </a:ln>
+      </a:lnStyleLst>
+      <a:effectStyleLst>
+        <a:effectStyle>
+          <a:effectLst>
+            <a:outerShdw blurRad="40000" dist="20000" dir="5400000" rotWithShape="0">
+              <a:srgbClr val="000000">
+                <a:alpha val="38000"/>
+              </a:srgbClr>
+            </a:outerShdw>
+          </a:effectLst>
+        </a:effectStyle>
+        <a:effectStyle>
+          <a:effectLst>
+            <a:outerShdw blurRad="40000" dist="23000" dir="5400000" rotWithShape="0">
+              <a:srgbClr val="000000">
+                <a:alpha val="35000"/>
+              </a:srgbClr>
+            </a:outerShdw>
+          </a:effectLst>
+        </a:effectStyle>
+        <a:effectStyle>
+          <a:effectLst>
+            <a:outerShdw blurRad="40000" dist="23000" dir="5400000" rotWithShape="0">
+              <a:srgbClr val="000000">
+                <a:alpha val="35000"/>
+              </a:srgbClr>
+            </a:outerShdw>
+          </a:effectLst>
+          <a:scene3d>
+            <a:camera prst="orthographicFront">
+              <a:rot lat="0" lon="0" rev="0"/>
+            </a:camera>
+            <a:lightRig rig="threePt" dir="t">
+              <a:rot lat="0" lon="0" rev="1200000"/>
+            </a:lightRig>
+          </a:scene3d>
+          <a:sp3d>
+            <a:bevelT w="63500" h="25400"/>
+          </a:sp3d>
+        </a:effectStyle>
+      </a:effectStyleLst>
+      <a:bgFillStyleLst>
+        <a:solidFill>
+          <a:schemeClr val="phClr"/>
+        </a:solidFill>
+        <a:gradFill rotWithShape="1">
+          <a:gsLst>
+            <a:gs pos="0">
+              <a:schemeClr val="phClr">
+                <a:tint val="40000"/>
+                <a:satMod val="350000"/>
+              </a:schemeClr>
+            </a:gs>
+            <a:gs pos="40000">
+              <a:schemeClr val="phClr">
+                <a:tint val="45000"/>
+                <a:shade val="99000"/>
+                <a:satMod val="350000"/>
+              </a:schemeClr>
+            </a:gs>
+            <a:gs pos="100000">
+              <a:schemeClr val="phClr">
+                <a:shade val="20000"/>
+                <a:satMod val="255000"/>
+              </a:schemeClr>
+            </a:gs>
+          </a:gsLst>
+          <a:path path="circle">
+            <a:fillToRect l="50000" t="-80000" r="50000" b="180000"/>
+          </a:path>
+        </a:gradFill>
+        <a:gradFill rotWithShape="1">
+          <a:gsLst>
+            <a:gs pos="0">
+              <a:schemeClr val="phClr">
+                <a:tint val="80000"/>
+                <a:satMod val="300000"/>
+              </a:schemeClr>
+            </a:gs>
+            <a:gs pos="100000">
+              <a:schemeClr val="phClr">
+                <a:shade val="30000"/>
+                <a:satMod val="200000"/>
+              </a:schemeClr>
+            </a:gs>
+          </a:gsLst>
+          <a:path path="circle">
+            <a:fillToRect l="50000" t="50000" r="50000" b="50000"/>
+          </a:path>
+        </a:gradFill>
+      </a:bgFillStyleLst>
+    </a:fmtScheme>
+  </a:themeElements>
+  <a:objectDefaults/>
+  <a:extraClrSchemeLst/>
+</a:theme>
 </file>